--- a/Slide Projet 3.pptx
+++ b/Slide Projet 3.pptx
@@ -17,33 +17,35 @@
     <p:sldId id="262" r:id="rId12"/>
     <p:sldId id="263" r:id="rId13"/>
     <p:sldId id="264" r:id="rId14"/>
+    <p:sldId id="265" r:id="rId15"/>
+    <p:sldId id="266" r:id="rId16"/>
   </p:sldIdLst>
   <p:sldSz cy="5143500" cx="9144000"/>
   <p:notesSz cx="6858000" cy="9144000"/>
   <p:embeddedFontLst>
     <p:embeddedFont>
       <p:font typeface="Miriam Libre"/>
-      <p:regular r:id="rId15"/>
-      <p:bold r:id="rId16"/>
-    </p:embeddedFont>
-    <p:embeddedFont>
-      <p:font typeface="Work Sans"/>
       <p:regular r:id="rId17"/>
       <p:bold r:id="rId18"/>
     </p:embeddedFont>
     <p:embeddedFont>
-      <p:font typeface="Barlow Light"/>
+      <p:font typeface="Work Sans"/>
       <p:regular r:id="rId19"/>
       <p:bold r:id="rId20"/>
-      <p:italic r:id="rId21"/>
-      <p:boldItalic r:id="rId22"/>
+    </p:embeddedFont>
+    <p:embeddedFont>
+      <p:font typeface="Barlow Light"/>
+      <p:regular r:id="rId21"/>
+      <p:bold r:id="rId22"/>
+      <p:italic r:id="rId23"/>
+      <p:boldItalic r:id="rId24"/>
     </p:embeddedFont>
     <p:embeddedFont>
       <p:font typeface="Barlow"/>
-      <p:regular r:id="rId23"/>
-      <p:bold r:id="rId24"/>
-      <p:italic r:id="rId25"/>
-      <p:boldItalic r:id="rId26"/>
+      <p:regular r:id="rId25"/>
+      <p:bold r:id="rId26"/>
+      <p:italic r:id="rId27"/>
+      <p:boldItalic r:id="rId28"/>
     </p:embeddedFont>
   </p:embeddedFontLst>
   <p:defaultTextStyle>
@@ -804,6 +806,202 @@
 </p:notes>
 </file>
 
+<file path=ppt/notesSlides/notesSlide10.xml><?xml version="1.0" encoding="utf-8"?>
+<p:notes xmlns:a="http://schemas.openxmlformats.org/drawingml/2006/main" xmlns:r="http://schemas.openxmlformats.org/officeDocument/2006/relationships" xmlns:mc="http://schemas.openxmlformats.org/markup-compatibility/2006" xmlns:mv="urn:schemas-microsoft-com:mac:vml" xmlns:p="http://schemas.openxmlformats.org/presentationml/2006/main" xmlns:c="http://schemas.openxmlformats.org/drawingml/2006/chart" xmlns:dgm="http://schemas.openxmlformats.org/drawingml/2006/diagram" xmlns:o="urn:schemas-microsoft-com:office:office" xmlns:v="urn:schemas-microsoft-com:vml" xmlns:pvml="urn:schemas-microsoft-com:office:powerpoint" xmlns:com="http://schemas.openxmlformats.org/drawingml/2006/compatibility" xmlns:p14="http://schemas.microsoft.com/office/powerpoint/2010/main" xmlns:p15="http://schemas.microsoft.com/office/powerpoint/2012/main" showMasterPhAnim="0" showMasterSp="0">
+  <p:cSld>
+    <p:spTree>
+      <p:nvGrpSpPr>
+        <p:cNvPr id="326" name="Shape 326"/>
+        <p:cNvGrpSpPr/>
+        <p:nvPr/>
+      </p:nvGrpSpPr>
+      <p:grpSpPr>
+        <a:xfrm>
+          <a:off x="0" y="0"/>
+          <a:ext cx="0" cy="0"/>
+          <a:chOff x="0" y="0"/>
+          <a:chExt cx="0" cy="0"/>
+        </a:xfrm>
+      </p:grpSpPr>
+      <p:sp>
+        <p:nvSpPr>
+          <p:cNvPr id="327" name="Shape 327"/>
+          <p:cNvSpPr/>
+          <p:nvPr>
+            <p:ph idx="2" type="sldImg"/>
+          </p:nvPr>
+        </p:nvSpPr>
+        <p:spPr>
+          <a:xfrm>
+            <a:off x="381175" y="685800"/>
+            <a:ext cx="6096300" cy="3429000"/>
+          </a:xfrm>
+          <a:custGeom>
+            <a:pathLst>
+              <a:path extrusionOk="0" h="120000" w="120000">
+                <a:moveTo>
+                  <a:pt x="0" y="0"/>
+                </a:moveTo>
+                <a:lnTo>
+                  <a:pt x="120000" y="0"/>
+                </a:lnTo>
+                <a:lnTo>
+                  <a:pt x="120000" y="120000"/>
+                </a:lnTo>
+                <a:lnTo>
+                  <a:pt x="0" y="120000"/>
+                </a:lnTo>
+                <a:close/>
+              </a:path>
+            </a:pathLst>
+          </a:custGeom>
+        </p:spPr>
+      </p:sp>
+      <p:sp>
+        <p:nvSpPr>
+          <p:cNvPr id="328" name="Shape 328"/>
+          <p:cNvSpPr txBox="1"/>
+          <p:nvPr>
+            <p:ph idx="1" type="body"/>
+          </p:nvPr>
+        </p:nvSpPr>
+        <p:spPr>
+          <a:xfrm>
+            <a:off x="685800" y="4343400"/>
+            <a:ext cx="5486400" cy="4114800"/>
+          </a:xfrm>
+          <a:prstGeom prst="rect">
+            <a:avLst/>
+          </a:prstGeom>
+        </p:spPr>
+        <p:txBody>
+          <a:bodyPr anchorCtr="0" anchor="t" bIns="91425" lIns="91425" spcFirstLastPara="1" rIns="91425" wrap="square" tIns="91425">
+            <a:noAutofit/>
+          </a:bodyPr>
+          <a:lstStyle/>
+          <a:p>
+            <a:pPr indent="0" lvl="0" marL="0" rtl="0">
+              <a:spcBef>
+                <a:spcPts val="0"/>
+              </a:spcBef>
+              <a:spcAft>
+                <a:spcPts val="0"/>
+              </a:spcAft>
+              <a:buNone/>
+            </a:pPr>
+            <a:r>
+              <a:t/>
+            </a:r>
+            <a:endParaRPr/>
+          </a:p>
+        </p:txBody>
+      </p:sp>
+    </p:spTree>
+  </p:cSld>
+  <p:clrMapOvr>
+    <a:masterClrMapping/>
+  </p:clrMapOvr>
+</p:notes>
+</file>
+
+<file path=ppt/notesSlides/notesSlide11.xml><?xml version="1.0" encoding="utf-8"?>
+<p:notes xmlns:a="http://schemas.openxmlformats.org/drawingml/2006/main" xmlns:r="http://schemas.openxmlformats.org/officeDocument/2006/relationships" xmlns:mc="http://schemas.openxmlformats.org/markup-compatibility/2006" xmlns:mv="urn:schemas-microsoft-com:mac:vml" xmlns:p="http://schemas.openxmlformats.org/presentationml/2006/main" xmlns:c="http://schemas.openxmlformats.org/drawingml/2006/chart" xmlns:dgm="http://schemas.openxmlformats.org/drawingml/2006/diagram" xmlns:o="urn:schemas-microsoft-com:office:office" xmlns:v="urn:schemas-microsoft-com:vml" xmlns:pvml="urn:schemas-microsoft-com:office:powerpoint" xmlns:com="http://schemas.openxmlformats.org/drawingml/2006/compatibility" xmlns:p14="http://schemas.microsoft.com/office/powerpoint/2010/main" xmlns:p15="http://schemas.microsoft.com/office/powerpoint/2012/main" showMasterPhAnim="0" showMasterSp="0">
+  <p:cSld>
+    <p:spTree>
+      <p:nvGrpSpPr>
+        <p:cNvPr id="331" name="Shape 331"/>
+        <p:cNvGrpSpPr/>
+        <p:nvPr/>
+      </p:nvGrpSpPr>
+      <p:grpSpPr>
+        <a:xfrm>
+          <a:off x="0" y="0"/>
+          <a:ext cx="0" cy="0"/>
+          <a:chOff x="0" y="0"/>
+          <a:chExt cx="0" cy="0"/>
+        </a:xfrm>
+      </p:grpSpPr>
+      <p:sp>
+        <p:nvSpPr>
+          <p:cNvPr id="332" name="Shape 332"/>
+          <p:cNvSpPr/>
+          <p:nvPr>
+            <p:ph idx="2" type="sldImg"/>
+          </p:nvPr>
+        </p:nvSpPr>
+        <p:spPr>
+          <a:xfrm>
+            <a:off x="381175" y="685800"/>
+            <a:ext cx="6096300" cy="3429000"/>
+          </a:xfrm>
+          <a:custGeom>
+            <a:pathLst>
+              <a:path extrusionOk="0" h="120000" w="120000">
+                <a:moveTo>
+                  <a:pt x="0" y="0"/>
+                </a:moveTo>
+                <a:lnTo>
+                  <a:pt x="120000" y="0"/>
+                </a:lnTo>
+                <a:lnTo>
+                  <a:pt x="120000" y="120000"/>
+                </a:lnTo>
+                <a:lnTo>
+                  <a:pt x="0" y="120000"/>
+                </a:lnTo>
+                <a:close/>
+              </a:path>
+            </a:pathLst>
+          </a:custGeom>
+        </p:spPr>
+      </p:sp>
+      <p:sp>
+        <p:nvSpPr>
+          <p:cNvPr id="333" name="Shape 333"/>
+          <p:cNvSpPr txBox="1"/>
+          <p:nvPr>
+            <p:ph idx="1" type="body"/>
+          </p:nvPr>
+        </p:nvSpPr>
+        <p:spPr>
+          <a:xfrm>
+            <a:off x="685800" y="4343400"/>
+            <a:ext cx="5486400" cy="4114800"/>
+          </a:xfrm>
+          <a:prstGeom prst="rect">
+            <a:avLst/>
+          </a:prstGeom>
+        </p:spPr>
+        <p:txBody>
+          <a:bodyPr anchorCtr="0" anchor="t" bIns="91425" lIns="91425" spcFirstLastPara="1" rIns="91425" wrap="square" tIns="91425">
+            <a:noAutofit/>
+          </a:bodyPr>
+          <a:lstStyle/>
+          <a:p>
+            <a:pPr indent="0" lvl="0" marL="0">
+              <a:spcBef>
+                <a:spcPts val="0"/>
+              </a:spcBef>
+              <a:spcAft>
+                <a:spcPts val="0"/>
+              </a:spcAft>
+              <a:buNone/>
+            </a:pPr>
+            <a:r>
+              <a:t/>
+            </a:r>
+            <a:endParaRPr/>
+          </a:p>
+        </p:txBody>
+      </p:sp>
+    </p:spTree>
+  </p:cSld>
+  <p:clrMapOvr>
+    <a:masterClrMapping/>
+  </p:clrMapOvr>
+</p:notes>
+</file>
+
 <file path=ppt/notesSlides/notesSlide2.xml><?xml version="1.0" encoding="utf-8"?>
 <p:notes xmlns:a="http://schemas.openxmlformats.org/drawingml/2006/main" xmlns:r="http://schemas.openxmlformats.org/officeDocument/2006/relationships" xmlns:mc="http://schemas.openxmlformats.org/markup-compatibility/2006" xmlns:mv="urn:schemas-microsoft-com:mac:vml" xmlns:p="http://schemas.openxmlformats.org/presentationml/2006/main" xmlns:c="http://schemas.openxmlformats.org/drawingml/2006/chart" xmlns:dgm="http://schemas.openxmlformats.org/drawingml/2006/diagram" xmlns:o="urn:schemas-microsoft-com:office:office" xmlns:v="urn:schemas-microsoft-com:vml" xmlns:pvml="urn:schemas-microsoft-com:office:powerpoint" xmlns:com="http://schemas.openxmlformats.org/drawingml/2006/compatibility" xmlns:p14="http://schemas.microsoft.com/office/powerpoint/2010/main" xmlns:p15="http://schemas.microsoft.com/office/powerpoint/2012/main" showMasterPhAnim="0" showMasterSp="0">
   <p:cSld>
@@ -1002,7 +1200,7 @@
   <p:cSld>
     <p:spTree>
       <p:nvGrpSpPr>
-        <p:cNvPr id="250" name="Shape 250"/>
+        <p:cNvPr id="252" name="Shape 252"/>
         <p:cNvGrpSpPr/>
         <p:nvPr/>
       </p:nvGrpSpPr>
@@ -1016,7 +1214,7 @@
       </p:grpSpPr>
       <p:sp>
         <p:nvSpPr>
-          <p:cNvPr id="251" name="Shape 251"/>
+          <p:cNvPr id="253" name="Shape 253"/>
           <p:cNvSpPr/>
           <p:nvPr>
             <p:ph idx="2" type="sldImg"/>
@@ -1050,7 +1248,7 @@
       </p:sp>
       <p:sp>
         <p:nvSpPr>
-          <p:cNvPr id="252" name="Shape 252"/>
+          <p:cNvPr id="254" name="Shape 254"/>
           <p:cNvSpPr txBox="1"/>
           <p:nvPr>
             <p:ph idx="1" type="body"/>
@@ -1101,7 +1299,7 @@
   <p:cSld>
     <p:spTree>
       <p:nvGrpSpPr>
-        <p:cNvPr id="257" name="Shape 257"/>
+        <p:cNvPr id="259" name="Shape 259"/>
         <p:cNvGrpSpPr/>
         <p:nvPr/>
       </p:nvGrpSpPr>
@@ -1115,7 +1313,7 @@
       </p:grpSpPr>
       <p:sp>
         <p:nvSpPr>
-          <p:cNvPr id="258" name="Shape 258"/>
+          <p:cNvPr id="260" name="Shape 260"/>
           <p:cNvSpPr/>
           <p:nvPr>
             <p:ph idx="2" type="sldImg"/>
@@ -1149,7 +1347,7 @@
       </p:sp>
       <p:sp>
         <p:nvSpPr>
-          <p:cNvPr id="259" name="Shape 259"/>
+          <p:cNvPr id="261" name="Shape 261"/>
           <p:cNvSpPr txBox="1"/>
           <p:nvPr>
             <p:ph idx="1" type="body"/>
@@ -1216,7 +1414,7 @@
   <p:cSld>
     <p:spTree>
       <p:nvGrpSpPr>
-        <p:cNvPr id="262" name="Shape 262"/>
+        <p:cNvPr id="264" name="Shape 264"/>
         <p:cNvGrpSpPr/>
         <p:nvPr/>
       </p:nvGrpSpPr>
@@ -1230,7 +1428,7 @@
       </p:grpSpPr>
       <p:sp>
         <p:nvSpPr>
-          <p:cNvPr id="263" name="Shape 263"/>
+          <p:cNvPr id="265" name="Shape 265"/>
           <p:cNvSpPr/>
           <p:nvPr>
             <p:ph idx="2" type="sldImg"/>
@@ -1264,7 +1462,7 @@
       </p:sp>
       <p:sp>
         <p:nvSpPr>
-          <p:cNvPr id="264" name="Shape 264"/>
+          <p:cNvPr id="266" name="Shape 266"/>
           <p:cNvSpPr txBox="1"/>
           <p:nvPr>
             <p:ph idx="1" type="body"/>
@@ -1346,7 +1544,7 @@
   <p:cSld>
     <p:spTree>
       <p:nvGrpSpPr>
-        <p:cNvPr id="269" name="Shape 269"/>
+        <p:cNvPr id="271" name="Shape 271"/>
         <p:cNvGrpSpPr/>
         <p:nvPr/>
       </p:nvGrpSpPr>
@@ -1360,7 +1558,7 @@
       </p:grpSpPr>
       <p:sp>
         <p:nvSpPr>
-          <p:cNvPr id="270" name="Shape 270"/>
+          <p:cNvPr id="272" name="Shape 272"/>
           <p:cNvSpPr/>
           <p:nvPr>
             <p:ph idx="2" type="sldImg"/>
@@ -1394,7 +1592,7 @@
       </p:sp>
       <p:sp>
         <p:nvSpPr>
-          <p:cNvPr id="271" name="Shape 271"/>
+          <p:cNvPr id="273" name="Shape 273"/>
           <p:cNvSpPr txBox="1"/>
           <p:nvPr>
             <p:ph idx="1" type="body"/>
@@ -1444,7 +1642,7 @@
   <p:cSld>
     <p:spTree>
       <p:nvGrpSpPr>
-        <p:cNvPr id="274" name="Shape 274"/>
+        <p:cNvPr id="276" name="Shape 276"/>
         <p:cNvGrpSpPr/>
         <p:nvPr/>
       </p:nvGrpSpPr>
@@ -1458,7 +1656,7 @@
       </p:grpSpPr>
       <p:sp>
         <p:nvSpPr>
-          <p:cNvPr id="275" name="Shape 275"/>
+          <p:cNvPr id="277" name="Shape 277"/>
           <p:cNvSpPr/>
           <p:nvPr>
             <p:ph idx="2" type="sldImg"/>
@@ -1492,7 +1690,7 @@
       </p:sp>
       <p:sp>
         <p:nvSpPr>
-          <p:cNvPr id="276" name="Shape 276"/>
+          <p:cNvPr id="278" name="Shape 278"/>
           <p:cNvSpPr txBox="1"/>
           <p:nvPr>
             <p:ph idx="1" type="body"/>
@@ -1542,7 +1740,7 @@
   <p:cSld>
     <p:spTree>
       <p:nvGrpSpPr>
-        <p:cNvPr id="280" name="Shape 280"/>
+        <p:cNvPr id="304" name="Shape 304"/>
         <p:cNvGrpSpPr/>
         <p:nvPr/>
       </p:nvGrpSpPr>
@@ -1556,7 +1754,7 @@
       </p:grpSpPr>
       <p:sp>
         <p:nvSpPr>
-          <p:cNvPr id="281" name="Shape 281"/>
+          <p:cNvPr id="305" name="Shape 305"/>
           <p:cNvSpPr/>
           <p:nvPr>
             <p:ph idx="2" type="sldImg"/>
@@ -1590,7 +1788,7 @@
       </p:sp>
       <p:sp>
         <p:nvSpPr>
-          <p:cNvPr id="282" name="Shape 282"/>
+          <p:cNvPr id="306" name="Shape 306"/>
           <p:cNvSpPr txBox="1"/>
           <p:nvPr>
             <p:ph idx="1" type="body"/>
@@ -1640,7 +1838,7 @@
   <p:cSld>
     <p:spTree>
       <p:nvGrpSpPr>
-        <p:cNvPr id="285" name="Shape 285"/>
+        <p:cNvPr id="309" name="Shape 309"/>
         <p:cNvGrpSpPr/>
         <p:nvPr/>
       </p:nvGrpSpPr>
@@ -1654,7 +1852,7 @@
       </p:grpSpPr>
       <p:sp>
         <p:nvSpPr>
-          <p:cNvPr id="286" name="Shape 286"/>
+          <p:cNvPr id="310" name="Shape 310"/>
           <p:cNvSpPr/>
           <p:nvPr>
             <p:ph idx="2" type="sldImg"/>
@@ -1688,7 +1886,7 @@
       </p:sp>
       <p:sp>
         <p:nvSpPr>
-          <p:cNvPr id="287" name="Shape 287"/>
+          <p:cNvPr id="311" name="Shape 311"/>
           <p:cNvSpPr txBox="1"/>
           <p:nvPr>
             <p:ph idx="1" type="body"/>
@@ -1709,9 +1907,491 @@
           </a:bodyPr>
           <a:lstStyle/>
           <a:p>
+            <a:pPr indent="0" lvl="0" marL="0" rtl="0">
+              <a:lnSpc>
+                <a:spcPct val="115000"/>
+              </a:lnSpc>
+              <a:spcBef>
+                <a:spcPts val="0"/>
+              </a:spcBef>
+              <a:spcAft>
+                <a:spcPts val="0"/>
+              </a:spcAft>
+              <a:buClr>
+                <a:schemeClr val="dk1"/>
+              </a:buClr>
+              <a:buSzPts val="1100"/>
+              <a:buFont typeface="Arial"/>
+              <a:buNone/>
+            </a:pPr>
+            <a:r>
+              <a:rPr b="1" lang="en" sz="1050">
+                <a:solidFill>
+                  <a:srgbClr val="222222"/>
+                </a:solidFill>
+                <a:highlight>
+                  <a:srgbClr val="FFFFFF"/>
+                </a:highlight>
+              </a:rPr>
+              <a:t>Modèle</a:t>
+            </a:r>
+            <a:endParaRPr b="1" sz="1050">
+              <a:solidFill>
+                <a:srgbClr val="222222"/>
+              </a:solidFill>
+              <a:highlight>
+                <a:srgbClr val="FFFFFF"/>
+              </a:highlight>
+            </a:endParaRPr>
+          </a:p>
+          <a:p>
+            <a:pPr indent="0" lvl="0" marL="228600" rtl="0">
+              <a:lnSpc>
+                <a:spcPct val="115000"/>
+              </a:lnSpc>
+              <a:spcBef>
+                <a:spcPts val="100"/>
+              </a:spcBef>
+              <a:spcAft>
+                <a:spcPts val="0"/>
+              </a:spcAft>
+              <a:buClr>
+                <a:schemeClr val="dk1"/>
+              </a:buClr>
+              <a:buSzPts val="1100"/>
+              <a:buFont typeface="Arial"/>
+              <a:buNone/>
+            </a:pPr>
+            <a:r>
+              <a:rPr lang="en" sz="1050">
+                <a:solidFill>
+                  <a:srgbClr val="222222"/>
+                </a:solidFill>
+                <a:highlight>
+                  <a:srgbClr val="FFFFFF"/>
+                </a:highlight>
+              </a:rPr>
+              <a:t>Élément qui contient les données ainsi que de la logique en rapport avec les données: validation, lecture et enregistrement</a:t>
+            </a:r>
+            <a:r>
+              <a:rPr lang="en" sz="850" u="sng">
+                <a:solidFill>
+                  <a:srgbClr val="0B0080"/>
+                </a:solidFill>
+                <a:highlight>
+                  <a:srgbClr val="FFFFFF"/>
+                </a:highlight>
+                <a:hlinkClick r:id="rId2"/>
+              </a:rPr>
+              <a:t>3</a:t>
+            </a:r>
+            <a:r>
+              <a:rPr lang="en" sz="1050">
+                <a:solidFill>
+                  <a:srgbClr val="222222"/>
+                </a:solidFill>
+                <a:highlight>
+                  <a:srgbClr val="FFFFFF"/>
+                </a:highlight>
+              </a:rPr>
+              <a:t>. Il peut, dans sa forme la plus simple, contenir uniquement une simple valeur, ou une structure de données plus complexe</a:t>
+            </a:r>
+            <a:r>
+              <a:rPr lang="en" sz="850" u="sng">
+                <a:solidFill>
+                  <a:srgbClr val="0B0080"/>
+                </a:solidFill>
+                <a:highlight>
+                  <a:srgbClr val="FFFFFF"/>
+                </a:highlight>
+                <a:hlinkClick r:id="rId3"/>
+              </a:rPr>
+              <a:t>4</a:t>
+            </a:r>
+            <a:r>
+              <a:rPr lang="en" sz="1050">
+                <a:solidFill>
+                  <a:srgbClr val="222222"/>
+                </a:solidFill>
+                <a:highlight>
+                  <a:srgbClr val="FFFFFF"/>
+                </a:highlight>
+              </a:rPr>
+              <a:t>. Le modèle représente l'univers dans lequel s'inscrit l'application</a:t>
+            </a:r>
+            <a:r>
+              <a:rPr lang="en" sz="850" u="sng">
+                <a:solidFill>
+                  <a:srgbClr val="0B0080"/>
+                </a:solidFill>
+                <a:highlight>
+                  <a:srgbClr val="FFFFFF"/>
+                </a:highlight>
+                <a:hlinkClick r:id="rId4"/>
+              </a:rPr>
+              <a:t>2</a:t>
+            </a:r>
+            <a:r>
+              <a:rPr lang="en" sz="1050">
+                <a:solidFill>
+                  <a:srgbClr val="222222"/>
+                </a:solidFill>
+                <a:highlight>
+                  <a:srgbClr val="FFFFFF"/>
+                </a:highlight>
+              </a:rPr>
+              <a:t>. Par exemple pour une application de banque, le modèle représente des comptes, des clients, ainsi que les opérations telles que dépôt et retraits, et vérifie que les retraits ne dépassent pas la limite de crédit</a:t>
+            </a:r>
+            <a:r>
+              <a:rPr lang="en" sz="850" u="sng">
+                <a:solidFill>
+                  <a:srgbClr val="0B0080"/>
+                </a:solidFill>
+                <a:highlight>
+                  <a:srgbClr val="FFFFFF"/>
+                </a:highlight>
+                <a:hlinkClick r:id="rId5"/>
+              </a:rPr>
+              <a:t>2</a:t>
+            </a:r>
+            <a:r>
+              <a:rPr lang="en" sz="1050">
+                <a:solidFill>
+                  <a:srgbClr val="222222"/>
+                </a:solidFill>
+                <a:highlight>
+                  <a:srgbClr val="FFFFFF"/>
+                </a:highlight>
+              </a:rPr>
+              <a:t>.</a:t>
+            </a:r>
+            <a:endParaRPr sz="1050">
+              <a:solidFill>
+                <a:srgbClr val="222222"/>
+              </a:solidFill>
+              <a:highlight>
+                <a:srgbClr val="FFFFFF"/>
+              </a:highlight>
+            </a:endParaRPr>
+          </a:p>
+          <a:p>
+            <a:pPr indent="0" lvl="0" marL="0" rtl="0">
+              <a:lnSpc>
+                <a:spcPct val="115000"/>
+              </a:lnSpc>
+              <a:spcBef>
+                <a:spcPts val="100"/>
+              </a:spcBef>
+              <a:spcAft>
+                <a:spcPts val="0"/>
+              </a:spcAft>
+              <a:buClr>
+                <a:schemeClr val="dk1"/>
+              </a:buClr>
+              <a:buSzPts val="1100"/>
+              <a:buFont typeface="Arial"/>
+              <a:buNone/>
+            </a:pPr>
+            <a:r>
+              <a:rPr b="1" lang="en" sz="1050">
+                <a:solidFill>
+                  <a:srgbClr val="222222"/>
+                </a:solidFill>
+                <a:highlight>
+                  <a:srgbClr val="FFFFFF"/>
+                </a:highlight>
+              </a:rPr>
+              <a:t>Vue</a:t>
+            </a:r>
+            <a:endParaRPr b="1" sz="1050">
+              <a:solidFill>
+                <a:srgbClr val="222222"/>
+              </a:solidFill>
+              <a:highlight>
+                <a:srgbClr val="FFFFFF"/>
+              </a:highlight>
+            </a:endParaRPr>
+          </a:p>
+          <a:p>
+            <a:pPr indent="0" lvl="0" marL="228600" rtl="0">
+              <a:lnSpc>
+                <a:spcPct val="115000"/>
+              </a:lnSpc>
+              <a:spcBef>
+                <a:spcPts val="100"/>
+              </a:spcBef>
+              <a:spcAft>
+                <a:spcPts val="0"/>
+              </a:spcAft>
+              <a:buClr>
+                <a:schemeClr val="dk1"/>
+              </a:buClr>
+              <a:buSzPts val="1100"/>
+              <a:buFont typeface="Arial"/>
+              <a:buNone/>
+            </a:pPr>
+            <a:r>
+              <a:rPr lang="en" sz="1050">
+                <a:solidFill>
+                  <a:srgbClr val="222222"/>
+                </a:solidFill>
+                <a:highlight>
+                  <a:srgbClr val="FFFFFF"/>
+                </a:highlight>
+              </a:rPr>
+              <a:t>Partie visible d'une </a:t>
+            </a:r>
+            <a:r>
+              <a:rPr lang="en" sz="1050" u="sng">
+                <a:solidFill>
+                  <a:srgbClr val="0B0080"/>
+                </a:solidFill>
+                <a:highlight>
+                  <a:srgbClr val="FFFFFF"/>
+                </a:highlight>
+                <a:hlinkClick r:id="rId6"/>
+              </a:rPr>
+              <a:t>interface graphique</a:t>
+            </a:r>
+            <a:r>
+              <a:rPr lang="en" sz="850" u="sng">
+                <a:solidFill>
+                  <a:srgbClr val="0B0080"/>
+                </a:solidFill>
+                <a:highlight>
+                  <a:srgbClr val="FFFFFF"/>
+                </a:highlight>
+                <a:hlinkClick r:id="rId7"/>
+              </a:rPr>
+              <a:t>3</a:t>
+            </a:r>
+            <a:r>
+              <a:rPr lang="en" sz="1050">
+                <a:solidFill>
+                  <a:srgbClr val="222222"/>
+                </a:solidFill>
+                <a:highlight>
+                  <a:srgbClr val="FFFFFF"/>
+                </a:highlight>
+              </a:rPr>
+              <a:t>. La vue se sert du modèle, et peut être un diagramme, un formulaire, des boutons, etc</a:t>
+            </a:r>
+            <a:r>
+              <a:rPr lang="en" sz="850" u="sng">
+                <a:solidFill>
+                  <a:srgbClr val="0B0080"/>
+                </a:solidFill>
+                <a:highlight>
+                  <a:srgbClr val="FFFFFF"/>
+                </a:highlight>
+                <a:hlinkClick r:id="rId8"/>
+              </a:rPr>
+              <a:t>3</a:t>
+            </a:r>
+            <a:r>
+              <a:rPr lang="en" sz="1050">
+                <a:solidFill>
+                  <a:srgbClr val="222222"/>
+                </a:solidFill>
+                <a:highlight>
+                  <a:srgbClr val="FFFFFF"/>
+                </a:highlight>
+              </a:rPr>
+              <a:t>. Une vue contient des éléments visuels ainsi que la logique nécessaire pour afficher les données provenant du modèle</a:t>
+            </a:r>
+            <a:r>
+              <a:rPr lang="en" sz="850" u="sng">
+                <a:solidFill>
+                  <a:srgbClr val="0B0080"/>
+                </a:solidFill>
+                <a:highlight>
+                  <a:srgbClr val="FFFFFF"/>
+                </a:highlight>
+                <a:hlinkClick r:id="rId9"/>
+              </a:rPr>
+              <a:t>3</a:t>
+            </a:r>
+            <a:r>
+              <a:rPr lang="en" sz="1050">
+                <a:solidFill>
+                  <a:srgbClr val="222222"/>
+                </a:solidFill>
+                <a:highlight>
+                  <a:srgbClr val="FFFFFF"/>
+                </a:highlight>
+              </a:rPr>
+              <a:t>. Dans une application de bureau classique, la vue obtient les données nécessaires à la présentation du modèle en posant des questions. Elle peut également mettre à jour le modèle en envoyant des messages appropriés.</a:t>
+            </a:r>
+            <a:r>
+              <a:rPr lang="en" sz="850" u="sng">
+                <a:solidFill>
+                  <a:srgbClr val="0B0080"/>
+                </a:solidFill>
+                <a:highlight>
+                  <a:srgbClr val="FFFFFF"/>
+                </a:highlight>
+                <a:hlinkClick r:id="rId10"/>
+              </a:rPr>
+              <a:t>4</a:t>
+            </a:r>
+            <a:r>
+              <a:rPr lang="en" sz="1050">
+                <a:solidFill>
+                  <a:srgbClr val="222222"/>
+                </a:solidFill>
+                <a:highlight>
+                  <a:srgbClr val="FFFFFF"/>
+                </a:highlight>
+              </a:rPr>
+              <a:t> Dans une application web une vue contient des balises </a:t>
+            </a:r>
+            <a:r>
+              <a:rPr lang="en" sz="1050" u="sng">
+                <a:solidFill>
+                  <a:srgbClr val="0B0080"/>
+                </a:solidFill>
+                <a:highlight>
+                  <a:srgbClr val="FFFFFF"/>
+                </a:highlight>
+                <a:hlinkClick r:id="rId11"/>
+              </a:rPr>
+              <a:t>HTML</a:t>
+            </a:r>
+            <a:r>
+              <a:rPr lang="en" sz="850" u="sng">
+                <a:solidFill>
+                  <a:srgbClr val="0B0080"/>
+                </a:solidFill>
+                <a:highlight>
+                  <a:srgbClr val="FFFFFF"/>
+                </a:highlight>
+                <a:hlinkClick r:id="rId12"/>
+              </a:rPr>
+              <a:t>2</a:t>
+            </a:r>
+            <a:r>
+              <a:rPr lang="en" sz="1050">
+                <a:solidFill>
+                  <a:srgbClr val="222222"/>
+                </a:solidFill>
+                <a:highlight>
+                  <a:srgbClr val="FFFFFF"/>
+                </a:highlight>
+              </a:rPr>
+              <a:t>.</a:t>
+            </a:r>
+            <a:endParaRPr sz="1050">
+              <a:solidFill>
+                <a:srgbClr val="222222"/>
+              </a:solidFill>
+              <a:highlight>
+                <a:srgbClr val="FFFFFF"/>
+              </a:highlight>
+            </a:endParaRPr>
+          </a:p>
+          <a:p>
+            <a:pPr indent="0" lvl="0" marL="0" rtl="0">
+              <a:lnSpc>
+                <a:spcPct val="115000"/>
+              </a:lnSpc>
+              <a:spcBef>
+                <a:spcPts val="100"/>
+              </a:spcBef>
+              <a:spcAft>
+                <a:spcPts val="0"/>
+              </a:spcAft>
+              <a:buClr>
+                <a:schemeClr val="dk1"/>
+              </a:buClr>
+              <a:buSzPts val="1100"/>
+              <a:buFont typeface="Arial"/>
+              <a:buNone/>
+            </a:pPr>
+            <a:r>
+              <a:rPr b="1" lang="en" sz="1050">
+                <a:solidFill>
+                  <a:srgbClr val="222222"/>
+                </a:solidFill>
+                <a:highlight>
+                  <a:srgbClr val="FFFFFF"/>
+                </a:highlight>
+              </a:rPr>
+              <a:t>Contrôleur</a:t>
+            </a:r>
+            <a:endParaRPr b="1" sz="1050">
+              <a:solidFill>
+                <a:srgbClr val="222222"/>
+              </a:solidFill>
+              <a:highlight>
+                <a:srgbClr val="FFFFFF"/>
+              </a:highlight>
+            </a:endParaRPr>
+          </a:p>
+          <a:p>
+            <a:pPr indent="0" lvl="0" marL="228600" rtl="0">
+              <a:lnSpc>
+                <a:spcPct val="115000"/>
+              </a:lnSpc>
+              <a:spcBef>
+                <a:spcPts val="100"/>
+              </a:spcBef>
+              <a:spcAft>
+                <a:spcPts val="0"/>
+              </a:spcAft>
+              <a:buClr>
+                <a:schemeClr val="dk1"/>
+              </a:buClr>
+              <a:buSzPts val="1100"/>
+              <a:buFont typeface="Arial"/>
+              <a:buNone/>
+            </a:pPr>
+            <a:r>
+              <a:rPr lang="en" sz="1050">
+                <a:solidFill>
+                  <a:srgbClr val="222222"/>
+                </a:solidFill>
+                <a:highlight>
+                  <a:srgbClr val="FFFFFF"/>
+                </a:highlight>
+              </a:rPr>
+              <a:t>Module qui traite les actions de l'utilisateur, modifie les données du modèle et de la vue</a:t>
+            </a:r>
+            <a:r>
+              <a:rPr lang="en" sz="850" u="sng">
+                <a:solidFill>
+                  <a:srgbClr val="0B0080"/>
+                </a:solidFill>
+                <a:highlight>
+                  <a:srgbClr val="FFFFFF"/>
+                </a:highlight>
+                <a:hlinkClick r:id="rId13"/>
+              </a:rPr>
+              <a:t>3</a:t>
+            </a:r>
+            <a:r>
+              <a:rPr lang="en" sz="1050">
+                <a:solidFill>
+                  <a:srgbClr val="222222"/>
+                </a:solidFill>
+                <a:highlight>
+                  <a:srgbClr val="FFFFFF"/>
+                </a:highlight>
+              </a:rPr>
+              <a:t>.</a:t>
+            </a:r>
+            <a:endParaRPr sz="1050">
+              <a:solidFill>
+                <a:srgbClr val="222222"/>
+              </a:solidFill>
+              <a:highlight>
+                <a:srgbClr val="FFFFFF"/>
+              </a:highlight>
+            </a:endParaRPr>
+          </a:p>
+          <a:p>
             <a:pPr indent="0" lvl="0" marL="0">
               <a:spcBef>
-                <a:spcPts val="0"/>
+                <a:spcPts val="100"/>
               </a:spcBef>
               <a:spcAft>
                 <a:spcPts val="0"/>
@@ -1721,7 +2401,11 @@
             <a:r>
               <a:t/>
             </a:r>
-            <a:endParaRPr/>
+            <a:endParaRPr sz="1000">
+              <a:solidFill>
+                <a:srgbClr val="777777"/>
+              </a:solidFill>
+            </a:endParaRPr>
           </a:p>
         </p:txBody>
       </p:sp>
@@ -34818,8 +35502,8 @@
         </p:nvSpPr>
         <p:spPr>
           <a:xfrm>
-            <a:off x="2122525" y="1991825"/>
-            <a:ext cx="4899000" cy="1159800"/>
+            <a:off x="1163250" y="1991850"/>
+            <a:ext cx="6817500" cy="1159800"/>
           </a:xfrm>
           <a:prstGeom prst="rect">
             <a:avLst/>
@@ -34831,7 +35515,7 @@
           </a:bodyPr>
           <a:lstStyle/>
           <a:p>
-            <a:pPr indent="0" lvl="0" marL="0" rtl="0">
+            <a:pPr indent="0" lvl="0" marL="0">
               <a:spcBef>
                 <a:spcPts val="0"/>
               </a:spcBef>
@@ -34842,19 +35526,23 @@
             </a:pPr>
             <a:r>
               <a:rPr lang="en"/>
-              <a:t>Présentation 3 :</a:t>
+              <a:t>Réalisation</a:t>
             </a:r>
-            <a:br>
+            <a:endParaRPr/>
+          </a:p>
+          <a:p>
+            <a:pPr indent="0" lvl="0" marL="0" rtl="0">
+              <a:spcBef>
+                <a:spcPts val="0"/>
+              </a:spcBef>
+              <a:spcAft>
+                <a:spcPts val="0"/>
+              </a:spcAft>
+              <a:buNone/>
+            </a:pPr>
+            <a:r>
               <a:rPr lang="en"/>
-            </a:br>
-            <a:r>
-              <a:rPr i="1" lang="en" sz="2300">
-                <a:latin typeface="Arial"/>
-                <a:ea typeface="Arial"/>
-                <a:cs typeface="Arial"/>
-                <a:sym typeface="Arial"/>
-              </a:rPr>
-              <a:t>Créez un blog pour un écrivain</a:t>
+              <a:t>d’un blog</a:t>
             </a:r>
             <a:endParaRPr i="1"/>
           </a:p>
@@ -34868,12 +35556,12 @@
 </p:sld>
 </file>
 
-<file path=ppt/slides/slide2.xml><?xml version="1.0" encoding="utf-8"?>
+<file path=ppt/slides/slide10.xml><?xml version="1.0" encoding="utf-8"?>
 <p:sld xmlns:a="http://schemas.openxmlformats.org/drawingml/2006/main" xmlns:r="http://schemas.openxmlformats.org/officeDocument/2006/relationships" xmlns:mc="http://schemas.openxmlformats.org/markup-compatibility/2006" xmlns:mv="urn:schemas-microsoft-com:mac:vml" xmlns:p="http://schemas.openxmlformats.org/presentationml/2006/main" xmlns:c="http://schemas.openxmlformats.org/drawingml/2006/chart" xmlns:dgm="http://schemas.openxmlformats.org/drawingml/2006/diagram" xmlns:o="urn:schemas-microsoft-com:office:office" xmlns:v="urn:schemas-microsoft-com:vml" xmlns:pvml="urn:schemas-microsoft-com:office:powerpoint" xmlns:com="http://schemas.openxmlformats.org/drawingml/2006/compatibility" xmlns:p14="http://schemas.microsoft.com/office/powerpoint/2010/main" xmlns:p15="http://schemas.microsoft.com/office/powerpoint/2012/main">
   <p:cSld>
     <p:spTree>
       <p:nvGrpSpPr>
-        <p:cNvPr id="244" name="Shape 244"/>
+        <p:cNvPr id="329" name="Shape 329"/>
         <p:cNvGrpSpPr/>
         <p:nvPr/>
       </p:nvGrpSpPr>
@@ -34887,16 +35575,16 @@
       </p:grpSpPr>
       <p:sp>
         <p:nvSpPr>
-          <p:cNvPr id="245" name="Shape 245"/>
+          <p:cNvPr id="330" name="Shape 330"/>
           <p:cNvSpPr txBox="1"/>
           <p:nvPr>
-            <p:ph type="title"/>
+            <p:ph type="ctrTitle"/>
           </p:nvPr>
         </p:nvSpPr>
         <p:spPr>
           <a:xfrm>
-            <a:off x="457200" y="545575"/>
-            <a:ext cx="5138700" cy="857400"/>
+            <a:off x="-383450" y="1462050"/>
+            <a:ext cx="9144000" cy="2219400"/>
           </a:xfrm>
           <a:prstGeom prst="rect">
             <a:avLst/>
@@ -34908,318 +35596,40 @@
           </a:bodyPr>
           <a:lstStyle/>
           <a:p>
-            <a:pPr indent="0" lvl="0" marL="0" rtl="0">
+            <a:pPr indent="-228600" lvl="0" marL="457200" rtl="0">
               <a:spcBef>
                 <a:spcPts val="0"/>
               </a:spcBef>
               <a:spcAft>
                 <a:spcPts val="0"/>
               </a:spcAft>
+              <a:buSzPts val="4000"/>
               <a:buNone/>
             </a:pPr>
             <a:r>
               <a:rPr lang="en"/>
-              <a:t>Enoncé</a:t>
+              <a:t>F</a:t>
+            </a:r>
+            <a:r>
+              <a:rPr lang="en"/>
+              <a:t>onctionnalité &amp; Contenu </a:t>
             </a:r>
             <a:endParaRPr/>
           </a:p>
-        </p:txBody>
-      </p:sp>
-      <p:sp>
-        <p:nvSpPr>
-          <p:cNvPr id="246" name="Shape 246"/>
-          <p:cNvSpPr txBox="1"/>
-          <p:nvPr>
-            <p:ph idx="2" type="body"/>
-          </p:nvPr>
-        </p:nvSpPr>
-        <p:spPr>
-          <a:xfrm>
-            <a:off x="3101676" y="2105450"/>
-            <a:ext cx="2494200" cy="2358900"/>
-          </a:xfrm>
-          <a:prstGeom prst="rect">
-            <a:avLst/>
-          </a:prstGeom>
-        </p:spPr>
-        <p:txBody>
-          <a:bodyPr anchorCtr="0" anchor="t" bIns="91425" lIns="91425" spcFirstLastPara="1" rIns="91425" wrap="square" tIns="91425">
-            <a:noAutofit/>
-          </a:bodyPr>
-          <a:lstStyle/>
           <a:p>
-            <a:pPr indent="0" lvl="0" marL="0" rtl="0">
+            <a:pPr indent="-228600" lvl="0" marL="457200" rtl="0">
               <a:spcBef>
-                <a:spcPts val="600"/>
+                <a:spcPts val="0"/>
               </a:spcBef>
               <a:spcAft>
                 <a:spcPts val="0"/>
               </a:spcAft>
-              <a:buNone/>
-            </a:pPr>
-            <a:r>
-              <a:rPr b="1" lang="en" sz="1200"/>
-              <a:t>Sans Framework</a:t>
-            </a:r>
-            <a:endParaRPr sz="1200">
-              <a:solidFill>
-                <a:srgbClr val="000000"/>
-              </a:solidFill>
-            </a:endParaRPr>
-          </a:p>
-          <a:p>
-            <a:pPr indent="0" lvl="0" marL="0" rtl="0">
-              <a:spcBef>
-                <a:spcPts val="600"/>
-              </a:spcBef>
-              <a:spcAft>
-                <a:spcPts val="0"/>
-              </a:spcAft>
-              <a:buNone/>
-            </a:pPr>
-            <a:r>
-              <a:rPr lang="en" sz="1200"/>
-              <a:t>-Architecture MVC </a:t>
-            </a:r>
-            <a:endParaRPr sz="1200">
-              <a:solidFill>
-                <a:srgbClr val="000000"/>
-              </a:solidFill>
-            </a:endParaRPr>
-          </a:p>
-          <a:p>
-            <a:pPr indent="0" lvl="0" marL="0" rtl="0">
-              <a:spcBef>
-                <a:spcPts val="600"/>
-              </a:spcBef>
-              <a:spcAft>
-                <a:spcPts val="0"/>
-              </a:spcAft>
-              <a:buNone/>
-            </a:pPr>
-            <a:r>
-              <a:rPr lang="en" sz="1200"/>
-              <a:t>- Code orienté objet</a:t>
-            </a:r>
-            <a:endParaRPr sz="1200"/>
-          </a:p>
-          <a:p>
-            <a:pPr indent="0" lvl="0" marL="0" rtl="0">
-              <a:spcBef>
-                <a:spcPts val="600"/>
-              </a:spcBef>
-              <a:spcAft>
-                <a:spcPts val="0"/>
-              </a:spcAft>
-              <a:buNone/>
-            </a:pPr>
-            <a:r>
-              <a:rPr lang="en" sz="1200"/>
-              <a:t>-TinyMCE</a:t>
-            </a:r>
-            <a:endParaRPr sz="1200"/>
-          </a:p>
-          <a:p>
-            <a:pPr indent="0" lvl="0" marL="0" rtl="0">
-              <a:spcBef>
-                <a:spcPts val="600"/>
-              </a:spcBef>
-              <a:spcAft>
-                <a:spcPts val="0"/>
-              </a:spcAft>
-              <a:buClr>
-                <a:schemeClr val="dk1"/>
-              </a:buClr>
-              <a:buSzPts val="1100"/>
-              <a:buFont typeface="Arial"/>
+              <a:buSzPts val="4000"/>
               <a:buNone/>
             </a:pPr>
             <a:r>
               <a:t/>
             </a:r>
-            <a:endParaRPr b="1" sz="1200">
-              <a:solidFill>
-                <a:srgbClr val="000000"/>
-              </a:solidFill>
-            </a:endParaRPr>
-          </a:p>
-        </p:txBody>
-      </p:sp>
-      <p:sp>
-        <p:nvSpPr>
-          <p:cNvPr id="247" name="Shape 247"/>
-          <p:cNvSpPr txBox="1"/>
-          <p:nvPr>
-            <p:ph idx="1" type="body"/>
-          </p:nvPr>
-        </p:nvSpPr>
-        <p:spPr>
-          <a:xfrm>
-            <a:off x="457225" y="2105450"/>
-            <a:ext cx="2494200" cy="2358900"/>
-          </a:xfrm>
-          <a:prstGeom prst="rect">
-            <a:avLst/>
-          </a:prstGeom>
-        </p:spPr>
-        <p:txBody>
-          <a:bodyPr anchorCtr="0" anchor="t" bIns="91425" lIns="91425" spcFirstLastPara="1" rIns="91425" wrap="square" tIns="91425">
-            <a:noAutofit/>
-          </a:bodyPr>
-          <a:lstStyle/>
-          <a:p>
-            <a:pPr indent="0" lvl="0" marL="0" rtl="0">
-              <a:spcBef>
-                <a:spcPts val="600"/>
-              </a:spcBef>
-              <a:spcAft>
-                <a:spcPts val="0"/>
-              </a:spcAft>
-              <a:buClr>
-                <a:schemeClr val="dk1"/>
-              </a:buClr>
-              <a:buSzPts val="1100"/>
-              <a:buFont typeface="Arial"/>
-              <a:buNone/>
-            </a:pPr>
-            <a:r>
-              <a:rPr b="1" lang="en" sz="1200"/>
-              <a:t>Sans Wordpress</a:t>
-            </a:r>
-            <a:endParaRPr sz="1200">
-              <a:solidFill>
-                <a:srgbClr val="000000"/>
-              </a:solidFill>
-            </a:endParaRPr>
-          </a:p>
-          <a:p>
-            <a:pPr indent="0" lvl="0" marL="0" rtl="0">
-              <a:spcBef>
-                <a:spcPts val="600"/>
-              </a:spcBef>
-              <a:spcAft>
-                <a:spcPts val="0"/>
-              </a:spcAft>
-              <a:buClr>
-                <a:schemeClr val="dk1"/>
-              </a:buClr>
-              <a:buSzPts val="1100"/>
-              <a:buFont typeface="Arial"/>
-              <a:buNone/>
-            </a:pPr>
-            <a:r>
-              <a:rPr lang="en" sz="1200"/>
-              <a:t>-Language PHP</a:t>
-            </a:r>
-            <a:endParaRPr sz="1200"/>
-          </a:p>
-          <a:p>
-            <a:pPr indent="0" lvl="0" marL="0" rtl="0">
-              <a:spcBef>
-                <a:spcPts val="600"/>
-              </a:spcBef>
-              <a:spcAft>
-                <a:spcPts val="0"/>
-              </a:spcAft>
-              <a:buClr>
-                <a:schemeClr val="dk1"/>
-              </a:buClr>
-              <a:buSzPts val="1100"/>
-              <a:buFont typeface="Arial"/>
-              <a:buNone/>
-            </a:pPr>
-            <a:r>
-              <a:rPr lang="en" sz="1200"/>
-              <a:t>-Base de données MySQL</a:t>
-            </a:r>
-            <a:endParaRPr>
-              <a:solidFill>
-                <a:srgbClr val="000000"/>
-              </a:solidFill>
-            </a:endParaRPr>
-          </a:p>
-        </p:txBody>
-      </p:sp>
-      <p:sp>
-        <p:nvSpPr>
-          <p:cNvPr id="248" name="Shape 248"/>
-          <p:cNvSpPr txBox="1"/>
-          <p:nvPr>
-            <p:ph idx="2" type="body"/>
-          </p:nvPr>
-        </p:nvSpPr>
-        <p:spPr>
-          <a:xfrm>
-            <a:off x="457200" y="1277950"/>
-            <a:ext cx="5138700" cy="1141200"/>
-          </a:xfrm>
-          <a:prstGeom prst="rect">
-            <a:avLst/>
-          </a:prstGeom>
-        </p:spPr>
-        <p:txBody>
-          <a:bodyPr anchorCtr="0" anchor="t" bIns="91425" lIns="91425" spcFirstLastPara="1" rIns="91425" wrap="square" tIns="91425">
-            <a:noAutofit/>
-          </a:bodyPr>
-          <a:lstStyle/>
-          <a:p>
-            <a:pPr indent="0" lvl="0" marL="0" rtl="0">
-              <a:spcBef>
-                <a:spcPts val="0"/>
-              </a:spcBef>
-              <a:spcAft>
-                <a:spcPts val="0"/>
-              </a:spcAft>
-              <a:buNone/>
-            </a:pPr>
-            <a:r>
-              <a:rPr lang="en" sz="1200"/>
-              <a:t>Développer un blog en PHP et MySQL pour Jean Forteroche, acteur et écrivain.</a:t>
-            </a:r>
-            <a:endParaRPr sz="1200">
-              <a:solidFill>
-                <a:srgbClr val="4F4A9E"/>
-              </a:solidFill>
-            </a:endParaRPr>
-          </a:p>
-        </p:txBody>
-      </p:sp>
-      <p:sp>
-        <p:nvSpPr>
-          <p:cNvPr id="249" name="Shape 249"/>
-          <p:cNvSpPr txBox="1"/>
-          <p:nvPr>
-            <p:ph idx="12" type="sldNum"/>
-          </p:nvPr>
-        </p:nvSpPr>
-        <p:spPr>
-          <a:xfrm>
-            <a:off x="8808000" y="2208175"/>
-            <a:ext cx="336000" cy="727200"/>
-          </a:xfrm>
-          <a:prstGeom prst="rect">
-            <a:avLst/>
-          </a:prstGeom>
-        </p:spPr>
-        <p:txBody>
-          <a:bodyPr anchorCtr="0" anchor="ctr" bIns="91425" lIns="91425" spcFirstLastPara="1" rIns="91425" wrap="square" tIns="91425">
-            <a:noAutofit/>
-          </a:bodyPr>
-          <a:lstStyle/>
-          <a:p>
-            <a:pPr indent="0" lvl="0" marL="0">
-              <a:spcBef>
-                <a:spcPts val="0"/>
-              </a:spcBef>
-              <a:spcAft>
-                <a:spcPts val="0"/>
-              </a:spcAft>
-              <a:buNone/>
-            </a:pPr>
-            <a:fld id="{00000000-1234-1234-1234-123412341234}" type="slidenum">
-              <a:rPr lang="en"/>
-              <a:t>‹#›</a:t>
-            </a:fld>
             <a:endParaRPr/>
           </a:p>
         </p:txBody>
@@ -35232,12 +35642,12 @@
 </p:sld>
 </file>
 
-<file path=ppt/slides/slide3.xml><?xml version="1.0" encoding="utf-8"?>
+<file path=ppt/slides/slide11.xml><?xml version="1.0" encoding="utf-8"?>
 <p:sld xmlns:a="http://schemas.openxmlformats.org/drawingml/2006/main" xmlns:r="http://schemas.openxmlformats.org/officeDocument/2006/relationships" xmlns:mc="http://schemas.openxmlformats.org/markup-compatibility/2006" xmlns:mv="urn:schemas-microsoft-com:mac:vml" xmlns:p="http://schemas.openxmlformats.org/presentationml/2006/main" xmlns:c="http://schemas.openxmlformats.org/drawingml/2006/chart" xmlns:dgm="http://schemas.openxmlformats.org/drawingml/2006/diagram" xmlns:o="urn:schemas-microsoft-com:office:office" xmlns:v="urn:schemas-microsoft-com:vml" xmlns:pvml="urn:schemas-microsoft-com:office:powerpoint" xmlns:com="http://schemas.openxmlformats.org/drawingml/2006/compatibility" xmlns:p14="http://schemas.microsoft.com/office/powerpoint/2010/main" xmlns:p15="http://schemas.microsoft.com/office/powerpoint/2012/main">
   <p:cSld>
     <p:spTree>
       <p:nvGrpSpPr>
-        <p:cNvPr id="253" name="Shape 253"/>
+        <p:cNvPr id="334" name="Shape 334"/>
         <p:cNvGrpSpPr/>
         <p:nvPr/>
       </p:nvGrpSpPr>
@@ -35251,671 +35661,7 @@
       </p:grpSpPr>
       <p:sp>
         <p:nvSpPr>
-          <p:cNvPr id="254" name="Shape 254"/>
-          <p:cNvSpPr txBox="1"/>
-          <p:nvPr>
-            <p:ph type="title"/>
-          </p:nvPr>
-        </p:nvSpPr>
-        <p:spPr>
-          <a:xfrm>
-            <a:off x="457200" y="586975"/>
-            <a:ext cx="5138700" cy="857400"/>
-          </a:xfrm>
-          <a:prstGeom prst="rect">
-            <a:avLst/>
-          </a:prstGeom>
-        </p:spPr>
-        <p:txBody>
-          <a:bodyPr anchorCtr="0" anchor="b" bIns="91425" lIns="91425" spcFirstLastPara="1" rIns="91425" wrap="square" tIns="91425">
-            <a:noAutofit/>
-          </a:bodyPr>
-          <a:lstStyle/>
-          <a:p>
-            <a:pPr indent="0" lvl="0" marL="0">
-              <a:spcBef>
-                <a:spcPts val="0"/>
-              </a:spcBef>
-              <a:spcAft>
-                <a:spcPts val="0"/>
-              </a:spcAft>
-              <a:buNone/>
-            </a:pPr>
-            <a:r>
-              <a:rPr lang="en"/>
-              <a:t>SOMMAIRE</a:t>
-            </a:r>
-            <a:endParaRPr/>
-          </a:p>
-        </p:txBody>
-      </p:sp>
-      <p:sp>
-        <p:nvSpPr>
-          <p:cNvPr id="255" name="Shape 255"/>
-          <p:cNvSpPr txBox="1"/>
-          <p:nvPr>
-            <p:ph idx="1" type="body"/>
-          </p:nvPr>
-        </p:nvSpPr>
-        <p:spPr>
-          <a:xfrm>
-            <a:off x="457200" y="1657350"/>
-            <a:ext cx="5138700" cy="3180900"/>
-          </a:xfrm>
-          <a:prstGeom prst="rect">
-            <a:avLst/>
-          </a:prstGeom>
-        </p:spPr>
-        <p:txBody>
-          <a:bodyPr anchorCtr="0" anchor="t" bIns="91425" lIns="91425" spcFirstLastPara="1" rIns="91425" wrap="square" tIns="91425">
-            <a:noAutofit/>
-          </a:bodyPr>
-          <a:lstStyle/>
-          <a:p>
-            <a:pPr indent="-381000" lvl="0" marL="457200" rtl="0">
-              <a:spcBef>
-                <a:spcPts val="600"/>
-              </a:spcBef>
-              <a:spcAft>
-                <a:spcPts val="0"/>
-              </a:spcAft>
-              <a:buSzPts val="2400"/>
-              <a:buChar char="▹"/>
-            </a:pPr>
-            <a:r>
-              <a:rPr lang="en"/>
-              <a:t>Solutions utilisés</a:t>
-            </a:r>
-            <a:endParaRPr/>
-          </a:p>
-          <a:p>
-            <a:pPr indent="-381000" lvl="0" marL="457200" rtl="0">
-              <a:spcBef>
-                <a:spcPts val="0"/>
-              </a:spcBef>
-              <a:spcAft>
-                <a:spcPts val="0"/>
-              </a:spcAft>
-              <a:buSzPts val="2400"/>
-              <a:buChar char="▹"/>
-            </a:pPr>
-            <a:r>
-              <a:rPr lang="en"/>
-              <a:t>Arborescence du site</a:t>
-            </a:r>
-            <a:endParaRPr/>
-          </a:p>
-          <a:p>
-            <a:pPr indent="-381000" lvl="0" marL="457200" rtl="0">
-              <a:spcBef>
-                <a:spcPts val="0"/>
-              </a:spcBef>
-              <a:spcAft>
-                <a:spcPts val="0"/>
-              </a:spcAft>
-              <a:buSzPts val="2400"/>
-              <a:buChar char="▹"/>
-            </a:pPr>
-            <a:r>
-              <a:rPr lang="en"/>
-              <a:t>Fonctionnalité &amp; Contenue des pages</a:t>
-            </a:r>
-            <a:endParaRPr/>
-          </a:p>
-        </p:txBody>
-      </p:sp>
-      <p:sp>
-        <p:nvSpPr>
-          <p:cNvPr id="256" name="Shape 256"/>
-          <p:cNvSpPr txBox="1"/>
-          <p:nvPr>
-            <p:ph idx="12" type="sldNum"/>
-          </p:nvPr>
-        </p:nvSpPr>
-        <p:spPr>
-          <a:xfrm>
-            <a:off x="8808000" y="2208279"/>
-            <a:ext cx="336000" cy="727200"/>
-          </a:xfrm>
-          <a:prstGeom prst="rect">
-            <a:avLst/>
-          </a:prstGeom>
-        </p:spPr>
-        <p:txBody>
-          <a:bodyPr anchorCtr="0" anchor="ctr" bIns="91425" lIns="91425" spcFirstLastPara="1" rIns="91425" wrap="square" tIns="91425">
-            <a:noAutofit/>
-          </a:bodyPr>
-          <a:lstStyle/>
-          <a:p>
-            <a:pPr indent="0" lvl="0" marL="0">
-              <a:spcBef>
-                <a:spcPts val="0"/>
-              </a:spcBef>
-              <a:spcAft>
-                <a:spcPts val="0"/>
-              </a:spcAft>
-              <a:buNone/>
-            </a:pPr>
-            <a:fld id="{00000000-1234-1234-1234-123412341234}" type="slidenum">
-              <a:rPr lang="en"/>
-              <a:t>‹#›</a:t>
-            </a:fld>
-            <a:endParaRPr/>
-          </a:p>
-        </p:txBody>
-      </p:sp>
-    </p:spTree>
-  </p:cSld>
-  <p:clrMapOvr>
-    <a:masterClrMapping/>
-  </p:clrMapOvr>
-</p:sld>
-</file>
-
-<file path=ppt/slides/slide4.xml><?xml version="1.0" encoding="utf-8"?>
-<p:sld xmlns:a="http://schemas.openxmlformats.org/drawingml/2006/main" xmlns:r="http://schemas.openxmlformats.org/officeDocument/2006/relationships" xmlns:mc="http://schemas.openxmlformats.org/markup-compatibility/2006" xmlns:mv="urn:schemas-microsoft-com:mac:vml" xmlns:p="http://schemas.openxmlformats.org/presentationml/2006/main" xmlns:c="http://schemas.openxmlformats.org/drawingml/2006/chart" xmlns:dgm="http://schemas.openxmlformats.org/drawingml/2006/diagram" xmlns:o="urn:schemas-microsoft-com:office:office" xmlns:v="urn:schemas-microsoft-com:vml" xmlns:pvml="urn:schemas-microsoft-com:office:powerpoint" xmlns:com="http://schemas.openxmlformats.org/drawingml/2006/compatibility" xmlns:p14="http://schemas.microsoft.com/office/powerpoint/2010/main" xmlns:p15="http://schemas.microsoft.com/office/powerpoint/2012/main">
-  <p:cSld>
-    <p:spTree>
-      <p:nvGrpSpPr>
-        <p:cNvPr id="260" name="Shape 260"/>
-        <p:cNvGrpSpPr/>
-        <p:nvPr/>
-      </p:nvGrpSpPr>
-      <p:grpSpPr>
-        <a:xfrm>
-          <a:off x="0" y="0"/>
-          <a:ext cx="0" cy="0"/>
-          <a:chOff x="0" y="0"/>
-          <a:chExt cx="0" cy="0"/>
-        </a:xfrm>
-      </p:grpSpPr>
-      <p:sp>
-        <p:nvSpPr>
-          <p:cNvPr id="261" name="Shape 261"/>
-          <p:cNvSpPr txBox="1"/>
-          <p:nvPr>
-            <p:ph type="ctrTitle"/>
-          </p:nvPr>
-        </p:nvSpPr>
-        <p:spPr>
-          <a:xfrm>
-            <a:off x="0" y="1888150"/>
-            <a:ext cx="9144000" cy="1159800"/>
-          </a:xfrm>
-          <a:prstGeom prst="rect">
-            <a:avLst/>
-          </a:prstGeom>
-        </p:spPr>
-        <p:txBody>
-          <a:bodyPr anchorCtr="0" anchor="b" bIns="91425" lIns="91425" spcFirstLastPara="1" rIns="91425" wrap="square" tIns="91425">
-            <a:noAutofit/>
-          </a:bodyPr>
-          <a:lstStyle/>
-          <a:p>
-            <a:pPr indent="0" lvl="0" marL="0" rtl="0">
-              <a:spcBef>
-                <a:spcPts val="0"/>
-              </a:spcBef>
-              <a:spcAft>
-                <a:spcPts val="0"/>
-              </a:spcAft>
-              <a:buNone/>
-            </a:pPr>
-            <a:r>
-              <a:rPr lang="en"/>
-              <a:t>1.</a:t>
-            </a:r>
-            <a:endParaRPr/>
-          </a:p>
-          <a:p>
-            <a:pPr indent="-228600" lvl="0" marL="457200" rtl="0">
-              <a:spcBef>
-                <a:spcPts val="0"/>
-              </a:spcBef>
-              <a:spcAft>
-                <a:spcPts val="0"/>
-              </a:spcAft>
-              <a:buSzPts val="4000"/>
-              <a:buNone/>
-            </a:pPr>
-            <a:r>
-              <a:rPr lang="en"/>
-              <a:t>Solutions utilisés</a:t>
-            </a:r>
-            <a:endParaRPr/>
-          </a:p>
-        </p:txBody>
-      </p:sp>
-    </p:spTree>
-  </p:cSld>
-  <p:clrMapOvr>
-    <a:masterClrMapping/>
-  </p:clrMapOvr>
-</p:sld>
-</file>
-
-<file path=ppt/slides/slide5.xml><?xml version="1.0" encoding="utf-8"?>
-<p:sld xmlns:a="http://schemas.openxmlformats.org/drawingml/2006/main" xmlns:r="http://schemas.openxmlformats.org/officeDocument/2006/relationships" xmlns:mc="http://schemas.openxmlformats.org/markup-compatibility/2006" xmlns:mv="urn:schemas-microsoft-com:mac:vml" xmlns:p="http://schemas.openxmlformats.org/presentationml/2006/main" xmlns:c="http://schemas.openxmlformats.org/drawingml/2006/chart" xmlns:dgm="http://schemas.openxmlformats.org/drawingml/2006/diagram" xmlns:o="urn:schemas-microsoft-com:office:office" xmlns:v="urn:schemas-microsoft-com:vml" xmlns:pvml="urn:schemas-microsoft-com:office:powerpoint" xmlns:com="http://schemas.openxmlformats.org/drawingml/2006/compatibility" xmlns:p14="http://schemas.microsoft.com/office/powerpoint/2010/main" xmlns:p15="http://schemas.microsoft.com/office/powerpoint/2012/main">
-  <p:cSld>
-    <p:spTree>
-      <p:nvGrpSpPr>
-        <p:cNvPr id="265" name="Shape 265"/>
-        <p:cNvGrpSpPr/>
-        <p:nvPr/>
-      </p:nvGrpSpPr>
-      <p:grpSpPr>
-        <a:xfrm>
-          <a:off x="0" y="0"/>
-          <a:ext cx="0" cy="0"/>
-          <a:chOff x="0" y="0"/>
-          <a:chExt cx="0" cy="0"/>
-        </a:xfrm>
-      </p:grpSpPr>
-      <p:sp>
-        <p:nvSpPr>
-          <p:cNvPr id="266" name="Shape 266"/>
-          <p:cNvSpPr txBox="1"/>
-          <p:nvPr>
-            <p:ph idx="1" type="body"/>
-          </p:nvPr>
-        </p:nvSpPr>
-        <p:spPr>
-          <a:xfrm>
-            <a:off x="457200" y="1308250"/>
-            <a:ext cx="5307900" cy="3835200"/>
-          </a:xfrm>
-          <a:prstGeom prst="rect">
-            <a:avLst/>
-          </a:prstGeom>
-        </p:spPr>
-        <p:txBody>
-          <a:bodyPr anchorCtr="0" anchor="t" bIns="91425" lIns="91425" spcFirstLastPara="1" rIns="91425" wrap="square" tIns="91425">
-            <a:noAutofit/>
-          </a:bodyPr>
-          <a:lstStyle/>
-          <a:p>
-            <a:pPr indent="0" lvl="0" marL="0" rtl="0">
-              <a:spcBef>
-                <a:spcPts val="600"/>
-              </a:spcBef>
-              <a:spcAft>
-                <a:spcPts val="0"/>
-              </a:spcAft>
-              <a:buNone/>
-            </a:pPr>
-            <a:r>
-              <a:rPr b="1" lang="en"/>
-              <a:t>Gump.Class</a:t>
-            </a:r>
-            <a:endParaRPr b="1"/>
-          </a:p>
-          <a:p>
-            <a:pPr indent="0" lvl="0" marL="0">
-              <a:spcBef>
-                <a:spcPts val="600"/>
-              </a:spcBef>
-              <a:spcAft>
-                <a:spcPts val="0"/>
-              </a:spcAft>
-              <a:buNone/>
-            </a:pPr>
-            <a:r>
-              <a:rPr lang="en"/>
-              <a:t>-Sécuriser / contrôler les entrées sql</a:t>
-            </a:r>
-            <a:endParaRPr/>
-          </a:p>
-          <a:p>
-            <a:pPr indent="0" lvl="0" marL="0">
-              <a:spcBef>
-                <a:spcPts val="600"/>
-              </a:spcBef>
-              <a:spcAft>
-                <a:spcPts val="0"/>
-              </a:spcAft>
-              <a:buNone/>
-            </a:pPr>
-            <a:r>
-              <a:t/>
-            </a:r>
-            <a:endParaRPr/>
-          </a:p>
-          <a:p>
-            <a:pPr indent="0" lvl="0" marL="0">
-              <a:spcBef>
-                <a:spcPts val="600"/>
-              </a:spcBef>
-              <a:spcAft>
-                <a:spcPts val="0"/>
-              </a:spcAft>
-              <a:buNone/>
-            </a:pPr>
-            <a:r>
-              <a:rPr b="1" lang="en"/>
-              <a:t>Architecture MVC</a:t>
-            </a:r>
-            <a:endParaRPr/>
-          </a:p>
-          <a:p>
-            <a:pPr indent="0" lvl="0" marL="0">
-              <a:spcBef>
-                <a:spcPts val="600"/>
-              </a:spcBef>
-              <a:spcAft>
-                <a:spcPts val="0"/>
-              </a:spcAft>
-              <a:buNone/>
-            </a:pPr>
-            <a:r>
-              <a:rPr lang="en"/>
-              <a:t>-Souplesse d’évolution</a:t>
-            </a:r>
-            <a:endParaRPr/>
-          </a:p>
-          <a:p>
-            <a:pPr indent="0" lvl="0" marL="0">
-              <a:spcBef>
-                <a:spcPts val="600"/>
-              </a:spcBef>
-              <a:spcAft>
-                <a:spcPts val="0"/>
-              </a:spcAft>
-              <a:buNone/>
-            </a:pPr>
-            <a:r>
-              <a:rPr lang="en"/>
-              <a:t>-Code Claire &amp; organisé</a:t>
-            </a:r>
-            <a:endParaRPr/>
-          </a:p>
-          <a:p>
-            <a:pPr indent="0" lvl="0" marL="0">
-              <a:spcBef>
-                <a:spcPts val="600"/>
-              </a:spcBef>
-              <a:spcAft>
-                <a:spcPts val="0"/>
-              </a:spcAft>
-              <a:buNone/>
-            </a:pPr>
-            <a:r>
-              <a:t/>
-            </a:r>
-            <a:endParaRPr/>
-          </a:p>
-          <a:p>
-            <a:pPr indent="0" lvl="0" marL="0">
-              <a:spcBef>
-                <a:spcPts val="600"/>
-              </a:spcBef>
-              <a:spcAft>
-                <a:spcPts val="0"/>
-              </a:spcAft>
-              <a:buNone/>
-            </a:pPr>
-            <a:r>
-              <a:rPr b="1" lang="en"/>
-              <a:t>WAMP</a:t>
-            </a:r>
-            <a:endParaRPr/>
-          </a:p>
-          <a:p>
-            <a:pPr indent="0" lvl="0" marL="0">
-              <a:spcBef>
-                <a:spcPts val="600"/>
-              </a:spcBef>
-              <a:spcAft>
-                <a:spcPts val="0"/>
-              </a:spcAft>
-              <a:buNone/>
-            </a:pPr>
-            <a:r>
-              <a:rPr lang="en"/>
-              <a:t>-Phpmyadmin</a:t>
-            </a:r>
-            <a:endParaRPr/>
-          </a:p>
-          <a:p>
-            <a:pPr indent="0" lvl="0" marL="0">
-              <a:spcBef>
-                <a:spcPts val="600"/>
-              </a:spcBef>
-              <a:spcAft>
-                <a:spcPts val="0"/>
-              </a:spcAft>
-              <a:buNone/>
-            </a:pPr>
-            <a:r>
-              <a:t/>
-            </a:r>
-            <a:endParaRPr/>
-          </a:p>
-          <a:p>
-            <a:pPr indent="0" lvl="0" marL="0">
-              <a:spcBef>
-                <a:spcPts val="600"/>
-              </a:spcBef>
-              <a:spcAft>
-                <a:spcPts val="0"/>
-              </a:spcAft>
-              <a:buNone/>
-            </a:pPr>
-            <a:r>
-              <a:t/>
-            </a:r>
-            <a:endParaRPr/>
-          </a:p>
-          <a:p>
-            <a:pPr indent="0" lvl="0" marL="0">
-              <a:spcBef>
-                <a:spcPts val="600"/>
-              </a:spcBef>
-              <a:spcAft>
-                <a:spcPts val="0"/>
-              </a:spcAft>
-              <a:buNone/>
-            </a:pPr>
-            <a:r>
-              <a:t/>
-            </a:r>
-            <a:endParaRPr/>
-          </a:p>
-        </p:txBody>
-      </p:sp>
-      <p:sp>
-        <p:nvSpPr>
-          <p:cNvPr id="267" name="Shape 267"/>
-          <p:cNvSpPr txBox="1"/>
-          <p:nvPr>
-            <p:ph type="title"/>
-          </p:nvPr>
-        </p:nvSpPr>
-        <p:spPr>
-          <a:xfrm>
-            <a:off x="457200" y="450850"/>
-            <a:ext cx="5138700" cy="857400"/>
-          </a:xfrm>
-          <a:prstGeom prst="rect">
-            <a:avLst/>
-          </a:prstGeom>
-        </p:spPr>
-        <p:txBody>
-          <a:bodyPr anchorCtr="0" anchor="b" bIns="91425" lIns="91425" spcFirstLastPara="1" rIns="91425" wrap="square" tIns="91425">
-            <a:noAutofit/>
-          </a:bodyPr>
-          <a:lstStyle/>
-          <a:p>
-            <a:pPr indent="0" lvl="0" marL="0">
-              <a:spcBef>
-                <a:spcPts val="0"/>
-              </a:spcBef>
-              <a:spcAft>
-                <a:spcPts val="0"/>
-              </a:spcAft>
-              <a:buNone/>
-            </a:pPr>
-            <a:r>
-              <a:rPr lang="en"/>
-              <a:t>Solutions apportés</a:t>
-            </a:r>
-            <a:endParaRPr/>
-          </a:p>
-        </p:txBody>
-      </p:sp>
-      <p:sp>
-        <p:nvSpPr>
-          <p:cNvPr id="268" name="Shape 268"/>
-          <p:cNvSpPr txBox="1"/>
-          <p:nvPr>
-            <p:ph idx="12" type="sldNum"/>
-          </p:nvPr>
-        </p:nvSpPr>
-        <p:spPr>
-          <a:xfrm>
-            <a:off x="8808000" y="2208175"/>
-            <a:ext cx="336000" cy="727200"/>
-          </a:xfrm>
-          <a:prstGeom prst="rect">
-            <a:avLst/>
-          </a:prstGeom>
-        </p:spPr>
-        <p:txBody>
-          <a:bodyPr anchorCtr="0" anchor="ctr" bIns="91425" lIns="91425" spcFirstLastPara="1" rIns="91425" wrap="square" tIns="91425">
-            <a:noAutofit/>
-          </a:bodyPr>
-          <a:lstStyle/>
-          <a:p>
-            <a:pPr indent="0" lvl="0" marL="0">
-              <a:spcBef>
-                <a:spcPts val="0"/>
-              </a:spcBef>
-              <a:spcAft>
-                <a:spcPts val="0"/>
-              </a:spcAft>
-              <a:buNone/>
-            </a:pPr>
-            <a:fld id="{00000000-1234-1234-1234-123412341234}" type="slidenum">
-              <a:rPr lang="en"/>
-              <a:t>‹#›</a:t>
-            </a:fld>
-            <a:endParaRPr/>
-          </a:p>
-        </p:txBody>
-      </p:sp>
-    </p:spTree>
-  </p:cSld>
-  <p:clrMapOvr>
-    <a:masterClrMapping/>
-  </p:clrMapOvr>
-</p:sld>
-</file>
-
-<file path=ppt/slides/slide6.xml><?xml version="1.0" encoding="utf-8"?>
-<p:sld xmlns:a="http://schemas.openxmlformats.org/drawingml/2006/main" xmlns:r="http://schemas.openxmlformats.org/officeDocument/2006/relationships" xmlns:mc="http://schemas.openxmlformats.org/markup-compatibility/2006" xmlns:mv="urn:schemas-microsoft-com:mac:vml" xmlns:p="http://schemas.openxmlformats.org/presentationml/2006/main" xmlns:c="http://schemas.openxmlformats.org/drawingml/2006/chart" xmlns:dgm="http://schemas.openxmlformats.org/drawingml/2006/diagram" xmlns:o="urn:schemas-microsoft-com:office:office" xmlns:v="urn:schemas-microsoft-com:vml" xmlns:pvml="urn:schemas-microsoft-com:office:powerpoint" xmlns:com="http://schemas.openxmlformats.org/drawingml/2006/compatibility" xmlns:p14="http://schemas.microsoft.com/office/powerpoint/2010/main" xmlns:p15="http://schemas.microsoft.com/office/powerpoint/2012/main">
-  <p:cSld>
-    <p:spTree>
-      <p:nvGrpSpPr>
-        <p:cNvPr id="272" name="Shape 272"/>
-        <p:cNvGrpSpPr/>
-        <p:nvPr/>
-      </p:nvGrpSpPr>
-      <p:grpSpPr>
-        <a:xfrm>
-          <a:off x="0" y="0"/>
-          <a:ext cx="0" cy="0"/>
-          <a:chOff x="0" y="0"/>
-          <a:chExt cx="0" cy="0"/>
-        </a:xfrm>
-      </p:grpSpPr>
-      <p:sp>
-        <p:nvSpPr>
-          <p:cNvPr id="273" name="Shape 273"/>
-          <p:cNvSpPr txBox="1"/>
-          <p:nvPr>
-            <p:ph type="ctrTitle"/>
-          </p:nvPr>
-        </p:nvSpPr>
-        <p:spPr>
-          <a:xfrm>
-            <a:off x="0" y="1888150"/>
-            <a:ext cx="9144000" cy="1159800"/>
-          </a:xfrm>
-          <a:prstGeom prst="rect">
-            <a:avLst/>
-          </a:prstGeom>
-        </p:spPr>
-        <p:txBody>
-          <a:bodyPr anchorCtr="0" anchor="b" bIns="91425" lIns="91425" spcFirstLastPara="1" rIns="91425" wrap="square" tIns="91425">
-            <a:noAutofit/>
-          </a:bodyPr>
-          <a:lstStyle/>
-          <a:p>
-            <a:pPr indent="0" lvl="0" marL="0" rtl="0">
-              <a:spcBef>
-                <a:spcPts val="0"/>
-              </a:spcBef>
-              <a:spcAft>
-                <a:spcPts val="0"/>
-              </a:spcAft>
-              <a:buNone/>
-            </a:pPr>
-            <a:r>
-              <a:rPr lang="en"/>
-              <a:t>2</a:t>
-            </a:r>
-            <a:r>
-              <a:rPr lang="en"/>
-              <a:t>.</a:t>
-            </a:r>
-            <a:endParaRPr/>
-          </a:p>
-          <a:p>
-            <a:pPr indent="-228600" lvl="0" marL="457200" rtl="0">
-              <a:spcBef>
-                <a:spcPts val="0"/>
-              </a:spcBef>
-              <a:spcAft>
-                <a:spcPts val="0"/>
-              </a:spcAft>
-              <a:buSzPts val="4000"/>
-              <a:buNone/>
-            </a:pPr>
-            <a:r>
-              <a:rPr lang="en"/>
-              <a:t>Arborescence du site</a:t>
-            </a:r>
-            <a:endParaRPr/>
-          </a:p>
-        </p:txBody>
-      </p:sp>
-    </p:spTree>
-  </p:cSld>
-  <p:clrMapOvr>
-    <a:masterClrMapping/>
-  </p:clrMapOvr>
-</p:sld>
-</file>
-
-<file path=ppt/slides/slide7.xml><?xml version="1.0" encoding="utf-8"?>
-<p:sld xmlns:a="http://schemas.openxmlformats.org/drawingml/2006/main" xmlns:r="http://schemas.openxmlformats.org/officeDocument/2006/relationships" xmlns:mc="http://schemas.openxmlformats.org/markup-compatibility/2006" xmlns:mv="urn:schemas-microsoft-com:mac:vml" xmlns:p="http://schemas.openxmlformats.org/presentationml/2006/main" xmlns:c="http://schemas.openxmlformats.org/drawingml/2006/chart" xmlns:dgm="http://schemas.openxmlformats.org/drawingml/2006/diagram" xmlns:o="urn:schemas-microsoft-com:office:office" xmlns:v="urn:schemas-microsoft-com:vml" xmlns:pvml="urn:schemas-microsoft-com:office:powerpoint" xmlns:com="http://schemas.openxmlformats.org/drawingml/2006/compatibility" xmlns:p14="http://schemas.microsoft.com/office/powerpoint/2010/main" xmlns:p15="http://schemas.microsoft.com/office/powerpoint/2012/main">
-  <p:cSld>
-    <p:spTree>
-      <p:nvGrpSpPr>
-        <p:cNvPr id="277" name="Shape 277"/>
-        <p:cNvGrpSpPr/>
-        <p:nvPr/>
-      </p:nvGrpSpPr>
-      <p:grpSpPr>
-        <a:xfrm>
-          <a:off x="0" y="0"/>
-          <a:ext cx="0" cy="0"/>
-          <a:chOff x="0" y="0"/>
-          <a:chExt cx="0" cy="0"/>
-        </a:xfrm>
-      </p:grpSpPr>
-      <p:sp>
-        <p:nvSpPr>
-          <p:cNvPr id="278" name="Shape 278"/>
+          <p:cNvPr id="335" name="Shape 335"/>
           <p:cNvSpPr txBox="1"/>
           <p:nvPr>
             <p:ph idx="12" type="sldNum"/>
@@ -35953,233 +35699,14 @@
           </a:p>
         </p:txBody>
       </p:sp>
-      <p:sp>
-        <p:nvSpPr>
-          <p:cNvPr id="279" name="Shape 279"/>
-          <p:cNvSpPr/>
-          <p:nvPr/>
-        </p:nvSpPr>
-        <p:spPr>
-          <a:xfrm>
-            <a:off x="710250" y="432075"/>
-            <a:ext cx="1823100" cy="556500"/>
-          </a:xfrm>
-          <a:prstGeom prst="roundRect">
-            <a:avLst>
-              <a:gd fmla="val 16667" name="adj"/>
-            </a:avLst>
-          </a:prstGeom>
-          <a:solidFill>
-            <a:schemeClr val="lt2"/>
-          </a:solidFill>
-          <a:ln cap="flat" cmpd="sng" w="9525">
-            <a:solidFill>
-              <a:schemeClr val="dk2"/>
-            </a:solidFill>
-            <a:prstDash val="solid"/>
-            <a:round/>
-            <a:headEnd len="sm" w="sm" type="none"/>
-            <a:tailEnd len="sm" w="sm" type="none"/>
-          </a:ln>
-        </p:spPr>
-        <p:txBody>
-          <a:bodyPr anchorCtr="0" anchor="ctr" bIns="91425" lIns="91425" spcFirstLastPara="1" rIns="91425" wrap="square" tIns="91425">
-            <a:noAutofit/>
-          </a:bodyPr>
-          <a:lstStyle/>
-          <a:p>
-            <a:pPr indent="0" lvl="0" marL="0" algn="ctr">
-              <a:spcBef>
-                <a:spcPts val="0"/>
-              </a:spcBef>
-              <a:spcAft>
-                <a:spcPts val="0"/>
-              </a:spcAft>
-              <a:buNone/>
-            </a:pPr>
-            <a:r>
-              <a:rPr lang="en"/>
-              <a:t>Accueil</a:t>
-            </a:r>
-            <a:endParaRPr/>
-          </a:p>
-        </p:txBody>
-      </p:sp>
-    </p:spTree>
-  </p:cSld>
-  <p:clrMapOvr>
-    <a:masterClrMapping/>
-  </p:clrMapOvr>
-</p:sld>
-</file>
-
-<file path=ppt/slides/slide8.xml><?xml version="1.0" encoding="utf-8"?>
-<p:sld xmlns:a="http://schemas.openxmlformats.org/drawingml/2006/main" xmlns:r="http://schemas.openxmlformats.org/officeDocument/2006/relationships" xmlns:mc="http://schemas.openxmlformats.org/markup-compatibility/2006" xmlns:mv="urn:schemas-microsoft-com:mac:vml" xmlns:p="http://schemas.openxmlformats.org/presentationml/2006/main" xmlns:c="http://schemas.openxmlformats.org/drawingml/2006/chart" xmlns:dgm="http://schemas.openxmlformats.org/drawingml/2006/diagram" xmlns:o="urn:schemas-microsoft-com:office:office" xmlns:v="urn:schemas-microsoft-com:vml" xmlns:pvml="urn:schemas-microsoft-com:office:powerpoint" xmlns:com="http://schemas.openxmlformats.org/drawingml/2006/compatibility" xmlns:p14="http://schemas.microsoft.com/office/powerpoint/2010/main" xmlns:p15="http://schemas.microsoft.com/office/powerpoint/2012/main">
-  <p:cSld>
-    <p:spTree>
-      <p:nvGrpSpPr>
-        <p:cNvPr id="283" name="Shape 283"/>
-        <p:cNvGrpSpPr/>
-        <p:nvPr/>
-      </p:nvGrpSpPr>
-      <p:grpSpPr>
-        <a:xfrm>
-          <a:off x="0" y="0"/>
-          <a:ext cx="0" cy="0"/>
-          <a:chOff x="0" y="0"/>
-          <a:chExt cx="0" cy="0"/>
-        </a:xfrm>
-      </p:grpSpPr>
-      <p:sp>
-        <p:nvSpPr>
-          <p:cNvPr id="284" name="Shape 284"/>
-          <p:cNvSpPr txBox="1"/>
-          <p:nvPr>
-            <p:ph type="ctrTitle"/>
-          </p:nvPr>
-        </p:nvSpPr>
-        <p:spPr>
-          <a:xfrm>
-            <a:off x="-35500" y="1462050"/>
-            <a:ext cx="9144000" cy="2219400"/>
-          </a:xfrm>
-          <a:prstGeom prst="rect">
-            <a:avLst/>
-          </a:prstGeom>
-        </p:spPr>
-        <p:txBody>
-          <a:bodyPr anchorCtr="0" anchor="b" bIns="91425" lIns="91425" spcFirstLastPara="1" rIns="91425" wrap="square" tIns="91425">
-            <a:noAutofit/>
-          </a:bodyPr>
-          <a:lstStyle/>
-          <a:p>
-            <a:pPr indent="0" lvl="0" marL="0" rtl="0">
-              <a:spcBef>
-                <a:spcPts val="0"/>
-              </a:spcBef>
-              <a:spcAft>
-                <a:spcPts val="0"/>
-              </a:spcAft>
-              <a:buNone/>
-            </a:pPr>
-            <a:r>
-              <a:rPr lang="en"/>
-              <a:t>3</a:t>
-            </a:r>
-            <a:r>
-              <a:rPr lang="en"/>
-              <a:t>.</a:t>
-            </a:r>
-            <a:endParaRPr/>
-          </a:p>
-          <a:p>
-            <a:pPr indent="-228600" lvl="0" marL="457200" rtl="0">
-              <a:spcBef>
-                <a:spcPts val="0"/>
-              </a:spcBef>
-              <a:spcAft>
-                <a:spcPts val="0"/>
-              </a:spcAft>
-              <a:buSzPts val="4000"/>
-              <a:buNone/>
-            </a:pPr>
-            <a:r>
-              <a:rPr lang="en"/>
-              <a:t>Fonctionnalité &amp; Contenue </a:t>
-            </a:r>
-            <a:endParaRPr/>
-          </a:p>
-          <a:p>
-            <a:pPr indent="-228600" lvl="0" marL="457200" rtl="0">
-              <a:spcBef>
-                <a:spcPts val="0"/>
-              </a:spcBef>
-              <a:spcAft>
-                <a:spcPts val="0"/>
-              </a:spcAft>
-              <a:buSzPts val="4000"/>
-              <a:buNone/>
-            </a:pPr>
-            <a:r>
-              <a:t/>
-            </a:r>
-            <a:endParaRPr/>
-          </a:p>
-        </p:txBody>
-      </p:sp>
-    </p:spTree>
-  </p:cSld>
-  <p:clrMapOvr>
-    <a:masterClrMapping/>
-  </p:clrMapOvr>
-</p:sld>
-</file>
-
-<file path=ppt/slides/slide9.xml><?xml version="1.0" encoding="utf-8"?>
-<p:sld xmlns:a="http://schemas.openxmlformats.org/drawingml/2006/main" xmlns:r="http://schemas.openxmlformats.org/officeDocument/2006/relationships" xmlns:mc="http://schemas.openxmlformats.org/markup-compatibility/2006" xmlns:mv="urn:schemas-microsoft-com:mac:vml" xmlns:p="http://schemas.openxmlformats.org/presentationml/2006/main" xmlns:c="http://schemas.openxmlformats.org/drawingml/2006/chart" xmlns:dgm="http://schemas.openxmlformats.org/drawingml/2006/diagram" xmlns:o="urn:schemas-microsoft-com:office:office" xmlns:v="urn:schemas-microsoft-com:vml" xmlns:pvml="urn:schemas-microsoft-com:office:powerpoint" xmlns:com="http://schemas.openxmlformats.org/drawingml/2006/compatibility" xmlns:p14="http://schemas.microsoft.com/office/powerpoint/2010/main" xmlns:p15="http://schemas.microsoft.com/office/powerpoint/2012/main">
-  <p:cSld>
-    <p:spTree>
-      <p:nvGrpSpPr>
-        <p:cNvPr id="288" name="Shape 288"/>
-        <p:cNvGrpSpPr/>
-        <p:nvPr/>
-      </p:nvGrpSpPr>
-      <p:grpSpPr>
-        <a:xfrm>
-          <a:off x="0" y="0"/>
-          <a:ext cx="0" cy="0"/>
-          <a:chOff x="0" y="0"/>
-          <a:chExt cx="0" cy="0"/>
-        </a:xfrm>
-      </p:grpSpPr>
-      <p:sp>
-        <p:nvSpPr>
-          <p:cNvPr id="289" name="Shape 289"/>
-          <p:cNvSpPr txBox="1"/>
-          <p:nvPr>
-            <p:ph idx="12" type="sldNum"/>
-          </p:nvPr>
-        </p:nvSpPr>
-        <p:spPr>
-          <a:xfrm>
-            <a:off x="4116400" y="4807375"/>
-            <a:ext cx="911100" cy="336000"/>
-          </a:xfrm>
-          <a:prstGeom prst="rect">
-            <a:avLst/>
-          </a:prstGeom>
-        </p:spPr>
-        <p:txBody>
-          <a:bodyPr anchorCtr="0" anchor="ctr" bIns="91425" lIns="91425" spcFirstLastPara="1" rIns="91425" wrap="square" tIns="91425">
-            <a:noAutofit/>
-          </a:bodyPr>
-          <a:lstStyle/>
-          <a:p>
-            <a:pPr indent="0" lvl="0" marL="0">
-              <a:spcBef>
-                <a:spcPts val="0"/>
-              </a:spcBef>
-              <a:spcAft>
-                <a:spcPts val="0"/>
-              </a:spcAft>
-              <a:buNone/>
-            </a:pPr>
-            <a:fld id="{00000000-1234-1234-1234-123412341234}" type="slidenum">
-              <a:rPr lang="en"/>
-              <a:t>‹#›</a:t>
-            </a:fld>
-            <a:endParaRPr/>
-          </a:p>
-        </p:txBody>
-      </p:sp>
       <p:graphicFrame>
         <p:nvGraphicFramePr>
-          <p:cNvPr id="290" name="Shape 290"/>
+          <p:cNvPr id="336" name="Shape 336"/>
           <p:cNvGraphicFramePr/>
           <p:nvPr/>
         </p:nvGraphicFramePr>
         <p:xfrm>
-          <a:off x="516125" y="1088556"/>
+          <a:off x="374100" y="1118156"/>
           <a:ext cx="3000000" cy="3000000"/>
         </p:xfrm>
         <a:graphic>
@@ -36187,7 +35714,7 @@
             <a:tbl>
               <a:tblPr>
                 <a:noFill/>
-                <a:tableStyleId>{8DD2A24D-CA64-4223-884E-B6BDF93D1430}</a:tableStyleId>
+                <a:tableStyleId>{CE7605B3-5F77-4511-91EA-0A7BB4F04E49}</a:tableStyleId>
               </a:tblPr>
               <a:tblGrid>
                 <a:gridCol w="2098925"/>
@@ -36232,7 +35759,7 @@
                   <a:tcPr marT="68575" marB="68575" marR="91425" marL="91425" anchor="ctr">
                     <a:lnL cap="flat" cmpd="sng" w="9525">
                       <a:solidFill>
-                        <a:srgbClr val="A5B0FE"/>
+                        <a:srgbClr val="000000"/>
                       </a:solidFill>
                       <a:prstDash val="solid"/>
                       <a:round/>
@@ -36241,16 +35768,16 @@
                     </a:lnL>
                     <a:lnR cap="flat" cmpd="sng" w="9525">
                       <a:solidFill>
-                        <a:srgbClr val="A5B0FE"/>
+                        <a:srgbClr val="000000"/>
                       </a:solidFill>
-                      <a:prstDash val="dash"/>
+                      <a:prstDash val="solid"/>
                       <a:round/>
                       <a:headEnd len="sm" w="sm" type="none"/>
                       <a:tailEnd len="sm" w="sm" type="none"/>
                     </a:lnR>
-                    <a:lnT cap="flat" cmpd="sng" w="28575">
+                    <a:lnT cap="flat" cmpd="sng" w="9525">
                       <a:solidFill>
-                        <a:srgbClr val="A5B0FE"/>
+                        <a:srgbClr val="000000"/>
                       </a:solidFill>
                       <a:prstDash val="solid"/>
                       <a:round/>
@@ -36259,7 +35786,7 @@
                     </a:lnT>
                     <a:lnB cap="flat" cmpd="sng" w="9525">
                       <a:solidFill>
-                        <a:srgbClr val="A5B0FE"/>
+                        <a:srgbClr val="000000"/>
                       </a:solidFill>
                       <a:prstDash val="solid"/>
                       <a:round/>
@@ -36293,7 +35820,7 @@
                         </a:rPr>
                         <a:t>All Chapitre</a:t>
                       </a:r>
-                      <a:endParaRPr sz="1100">
+                      <a:endParaRPr>
                         <a:latin typeface="Barlow Light"/>
                         <a:ea typeface="Barlow Light"/>
                         <a:cs typeface="Barlow Light"/>
@@ -36304,25 +35831,25 @@
                   <a:tcPr marT="68575" marB="68575" marR="91425" marL="91425" anchor="ctr">
                     <a:lnL cap="flat" cmpd="sng" w="9525">
                       <a:solidFill>
-                        <a:srgbClr val="A5B0FE"/>
+                        <a:srgbClr val="000000"/>
                       </a:solidFill>
-                      <a:prstDash val="dash"/>
+                      <a:prstDash val="solid"/>
                       <a:round/>
                       <a:headEnd len="sm" w="sm" type="none"/>
                       <a:tailEnd len="sm" w="sm" type="none"/>
                     </a:lnL>
                     <a:lnR cap="flat" cmpd="sng" w="9525">
                       <a:solidFill>
-                        <a:srgbClr val="A5B0FE"/>
+                        <a:srgbClr val="000000"/>
                       </a:solidFill>
-                      <a:prstDash val="dash"/>
+                      <a:prstDash val="solid"/>
                       <a:round/>
                       <a:headEnd len="sm" w="sm" type="none"/>
                       <a:tailEnd len="sm" w="sm" type="none"/>
                     </a:lnR>
-                    <a:lnT cap="flat" cmpd="sng" w="28575">
+                    <a:lnT cap="flat" cmpd="sng" w="9525">
                       <a:solidFill>
-                        <a:srgbClr val="A5B0FE"/>
+                        <a:srgbClr val="000000"/>
                       </a:solidFill>
                       <a:prstDash val="solid"/>
                       <a:round/>
@@ -36331,7 +35858,7 @@
                     </a:lnT>
                     <a:lnB cap="flat" cmpd="sng" w="9525">
                       <a:solidFill>
-                        <a:srgbClr val="A5B0FE"/>
+                        <a:srgbClr val="000000"/>
                       </a:solidFill>
                       <a:prstDash val="solid"/>
                       <a:round/>
@@ -36365,7 +35892,7 @@
                         </a:rPr>
                         <a:t>Chapitre</a:t>
                       </a:r>
-                      <a:endParaRPr sz="1100">
+                      <a:endParaRPr>
                         <a:latin typeface="Barlow Light"/>
                         <a:ea typeface="Barlow Light"/>
                         <a:cs typeface="Barlow Light"/>
@@ -36376,25 +35903,25 @@
                   <a:tcPr marT="68575" marB="68575" marR="91425" marL="91425" anchor="ctr">
                     <a:lnL cap="flat" cmpd="sng" w="9525">
                       <a:solidFill>
-                        <a:srgbClr val="A5B0FE"/>
+                        <a:srgbClr val="000000"/>
                       </a:solidFill>
-                      <a:prstDash val="dash"/>
+                      <a:prstDash val="solid"/>
                       <a:round/>
                       <a:headEnd len="sm" w="sm" type="none"/>
                       <a:tailEnd len="sm" w="sm" type="none"/>
                     </a:lnL>
                     <a:lnR cap="flat" cmpd="sng" w="9525">
                       <a:solidFill>
-                        <a:srgbClr val="A5B0FE"/>
+                        <a:srgbClr val="000000"/>
                       </a:solidFill>
-                      <a:prstDash val="dash"/>
+                      <a:prstDash val="solid"/>
                       <a:round/>
                       <a:headEnd len="sm" w="sm" type="none"/>
                       <a:tailEnd len="sm" w="sm" type="none"/>
                     </a:lnR>
-                    <a:lnT cap="flat" cmpd="sng" w="28575">
+                    <a:lnT cap="flat" cmpd="sng" w="9525">
                       <a:solidFill>
-                        <a:srgbClr val="A5B0FE"/>
+                        <a:srgbClr val="000000"/>
                       </a:solidFill>
                       <a:prstDash val="solid"/>
                       <a:round/>
@@ -36403,7 +35930,7 @@
                     </a:lnT>
                     <a:lnB cap="flat" cmpd="sng" w="9525">
                       <a:solidFill>
-                        <a:srgbClr val="A5B0FE"/>
+                        <a:srgbClr val="000000"/>
                       </a:solidFill>
                       <a:prstDash val="solid"/>
                       <a:round/>
@@ -36448,25 +35975,25 @@
                   <a:tcPr marT="68575" marB="68575" marR="91425" marL="91425" anchor="ctr">
                     <a:lnL cap="flat" cmpd="sng" w="9525">
                       <a:solidFill>
-                        <a:srgbClr val="A5B0FE"/>
+                        <a:srgbClr val="000000"/>
                       </a:solidFill>
-                      <a:prstDash val="dash"/>
+                      <a:prstDash val="solid"/>
                       <a:round/>
                       <a:headEnd len="sm" w="sm" type="none"/>
                       <a:tailEnd len="sm" w="sm" type="none"/>
                     </a:lnL>
                     <a:lnR cap="flat" cmpd="sng" w="9525">
                       <a:solidFill>
-                        <a:srgbClr val="A5B0FE"/>
+                        <a:srgbClr val="000000"/>
                       </a:solidFill>
                       <a:prstDash val="solid"/>
                       <a:round/>
                       <a:headEnd len="sm" w="sm" type="none"/>
                       <a:tailEnd len="sm" w="sm" type="none"/>
                     </a:lnR>
-                    <a:lnT cap="flat" cmpd="sng" w="28575">
+                    <a:lnT cap="flat" cmpd="sng" w="9525">
                       <a:solidFill>
-                        <a:srgbClr val="A5B0FE"/>
+                        <a:srgbClr val="000000"/>
                       </a:solidFill>
                       <a:prstDash val="solid"/>
                       <a:round/>
@@ -36475,7 +36002,7 @@
                     </a:lnT>
                     <a:lnB cap="flat" cmpd="sng" w="9525">
                       <a:solidFill>
-                        <a:srgbClr val="A5B0FE"/>
+                        <a:srgbClr val="000000"/>
                       </a:solidFill>
                       <a:prstDash val="solid"/>
                       <a:round/>
@@ -36522,7 +36049,7 @@
                   <a:tcPr marT="68575" marB="68575" marR="91425" marL="91425" anchor="ctr">
                     <a:lnL cap="flat" cmpd="sng" w="9525">
                       <a:solidFill>
-                        <a:srgbClr val="A5B0FE"/>
+                        <a:srgbClr val="000000"/>
                       </a:solidFill>
                       <a:prstDash val="solid"/>
                       <a:round/>
@@ -36531,16 +36058,16 @@
                     </a:lnL>
                     <a:lnR cap="flat" cmpd="sng" w="9525">
                       <a:solidFill>
-                        <a:srgbClr val="A5B0FE"/>
+                        <a:srgbClr val="000000"/>
                       </a:solidFill>
-                      <a:prstDash val="dash"/>
+                      <a:prstDash val="solid"/>
                       <a:round/>
                       <a:headEnd len="sm" w="sm" type="none"/>
                       <a:tailEnd len="sm" w="sm" type="none"/>
                     </a:lnR>
                     <a:lnT cap="flat" cmpd="sng" w="9525">
                       <a:solidFill>
-                        <a:srgbClr val="A5B0FE"/>
+                        <a:srgbClr val="000000"/>
                       </a:solidFill>
                       <a:prstDash val="solid"/>
                       <a:round/>
@@ -36549,7 +36076,7 @@
                     </a:lnT>
                     <a:lnB cap="flat" cmpd="sng" w="9525">
                       <a:solidFill>
-                        <a:srgbClr val="A5B0FE"/>
+                        <a:srgbClr val="000000"/>
                       </a:solidFill>
                       <a:prstDash val="solid"/>
                       <a:round/>
@@ -36594,25 +36121,25 @@
                   <a:tcPr marT="68575" marB="68575" marR="91425" marL="91425" anchor="ctr">
                     <a:lnL cap="flat" cmpd="sng" w="9525">
                       <a:solidFill>
-                        <a:srgbClr val="A5B0FE"/>
+                        <a:srgbClr val="000000"/>
                       </a:solidFill>
-                      <a:prstDash val="dash"/>
+                      <a:prstDash val="solid"/>
                       <a:round/>
                       <a:headEnd len="sm" w="sm" type="none"/>
                       <a:tailEnd len="sm" w="sm" type="none"/>
                     </a:lnL>
                     <a:lnR cap="flat" cmpd="sng" w="9525">
                       <a:solidFill>
-                        <a:srgbClr val="A5B0FE"/>
+                        <a:srgbClr val="000000"/>
                       </a:solidFill>
-                      <a:prstDash val="dash"/>
+                      <a:prstDash val="solid"/>
                       <a:round/>
                       <a:headEnd len="sm" w="sm" type="none"/>
                       <a:tailEnd len="sm" w="sm" type="none"/>
                     </a:lnR>
                     <a:lnT cap="flat" cmpd="sng" w="9525">
                       <a:solidFill>
-                        <a:srgbClr val="A5B0FE"/>
+                        <a:srgbClr val="000000"/>
                       </a:solidFill>
                       <a:prstDash val="solid"/>
                       <a:round/>
@@ -36621,7 +36148,7 @@
                     </a:lnT>
                     <a:lnB cap="flat" cmpd="sng" w="9525">
                       <a:solidFill>
-                        <a:srgbClr val="A5B0FE"/>
+                        <a:srgbClr val="000000"/>
                       </a:solidFill>
                       <a:prstDash val="solid"/>
                       <a:round/>
@@ -36666,25 +36193,25 @@
                   <a:tcPr marT="68575" marB="68575" marR="91425" marL="91425" anchor="ctr">
                     <a:lnL cap="flat" cmpd="sng" w="9525">
                       <a:solidFill>
-                        <a:srgbClr val="A5B0FE"/>
+                        <a:srgbClr val="000000"/>
                       </a:solidFill>
-                      <a:prstDash val="dash"/>
+                      <a:prstDash val="solid"/>
                       <a:round/>
                       <a:headEnd len="sm" w="sm" type="none"/>
                       <a:tailEnd len="sm" w="sm" type="none"/>
                     </a:lnL>
                     <a:lnR cap="flat" cmpd="sng" w="9525">
                       <a:solidFill>
-                        <a:srgbClr val="A5B0FE"/>
+                        <a:srgbClr val="000000"/>
                       </a:solidFill>
-                      <a:prstDash val="dash"/>
+                      <a:prstDash val="solid"/>
                       <a:round/>
                       <a:headEnd len="sm" w="sm" type="none"/>
                       <a:tailEnd len="sm" w="sm" type="none"/>
                     </a:lnR>
                     <a:lnT cap="flat" cmpd="sng" w="9525">
                       <a:solidFill>
-                        <a:srgbClr val="A5B0FE"/>
+                        <a:srgbClr val="000000"/>
                       </a:solidFill>
                       <a:prstDash val="solid"/>
                       <a:round/>
@@ -36693,7 +36220,7 @@
                     </a:lnT>
                     <a:lnB cap="flat" cmpd="sng" w="9525">
                       <a:solidFill>
-                        <a:srgbClr val="A5B0FE"/>
+                        <a:srgbClr val="000000"/>
                       </a:solidFill>
                       <a:prstDash val="solid"/>
                       <a:round/>
@@ -36738,16 +36265,16 @@
                   <a:tcPr marT="68575" marB="68575" marR="91425" marL="91425" anchor="ctr">
                     <a:lnL cap="flat" cmpd="sng" w="9525">
                       <a:solidFill>
-                        <a:srgbClr val="A5B0FE"/>
+                        <a:srgbClr val="000000"/>
                       </a:solidFill>
-                      <a:prstDash val="dash"/>
+                      <a:prstDash val="solid"/>
                       <a:round/>
                       <a:headEnd len="sm" w="sm" type="none"/>
                       <a:tailEnd len="sm" w="sm" type="none"/>
                     </a:lnL>
                     <a:lnR cap="flat" cmpd="sng" w="9525">
                       <a:solidFill>
-                        <a:srgbClr val="A5B0FE"/>
+                        <a:srgbClr val="000000"/>
                       </a:solidFill>
                       <a:prstDash val="solid"/>
                       <a:round/>
@@ -36756,7 +36283,7 @@
                     </a:lnR>
                     <a:lnT cap="flat" cmpd="sng" w="9525">
                       <a:solidFill>
-                        <a:srgbClr val="A5B0FE"/>
+                        <a:srgbClr val="000000"/>
                       </a:solidFill>
                       <a:prstDash val="solid"/>
                       <a:round/>
@@ -36765,7 +36292,7 @@
                     </a:lnT>
                     <a:lnB cap="flat" cmpd="sng" w="9525">
                       <a:solidFill>
-                        <a:srgbClr val="A5B0FE"/>
+                        <a:srgbClr val="000000"/>
                       </a:solidFill>
                       <a:prstDash val="solid"/>
                       <a:round/>
@@ -36806,7 +36333,7 @@
                   <a:tcPr marT="68575" marB="68575" marR="91425" marL="91425" anchor="ctr">
                     <a:lnL cap="flat" cmpd="sng" w="9525">
                       <a:solidFill>
-                        <a:srgbClr val="A5B0FE"/>
+                        <a:srgbClr val="000000"/>
                       </a:solidFill>
                       <a:prstDash val="solid"/>
                       <a:round/>
@@ -36815,16 +36342,16 @@
                     </a:lnL>
                     <a:lnR cap="flat" cmpd="sng" w="9525">
                       <a:solidFill>
-                        <a:srgbClr val="A5B0FE"/>
+                        <a:srgbClr val="000000"/>
                       </a:solidFill>
-                      <a:prstDash val="dash"/>
+                      <a:prstDash val="solid"/>
                       <a:round/>
                       <a:headEnd len="sm" w="sm" type="none"/>
                       <a:tailEnd len="sm" w="sm" type="none"/>
                     </a:lnR>
                     <a:lnT cap="flat" cmpd="sng" w="9525">
                       <a:solidFill>
-                        <a:srgbClr val="A5B0FE"/>
+                        <a:srgbClr val="000000"/>
                       </a:solidFill>
                       <a:prstDash val="solid"/>
                       <a:round/>
@@ -36833,7 +36360,7 @@
                     </a:lnT>
                     <a:lnB cap="flat" cmpd="sng" w="9525">
                       <a:solidFill>
-                        <a:srgbClr val="A5B0FE"/>
+                        <a:srgbClr val="000000"/>
                       </a:solidFill>
                       <a:prstDash val="solid"/>
                       <a:round/>
@@ -36872,25 +36399,25 @@
                   <a:tcPr marT="68575" marB="68575" marR="91425" marL="91425" anchor="ctr">
                     <a:lnL cap="flat" cmpd="sng" w="9525">
                       <a:solidFill>
-                        <a:srgbClr val="A5B0FE"/>
+                        <a:srgbClr val="000000"/>
                       </a:solidFill>
-                      <a:prstDash val="dash"/>
+                      <a:prstDash val="solid"/>
                       <a:round/>
                       <a:headEnd len="sm" w="sm" type="none"/>
                       <a:tailEnd len="sm" w="sm" type="none"/>
                     </a:lnL>
                     <a:lnR cap="flat" cmpd="sng" w="9525">
                       <a:solidFill>
-                        <a:srgbClr val="A5B0FE"/>
+                        <a:srgbClr val="000000"/>
                       </a:solidFill>
-                      <a:prstDash val="dash"/>
+                      <a:prstDash val="solid"/>
                       <a:round/>
                       <a:headEnd len="sm" w="sm" type="none"/>
                       <a:tailEnd len="sm" w="sm" type="none"/>
                     </a:lnR>
                     <a:lnT cap="flat" cmpd="sng" w="9525">
                       <a:solidFill>
-                        <a:srgbClr val="A5B0FE"/>
+                        <a:srgbClr val="000000"/>
                       </a:solidFill>
                       <a:prstDash val="solid"/>
                       <a:round/>
@@ -36899,7 +36426,7 @@
                     </a:lnT>
                     <a:lnB cap="flat" cmpd="sng" w="9525">
                       <a:solidFill>
-                        <a:srgbClr val="A5B0FE"/>
+                        <a:srgbClr val="000000"/>
                       </a:solidFill>
                       <a:prstDash val="solid"/>
                       <a:round/>
@@ -36944,25 +36471,25 @@
                   <a:tcPr marT="68575" marB="68575" marR="91425" marL="91425" anchor="ctr">
                     <a:lnL cap="flat" cmpd="sng" w="9525">
                       <a:solidFill>
-                        <a:srgbClr val="A5B0FE"/>
+                        <a:srgbClr val="000000"/>
                       </a:solidFill>
-                      <a:prstDash val="dash"/>
+                      <a:prstDash val="solid"/>
                       <a:round/>
                       <a:headEnd len="sm" w="sm" type="none"/>
                       <a:tailEnd len="sm" w="sm" type="none"/>
                     </a:lnL>
                     <a:lnR cap="flat" cmpd="sng" w="9525">
                       <a:solidFill>
-                        <a:srgbClr val="A5B0FE"/>
+                        <a:srgbClr val="000000"/>
                       </a:solidFill>
-                      <a:prstDash val="dash"/>
+                      <a:prstDash val="solid"/>
                       <a:round/>
                       <a:headEnd len="sm" w="sm" type="none"/>
                       <a:tailEnd len="sm" w="sm" type="none"/>
                     </a:lnR>
                     <a:lnT cap="flat" cmpd="sng" w="9525">
                       <a:solidFill>
-                        <a:srgbClr val="A5B0FE"/>
+                        <a:srgbClr val="000000"/>
                       </a:solidFill>
                       <a:prstDash val="solid"/>
                       <a:round/>
@@ -36971,7 +36498,7 @@
                     </a:lnT>
                     <a:lnB cap="flat" cmpd="sng" w="9525">
                       <a:solidFill>
-                        <a:srgbClr val="A5B0FE"/>
+                        <a:srgbClr val="000000"/>
                       </a:solidFill>
                       <a:prstDash val="solid"/>
                       <a:round/>
@@ -37016,16 +36543,16 @@
                   <a:tcPr marT="68575" marB="68575" marR="91425" marL="91425" anchor="ctr">
                     <a:lnL cap="flat" cmpd="sng" w="9525">
                       <a:solidFill>
-                        <a:srgbClr val="A5B0FE"/>
+                        <a:srgbClr val="000000"/>
                       </a:solidFill>
-                      <a:prstDash val="dash"/>
+                      <a:prstDash val="solid"/>
                       <a:round/>
                       <a:headEnd len="sm" w="sm" type="none"/>
                       <a:tailEnd len="sm" w="sm" type="none"/>
                     </a:lnL>
                     <a:lnR cap="flat" cmpd="sng" w="9525">
                       <a:solidFill>
-                        <a:srgbClr val="A5B0FE"/>
+                        <a:srgbClr val="000000"/>
                       </a:solidFill>
                       <a:prstDash val="solid"/>
                       <a:round/>
@@ -37034,7 +36561,7 @@
                     </a:lnR>
                     <a:lnT cap="flat" cmpd="sng" w="9525">
                       <a:solidFill>
-                        <a:srgbClr val="A5B0FE"/>
+                        <a:srgbClr val="000000"/>
                       </a:solidFill>
                       <a:prstDash val="solid"/>
                       <a:round/>
@@ -37043,7 +36570,7 @@
                     </a:lnT>
                     <a:lnB cap="flat" cmpd="sng" w="9525">
                       <a:solidFill>
-                        <a:srgbClr val="A5B0FE"/>
+                        <a:srgbClr val="000000"/>
                       </a:solidFill>
                       <a:prstDash val="solid"/>
                       <a:round/>
@@ -37084,7 +36611,7 @@
                   <a:tcPr marT="68575" marB="68575" marR="91425" marL="91425" anchor="ctr">
                     <a:lnL cap="flat" cmpd="sng" w="9525">
                       <a:solidFill>
-                        <a:srgbClr val="A5B0FE"/>
+                        <a:srgbClr val="000000"/>
                       </a:solidFill>
                       <a:prstDash val="solid"/>
                       <a:round/>
@@ -37093,25 +36620,25 @@
                     </a:lnL>
                     <a:lnR cap="flat" cmpd="sng" w="9525">
                       <a:solidFill>
-                        <a:srgbClr val="A5B0FE"/>
+                        <a:srgbClr val="000000"/>
                       </a:solidFill>
-                      <a:prstDash val="dash"/>
+                      <a:prstDash val="solid"/>
                       <a:round/>
                       <a:headEnd len="sm" w="sm" type="none"/>
                       <a:tailEnd len="sm" w="sm" type="none"/>
                     </a:lnR>
                     <a:lnT cap="flat" cmpd="sng" w="9525">
                       <a:solidFill>
-                        <a:srgbClr val="A5B0FE"/>
+                        <a:srgbClr val="000000"/>
                       </a:solidFill>
                       <a:prstDash val="solid"/>
                       <a:round/>
                       <a:headEnd len="sm" w="sm" type="none"/>
                       <a:tailEnd len="sm" w="sm" type="none"/>
                     </a:lnT>
-                    <a:lnB cap="flat" cmpd="sng" w="28575">
+                    <a:lnB cap="flat" cmpd="sng" w="9525">
                       <a:solidFill>
-                        <a:srgbClr val="A5B0FE"/>
+                        <a:srgbClr val="000000"/>
                       </a:solidFill>
                       <a:prstDash val="solid"/>
                       <a:round/>
@@ -37150,34 +36677,34 @@
                   <a:tcPr marT="68575" marB="68575" marR="91425" marL="91425" anchor="ctr">
                     <a:lnL cap="flat" cmpd="sng" w="9525">
                       <a:solidFill>
-                        <a:srgbClr val="A5B0FE"/>
+                        <a:srgbClr val="000000"/>
                       </a:solidFill>
-                      <a:prstDash val="dash"/>
+                      <a:prstDash val="solid"/>
                       <a:round/>
                       <a:headEnd len="sm" w="sm" type="none"/>
                       <a:tailEnd len="sm" w="sm" type="none"/>
                     </a:lnL>
                     <a:lnR cap="flat" cmpd="sng" w="9525">
                       <a:solidFill>
-                        <a:srgbClr val="A5B0FE"/>
+                        <a:srgbClr val="000000"/>
                       </a:solidFill>
-                      <a:prstDash val="dash"/>
+                      <a:prstDash val="solid"/>
                       <a:round/>
                       <a:headEnd len="sm" w="sm" type="none"/>
                       <a:tailEnd len="sm" w="sm" type="none"/>
                     </a:lnR>
                     <a:lnT cap="flat" cmpd="sng" w="9525">
                       <a:solidFill>
-                        <a:srgbClr val="A5B0FE"/>
+                        <a:srgbClr val="000000"/>
                       </a:solidFill>
                       <a:prstDash val="solid"/>
                       <a:round/>
                       <a:headEnd len="sm" w="sm" type="none"/>
                       <a:tailEnd len="sm" w="sm" type="none"/>
                     </a:lnT>
-                    <a:lnB cap="flat" cmpd="sng" w="28575">
+                    <a:lnB cap="flat" cmpd="sng" w="9525">
                       <a:solidFill>
-                        <a:srgbClr val="A5B0FE"/>
+                        <a:srgbClr val="000000"/>
                       </a:solidFill>
                       <a:prstDash val="solid"/>
                       <a:round/>
@@ -37216,34 +36743,34 @@
                   <a:tcPr marT="68575" marB="68575" marR="91425" marL="91425" anchor="ctr">
                     <a:lnL cap="flat" cmpd="sng" w="9525">
                       <a:solidFill>
-                        <a:srgbClr val="A5B0FE"/>
+                        <a:srgbClr val="000000"/>
                       </a:solidFill>
-                      <a:prstDash val="dash"/>
+                      <a:prstDash val="solid"/>
                       <a:round/>
                       <a:headEnd len="sm" w="sm" type="none"/>
                       <a:tailEnd len="sm" w="sm" type="none"/>
                     </a:lnL>
                     <a:lnR cap="flat" cmpd="sng" w="9525">
                       <a:solidFill>
-                        <a:srgbClr val="A5B0FE"/>
+                        <a:srgbClr val="000000"/>
                       </a:solidFill>
-                      <a:prstDash val="dash"/>
+                      <a:prstDash val="solid"/>
                       <a:round/>
                       <a:headEnd len="sm" w="sm" type="none"/>
                       <a:tailEnd len="sm" w="sm" type="none"/>
                     </a:lnR>
                     <a:lnT cap="flat" cmpd="sng" w="9525">
                       <a:solidFill>
-                        <a:srgbClr val="A5B0FE"/>
+                        <a:srgbClr val="000000"/>
                       </a:solidFill>
                       <a:prstDash val="solid"/>
                       <a:round/>
                       <a:headEnd len="sm" w="sm" type="none"/>
                       <a:tailEnd len="sm" w="sm" type="none"/>
                     </a:lnT>
-                    <a:lnB cap="flat" cmpd="sng" w="28575">
+                    <a:lnB cap="flat" cmpd="sng" w="9525">
                       <a:solidFill>
-                        <a:srgbClr val="A5B0FE"/>
+                        <a:srgbClr val="000000"/>
                       </a:solidFill>
                       <a:prstDash val="solid"/>
                       <a:round/>
@@ -37269,7 +36796,13 @@
                         <a:buNone/>
                       </a:pPr>
                       <a:r>
-                        <a:t/>
+                        <a:rPr lang="en" sz="1100">
+                          <a:latin typeface="Barlow Light"/>
+                          <a:ea typeface="Barlow Light"/>
+                          <a:cs typeface="Barlow Light"/>
+                          <a:sym typeface="Barlow Light"/>
+                        </a:rPr>
+                        <a:t>Voir tous les commentaires </a:t>
                       </a:r>
                       <a:endParaRPr sz="1800">
                         <a:latin typeface="Barlow Light"/>
@@ -37282,16 +36815,16 @@
                   <a:tcPr marT="68575" marB="68575" marR="91425" marL="91425" anchor="ctr">
                     <a:lnL cap="flat" cmpd="sng" w="9525">
                       <a:solidFill>
-                        <a:srgbClr val="A5B0FE"/>
+                        <a:srgbClr val="000000"/>
                       </a:solidFill>
-                      <a:prstDash val="dash"/>
+                      <a:prstDash val="solid"/>
                       <a:round/>
                       <a:headEnd len="sm" w="sm" type="none"/>
                       <a:tailEnd len="sm" w="sm" type="none"/>
                     </a:lnL>
                     <a:lnR cap="flat" cmpd="sng" w="9525">
                       <a:solidFill>
-                        <a:srgbClr val="A5B0FE"/>
+                        <a:srgbClr val="000000"/>
                       </a:solidFill>
                       <a:prstDash val="solid"/>
                       <a:round/>
@@ -37300,16 +36833,16 @@
                     </a:lnR>
                     <a:lnT cap="flat" cmpd="sng" w="9525">
                       <a:solidFill>
-                        <a:srgbClr val="A5B0FE"/>
+                        <a:srgbClr val="000000"/>
                       </a:solidFill>
                       <a:prstDash val="solid"/>
                       <a:round/>
                       <a:headEnd len="sm" w="sm" type="none"/>
                       <a:tailEnd len="sm" w="sm" type="none"/>
                     </a:lnT>
-                    <a:lnB cap="flat" cmpd="sng" w="28575">
+                    <a:lnB cap="flat" cmpd="sng" w="9525">
                       <a:solidFill>
-                        <a:srgbClr val="A5B0FE"/>
+                        <a:srgbClr val="000000"/>
                       </a:solidFill>
                       <a:prstDash val="solid"/>
                       <a:round/>
@@ -37328,10 +36861,3477 @@
   <p:clrMapOvr>
     <a:masterClrMapping/>
   </p:clrMapOvr>
+  <p:timing>
+    <p:tnLst>
+      <p:par>
+        <p:cTn dur="indefinite" nodeType="tmRoot" restart="never">
+          <p:childTnLst>
+            <p:seq concurrent="1" nextAc="seek">
+              <p:cTn dur="indefinite" id="2" nodeType="mainSeq">
+                <p:childTnLst>
+                  <p:par>
+                    <p:cTn fill="hold">
+                      <p:stCondLst>
+                        <p:cond delay="indefinite"/>
+                      </p:stCondLst>
+                      <p:childTnLst>
+                        <p:par>
+                          <p:cTn fill="hold">
+                            <p:stCondLst>
+                              <p:cond delay="0"/>
+                            </p:stCondLst>
+                            <p:childTnLst>
+                              <p:par>
+                                <p:cTn fill="hold" nodeType="clickEffect" presetClass="entr" presetID="10" presetSubtype="0">
+                                  <p:stCondLst>
+                                    <p:cond delay="0"/>
+                                  </p:stCondLst>
+                                  <p:childTnLst>
+                                    <p:set>
+                                      <p:cBhvr>
+                                        <p:cTn dur="1" fill="hold">
+                                          <p:stCondLst>
+                                            <p:cond delay="0"/>
+                                          </p:stCondLst>
+                                        </p:cTn>
+                                        <p:tgtEl>
+                                          <p:spTgt spid="336"/>
+                                        </p:tgtEl>
+                                        <p:attrNameLst>
+                                          <p:attrName>style.visibility</p:attrName>
+                                        </p:attrNameLst>
+                                      </p:cBhvr>
+                                      <p:to>
+                                        <p:strVal val="visible"/>
+                                      </p:to>
+                                    </p:set>
+                                    <p:animEffect filter="fade" transition="in">
+                                      <p:cBhvr>
+                                        <p:cTn dur="1000"/>
+                                        <p:tgtEl>
+                                          <p:spTgt spid="336"/>
+                                        </p:tgtEl>
+                                      </p:cBhvr>
+                                    </p:animEffect>
+                                  </p:childTnLst>
+                                </p:cTn>
+                              </p:par>
+                            </p:childTnLst>
+                          </p:cTn>
+                        </p:par>
+                      </p:childTnLst>
+                    </p:cTn>
+                  </p:par>
+                </p:childTnLst>
+              </p:cTn>
+              <p:prevCondLst>
+                <p:cond evt="onPrev">
+                  <p:tgtEl>
+                    <p:sldTgt/>
+                  </p:tgtEl>
+                </p:cond>
+              </p:prevCondLst>
+              <p:nextCondLst>
+                <p:cond evt="onNext">
+                  <p:tgtEl>
+                    <p:sldTgt/>
+                  </p:tgtEl>
+                </p:cond>
+              </p:nextCondLst>
+            </p:seq>
+          </p:childTnLst>
+        </p:cTn>
+      </p:par>
+    </p:tnLst>
+  </p:timing>
+</p:sld>
+</file>
+
+<file path=ppt/slides/slide2.xml><?xml version="1.0" encoding="utf-8"?>
+<p:sld xmlns:a="http://schemas.openxmlformats.org/drawingml/2006/main" xmlns:r="http://schemas.openxmlformats.org/officeDocument/2006/relationships" xmlns:mc="http://schemas.openxmlformats.org/markup-compatibility/2006" xmlns:mv="urn:schemas-microsoft-com:mac:vml" xmlns:p="http://schemas.openxmlformats.org/presentationml/2006/main" xmlns:c="http://schemas.openxmlformats.org/drawingml/2006/chart" xmlns:dgm="http://schemas.openxmlformats.org/drawingml/2006/diagram" xmlns:o="urn:schemas-microsoft-com:office:office" xmlns:v="urn:schemas-microsoft-com:vml" xmlns:pvml="urn:schemas-microsoft-com:office:powerpoint" xmlns:com="http://schemas.openxmlformats.org/drawingml/2006/compatibility" xmlns:p14="http://schemas.microsoft.com/office/powerpoint/2010/main" xmlns:p15="http://schemas.microsoft.com/office/powerpoint/2012/main">
+  <p:cSld>
+    <p:spTree>
+      <p:nvGrpSpPr>
+        <p:cNvPr id="244" name="Shape 244"/>
+        <p:cNvGrpSpPr/>
+        <p:nvPr/>
+      </p:nvGrpSpPr>
+      <p:grpSpPr>
+        <a:xfrm>
+          <a:off x="0" y="0"/>
+          <a:ext cx="0" cy="0"/>
+          <a:chOff x="0" y="0"/>
+          <a:chExt cx="0" cy="0"/>
+        </a:xfrm>
+      </p:grpSpPr>
+      <p:sp>
+        <p:nvSpPr>
+          <p:cNvPr id="245" name="Shape 245"/>
+          <p:cNvSpPr txBox="1"/>
+          <p:nvPr>
+            <p:ph type="title"/>
+          </p:nvPr>
+        </p:nvSpPr>
+        <p:spPr>
+          <a:xfrm>
+            <a:off x="457200" y="214125"/>
+            <a:ext cx="5138700" cy="857400"/>
+          </a:xfrm>
+          <a:prstGeom prst="rect">
+            <a:avLst/>
+          </a:prstGeom>
+        </p:spPr>
+        <p:txBody>
+          <a:bodyPr anchorCtr="0" anchor="b" bIns="91425" lIns="91425" spcFirstLastPara="1" rIns="91425" wrap="square" tIns="91425">
+            <a:noAutofit/>
+          </a:bodyPr>
+          <a:lstStyle/>
+          <a:p>
+            <a:pPr indent="0" lvl="0" marL="0" rtl="0">
+              <a:spcBef>
+                <a:spcPts val="0"/>
+              </a:spcBef>
+              <a:spcAft>
+                <a:spcPts val="0"/>
+              </a:spcAft>
+              <a:buNone/>
+            </a:pPr>
+            <a:r>
+              <a:rPr lang="en"/>
+              <a:t>Etude du projet</a:t>
+            </a:r>
+            <a:endParaRPr/>
+          </a:p>
+        </p:txBody>
+      </p:sp>
+      <p:sp>
+        <p:nvSpPr>
+          <p:cNvPr id="246" name="Shape 246"/>
+          <p:cNvSpPr txBox="1"/>
+          <p:nvPr>
+            <p:ph idx="2" type="body"/>
+          </p:nvPr>
+        </p:nvSpPr>
+        <p:spPr>
+          <a:xfrm>
+            <a:off x="3101676" y="2308775"/>
+            <a:ext cx="2494200" cy="2358900"/>
+          </a:xfrm>
+          <a:prstGeom prst="rect">
+            <a:avLst/>
+          </a:prstGeom>
+        </p:spPr>
+        <p:txBody>
+          <a:bodyPr anchorCtr="0" anchor="t" bIns="91425" lIns="91425" spcFirstLastPara="1" rIns="91425" wrap="square" tIns="91425">
+            <a:noAutofit/>
+          </a:bodyPr>
+          <a:lstStyle/>
+          <a:p>
+            <a:pPr indent="0" lvl="0" marL="0" rtl="0">
+              <a:spcBef>
+                <a:spcPts val="600"/>
+              </a:spcBef>
+              <a:spcAft>
+                <a:spcPts val="0"/>
+              </a:spcAft>
+              <a:buNone/>
+            </a:pPr>
+            <a:r>
+              <a:rPr b="1" lang="en" sz="1200"/>
+              <a:t>Sans Framework</a:t>
+            </a:r>
+            <a:endParaRPr sz="1200">
+              <a:solidFill>
+                <a:srgbClr val="000000"/>
+              </a:solidFill>
+            </a:endParaRPr>
+          </a:p>
+          <a:p>
+            <a:pPr indent="0" lvl="0" marL="0" rtl="0">
+              <a:spcBef>
+                <a:spcPts val="600"/>
+              </a:spcBef>
+              <a:spcAft>
+                <a:spcPts val="0"/>
+              </a:spcAft>
+              <a:buNone/>
+            </a:pPr>
+            <a:r>
+              <a:rPr lang="en" sz="1200"/>
+              <a:t>-Architecture MVC </a:t>
+            </a:r>
+            <a:endParaRPr sz="1200">
+              <a:solidFill>
+                <a:srgbClr val="000000"/>
+              </a:solidFill>
+            </a:endParaRPr>
+          </a:p>
+          <a:p>
+            <a:pPr indent="0" lvl="0" marL="0" rtl="0">
+              <a:spcBef>
+                <a:spcPts val="600"/>
+              </a:spcBef>
+              <a:spcAft>
+                <a:spcPts val="0"/>
+              </a:spcAft>
+              <a:buNone/>
+            </a:pPr>
+            <a:r>
+              <a:rPr lang="en" sz="1200"/>
+              <a:t>- Code orienté objet</a:t>
+            </a:r>
+            <a:endParaRPr sz="1200"/>
+          </a:p>
+          <a:p>
+            <a:pPr indent="0" lvl="0" marL="0" rtl="0">
+              <a:spcBef>
+                <a:spcPts val="600"/>
+              </a:spcBef>
+              <a:spcAft>
+                <a:spcPts val="0"/>
+              </a:spcAft>
+              <a:buNone/>
+            </a:pPr>
+            <a:r>
+              <a:rPr lang="en" sz="1200"/>
+              <a:t>-TinyMCE</a:t>
+            </a:r>
+            <a:endParaRPr sz="1200"/>
+          </a:p>
+          <a:p>
+            <a:pPr indent="0" lvl="0" marL="0" rtl="0">
+              <a:spcBef>
+                <a:spcPts val="600"/>
+              </a:spcBef>
+              <a:spcAft>
+                <a:spcPts val="0"/>
+              </a:spcAft>
+              <a:buClr>
+                <a:schemeClr val="dk1"/>
+              </a:buClr>
+              <a:buSzPts val="1100"/>
+              <a:buFont typeface="Arial"/>
+              <a:buNone/>
+            </a:pPr>
+            <a:r>
+              <a:t/>
+            </a:r>
+            <a:endParaRPr b="1" sz="1200">
+              <a:solidFill>
+                <a:srgbClr val="000000"/>
+              </a:solidFill>
+            </a:endParaRPr>
+          </a:p>
+        </p:txBody>
+      </p:sp>
+      <p:sp>
+        <p:nvSpPr>
+          <p:cNvPr id="247" name="Shape 247"/>
+          <p:cNvSpPr txBox="1"/>
+          <p:nvPr>
+            <p:ph idx="1" type="body"/>
+          </p:nvPr>
+        </p:nvSpPr>
+        <p:spPr>
+          <a:xfrm>
+            <a:off x="457225" y="2308775"/>
+            <a:ext cx="2494200" cy="2358900"/>
+          </a:xfrm>
+          <a:prstGeom prst="rect">
+            <a:avLst/>
+          </a:prstGeom>
+        </p:spPr>
+        <p:txBody>
+          <a:bodyPr anchorCtr="0" anchor="t" bIns="91425" lIns="91425" spcFirstLastPara="1" rIns="91425" wrap="square" tIns="91425">
+            <a:noAutofit/>
+          </a:bodyPr>
+          <a:lstStyle/>
+          <a:p>
+            <a:pPr indent="0" lvl="0" marL="0" rtl="0">
+              <a:spcBef>
+                <a:spcPts val="600"/>
+              </a:spcBef>
+              <a:spcAft>
+                <a:spcPts val="0"/>
+              </a:spcAft>
+              <a:buClr>
+                <a:schemeClr val="dk1"/>
+              </a:buClr>
+              <a:buSzPts val="1100"/>
+              <a:buFont typeface="Arial"/>
+              <a:buNone/>
+            </a:pPr>
+            <a:r>
+              <a:rPr b="1" lang="en" sz="1200"/>
+              <a:t>Sans Wordpress</a:t>
+            </a:r>
+            <a:endParaRPr sz="1200">
+              <a:solidFill>
+                <a:srgbClr val="000000"/>
+              </a:solidFill>
+            </a:endParaRPr>
+          </a:p>
+          <a:p>
+            <a:pPr indent="0" lvl="0" marL="0" rtl="0">
+              <a:spcBef>
+                <a:spcPts val="600"/>
+              </a:spcBef>
+              <a:spcAft>
+                <a:spcPts val="0"/>
+              </a:spcAft>
+              <a:buClr>
+                <a:schemeClr val="dk1"/>
+              </a:buClr>
+              <a:buSzPts val="1100"/>
+              <a:buFont typeface="Arial"/>
+              <a:buNone/>
+            </a:pPr>
+            <a:r>
+              <a:rPr lang="en" sz="1200"/>
+              <a:t>-Language PHP</a:t>
+            </a:r>
+            <a:endParaRPr sz="1200"/>
+          </a:p>
+          <a:p>
+            <a:pPr indent="0" lvl="0" marL="0" rtl="0">
+              <a:spcBef>
+                <a:spcPts val="600"/>
+              </a:spcBef>
+              <a:spcAft>
+                <a:spcPts val="0"/>
+              </a:spcAft>
+              <a:buClr>
+                <a:schemeClr val="dk1"/>
+              </a:buClr>
+              <a:buSzPts val="1100"/>
+              <a:buFont typeface="Arial"/>
+              <a:buNone/>
+            </a:pPr>
+            <a:r>
+              <a:rPr lang="en" sz="1200"/>
+              <a:t>-Base de données MySQL</a:t>
+            </a:r>
+            <a:endParaRPr>
+              <a:solidFill>
+                <a:srgbClr val="000000"/>
+              </a:solidFill>
+            </a:endParaRPr>
+          </a:p>
+        </p:txBody>
+      </p:sp>
+      <p:sp>
+        <p:nvSpPr>
+          <p:cNvPr id="248" name="Shape 248"/>
+          <p:cNvSpPr txBox="1"/>
+          <p:nvPr>
+            <p:ph idx="2" type="body"/>
+          </p:nvPr>
+        </p:nvSpPr>
+        <p:spPr>
+          <a:xfrm>
+            <a:off x="457200" y="1277950"/>
+            <a:ext cx="5138700" cy="1141200"/>
+          </a:xfrm>
+          <a:prstGeom prst="rect">
+            <a:avLst/>
+          </a:prstGeom>
+        </p:spPr>
+        <p:txBody>
+          <a:bodyPr anchorCtr="0" anchor="t" bIns="91425" lIns="91425" spcFirstLastPara="1" rIns="91425" wrap="square" tIns="91425">
+            <a:noAutofit/>
+          </a:bodyPr>
+          <a:lstStyle/>
+          <a:p>
+            <a:pPr indent="0" lvl="0" marL="0" rtl="0">
+              <a:spcBef>
+                <a:spcPts val="0"/>
+              </a:spcBef>
+              <a:spcAft>
+                <a:spcPts val="0"/>
+              </a:spcAft>
+              <a:buNone/>
+            </a:pPr>
+            <a:r>
+              <a:rPr lang="en" sz="1200"/>
+              <a:t>Développer un blog pour </a:t>
+            </a:r>
+            <a:r>
+              <a:rPr i="1" lang="en" sz="1200"/>
+              <a:t>Jean Forteroche</a:t>
+            </a:r>
+            <a:r>
+              <a:rPr lang="en" sz="1200"/>
+              <a:t> afin qu’il puisse publier, modifier &amp; supprimer des publications.</a:t>
+            </a:r>
+            <a:endParaRPr sz="1200">
+              <a:solidFill>
+                <a:srgbClr val="4F4A9E"/>
+              </a:solidFill>
+            </a:endParaRPr>
+          </a:p>
+        </p:txBody>
+      </p:sp>
+      <p:sp>
+        <p:nvSpPr>
+          <p:cNvPr id="249" name="Shape 249"/>
+          <p:cNvSpPr txBox="1"/>
+          <p:nvPr>
+            <p:ph idx="12" type="sldNum"/>
+          </p:nvPr>
+        </p:nvSpPr>
+        <p:spPr>
+          <a:xfrm>
+            <a:off x="8808000" y="2208175"/>
+            <a:ext cx="336000" cy="727200"/>
+          </a:xfrm>
+          <a:prstGeom prst="rect">
+            <a:avLst/>
+          </a:prstGeom>
+        </p:spPr>
+        <p:txBody>
+          <a:bodyPr anchorCtr="0" anchor="ctr" bIns="91425" lIns="91425" spcFirstLastPara="1" rIns="91425" wrap="square" tIns="91425">
+            <a:noAutofit/>
+          </a:bodyPr>
+          <a:lstStyle/>
+          <a:p>
+            <a:pPr indent="0" lvl="0" marL="0">
+              <a:spcBef>
+                <a:spcPts val="0"/>
+              </a:spcBef>
+              <a:spcAft>
+                <a:spcPts val="0"/>
+              </a:spcAft>
+              <a:buNone/>
+            </a:pPr>
+            <a:fld id="{00000000-1234-1234-1234-123412341234}" type="slidenum">
+              <a:rPr lang="en"/>
+              <a:t>‹#›</a:t>
+            </a:fld>
+            <a:endParaRPr/>
+          </a:p>
+        </p:txBody>
+      </p:sp>
+      <p:sp>
+        <p:nvSpPr>
+          <p:cNvPr id="250" name="Shape 250"/>
+          <p:cNvSpPr txBox="1"/>
+          <p:nvPr/>
+        </p:nvSpPr>
+        <p:spPr>
+          <a:xfrm>
+            <a:off x="457200" y="1071525"/>
+            <a:ext cx="2219100" cy="370500"/>
+          </a:xfrm>
+          <a:prstGeom prst="rect">
+            <a:avLst/>
+          </a:prstGeom>
+          <a:noFill/>
+          <a:ln>
+            <a:noFill/>
+          </a:ln>
+        </p:spPr>
+        <p:txBody>
+          <a:bodyPr anchorCtr="0" anchor="ctr" bIns="91425" lIns="91425" spcFirstLastPara="1" rIns="91425" wrap="square" tIns="91425">
+            <a:noAutofit/>
+          </a:bodyPr>
+          <a:lstStyle/>
+          <a:p>
+            <a:pPr indent="0" lvl="0" marL="0" rtl="0">
+              <a:spcBef>
+                <a:spcPts val="0"/>
+              </a:spcBef>
+              <a:spcAft>
+                <a:spcPts val="0"/>
+              </a:spcAft>
+              <a:buNone/>
+            </a:pPr>
+            <a:r>
+              <a:rPr lang="en">
+                <a:solidFill>
+                  <a:srgbClr val="4F4A9E"/>
+                </a:solidFill>
+                <a:latin typeface="Miriam Libre"/>
+                <a:ea typeface="Miriam Libre"/>
+                <a:cs typeface="Miriam Libre"/>
+                <a:sym typeface="Miriam Libre"/>
+              </a:rPr>
+              <a:t>Déscription :</a:t>
+            </a:r>
+            <a:endParaRPr b="1">
+              <a:solidFill>
+                <a:srgbClr val="4F4A9E"/>
+              </a:solidFill>
+            </a:endParaRPr>
+          </a:p>
+        </p:txBody>
+      </p:sp>
+      <p:sp>
+        <p:nvSpPr>
+          <p:cNvPr id="251" name="Shape 251"/>
+          <p:cNvSpPr txBox="1"/>
+          <p:nvPr/>
+        </p:nvSpPr>
+        <p:spPr>
+          <a:xfrm>
+            <a:off x="457200" y="2113750"/>
+            <a:ext cx="2219100" cy="370500"/>
+          </a:xfrm>
+          <a:prstGeom prst="rect">
+            <a:avLst/>
+          </a:prstGeom>
+          <a:noFill/>
+          <a:ln>
+            <a:noFill/>
+          </a:ln>
+        </p:spPr>
+        <p:txBody>
+          <a:bodyPr anchorCtr="0" anchor="ctr" bIns="91425" lIns="91425" spcFirstLastPara="1" rIns="91425" wrap="square" tIns="91425">
+            <a:noAutofit/>
+          </a:bodyPr>
+          <a:lstStyle/>
+          <a:p>
+            <a:pPr indent="0" lvl="0" marL="0" rtl="0">
+              <a:spcBef>
+                <a:spcPts val="0"/>
+              </a:spcBef>
+              <a:spcAft>
+                <a:spcPts val="0"/>
+              </a:spcAft>
+              <a:buNone/>
+            </a:pPr>
+            <a:r>
+              <a:rPr lang="en">
+                <a:solidFill>
+                  <a:srgbClr val="4F4A9E"/>
+                </a:solidFill>
+                <a:latin typeface="Miriam Libre"/>
+                <a:ea typeface="Miriam Libre"/>
+                <a:cs typeface="Miriam Libre"/>
+                <a:sym typeface="Miriam Libre"/>
+              </a:rPr>
+              <a:t>Contraites </a:t>
+            </a:r>
+            <a:r>
+              <a:rPr lang="en">
+                <a:solidFill>
+                  <a:srgbClr val="4F4A9E"/>
+                </a:solidFill>
+                <a:latin typeface="Miriam Libre"/>
+                <a:ea typeface="Miriam Libre"/>
+                <a:cs typeface="Miriam Libre"/>
+                <a:sym typeface="Miriam Libre"/>
+              </a:rPr>
+              <a:t>:</a:t>
+            </a:r>
+            <a:endParaRPr b="1">
+              <a:solidFill>
+                <a:srgbClr val="4F4A9E"/>
+              </a:solidFill>
+            </a:endParaRPr>
+          </a:p>
+        </p:txBody>
+      </p:sp>
+    </p:spTree>
+  </p:cSld>
+  <p:clrMapOvr>
+    <a:masterClrMapping/>
+  </p:clrMapOvr>
+</p:sld>
+</file>
+
+<file path=ppt/slides/slide3.xml><?xml version="1.0" encoding="utf-8"?>
+<p:sld xmlns:a="http://schemas.openxmlformats.org/drawingml/2006/main" xmlns:r="http://schemas.openxmlformats.org/officeDocument/2006/relationships" xmlns:mc="http://schemas.openxmlformats.org/markup-compatibility/2006" xmlns:mv="urn:schemas-microsoft-com:mac:vml" xmlns:p="http://schemas.openxmlformats.org/presentationml/2006/main" xmlns:c="http://schemas.openxmlformats.org/drawingml/2006/chart" xmlns:dgm="http://schemas.openxmlformats.org/drawingml/2006/diagram" xmlns:o="urn:schemas-microsoft-com:office:office" xmlns:v="urn:schemas-microsoft-com:vml" xmlns:pvml="urn:schemas-microsoft-com:office:powerpoint" xmlns:com="http://schemas.openxmlformats.org/drawingml/2006/compatibility" xmlns:p14="http://schemas.microsoft.com/office/powerpoint/2010/main" xmlns:p15="http://schemas.microsoft.com/office/powerpoint/2012/main">
+  <p:cSld>
+    <p:spTree>
+      <p:nvGrpSpPr>
+        <p:cNvPr id="255" name="Shape 255"/>
+        <p:cNvGrpSpPr/>
+        <p:nvPr/>
+      </p:nvGrpSpPr>
+      <p:grpSpPr>
+        <a:xfrm>
+          <a:off x="0" y="0"/>
+          <a:ext cx="0" cy="0"/>
+          <a:chOff x="0" y="0"/>
+          <a:chExt cx="0" cy="0"/>
+        </a:xfrm>
+      </p:grpSpPr>
+      <p:sp>
+        <p:nvSpPr>
+          <p:cNvPr id="256" name="Shape 256"/>
+          <p:cNvSpPr txBox="1"/>
+          <p:nvPr>
+            <p:ph type="title"/>
+          </p:nvPr>
+        </p:nvSpPr>
+        <p:spPr>
+          <a:xfrm>
+            <a:off x="457200" y="586975"/>
+            <a:ext cx="5138700" cy="857400"/>
+          </a:xfrm>
+          <a:prstGeom prst="rect">
+            <a:avLst/>
+          </a:prstGeom>
+        </p:spPr>
+        <p:txBody>
+          <a:bodyPr anchorCtr="0" anchor="b" bIns="91425" lIns="91425" spcFirstLastPara="1" rIns="91425" wrap="square" tIns="91425">
+            <a:noAutofit/>
+          </a:bodyPr>
+          <a:lstStyle/>
+          <a:p>
+            <a:pPr indent="0" lvl="0" marL="0">
+              <a:spcBef>
+                <a:spcPts val="0"/>
+              </a:spcBef>
+              <a:spcAft>
+                <a:spcPts val="0"/>
+              </a:spcAft>
+              <a:buNone/>
+            </a:pPr>
+            <a:r>
+              <a:rPr lang="en"/>
+              <a:t>SOMMAIRE</a:t>
+            </a:r>
+            <a:endParaRPr/>
+          </a:p>
+        </p:txBody>
+      </p:sp>
+      <p:sp>
+        <p:nvSpPr>
+          <p:cNvPr id="257" name="Shape 257"/>
+          <p:cNvSpPr txBox="1"/>
+          <p:nvPr>
+            <p:ph idx="1" type="body"/>
+          </p:nvPr>
+        </p:nvSpPr>
+        <p:spPr>
+          <a:xfrm>
+            <a:off x="457200" y="1657350"/>
+            <a:ext cx="5138700" cy="3180900"/>
+          </a:xfrm>
+          <a:prstGeom prst="rect">
+            <a:avLst/>
+          </a:prstGeom>
+        </p:spPr>
+        <p:txBody>
+          <a:bodyPr anchorCtr="0" anchor="t" bIns="91425" lIns="91425" spcFirstLastPara="1" rIns="91425" wrap="square" tIns="91425">
+            <a:noAutofit/>
+          </a:bodyPr>
+          <a:lstStyle/>
+          <a:p>
+            <a:pPr indent="-381000" lvl="0" marL="457200" rtl="0">
+              <a:spcBef>
+                <a:spcPts val="600"/>
+              </a:spcBef>
+              <a:spcAft>
+                <a:spcPts val="0"/>
+              </a:spcAft>
+              <a:buSzPts val="2400"/>
+              <a:buChar char="▹"/>
+            </a:pPr>
+            <a:r>
+              <a:rPr lang="en"/>
+              <a:t>Solutions utilisés</a:t>
+            </a:r>
+            <a:endParaRPr/>
+          </a:p>
+          <a:p>
+            <a:pPr indent="-381000" lvl="0" marL="457200" rtl="0">
+              <a:spcBef>
+                <a:spcPts val="0"/>
+              </a:spcBef>
+              <a:spcAft>
+                <a:spcPts val="0"/>
+              </a:spcAft>
+              <a:buSzPts val="2400"/>
+              <a:buChar char="▹"/>
+            </a:pPr>
+            <a:r>
+              <a:rPr lang="en"/>
+              <a:t>Arborescence du site</a:t>
+            </a:r>
+            <a:endParaRPr/>
+          </a:p>
+          <a:p>
+            <a:pPr indent="-381000" lvl="0" marL="457200" rtl="0">
+              <a:spcBef>
+                <a:spcPts val="0"/>
+              </a:spcBef>
+              <a:spcAft>
+                <a:spcPts val="0"/>
+              </a:spcAft>
+              <a:buSzPts val="2400"/>
+              <a:buChar char="▹"/>
+            </a:pPr>
+            <a:r>
+              <a:rPr lang="en"/>
+              <a:t>Architecture MVC</a:t>
+            </a:r>
+            <a:endParaRPr/>
+          </a:p>
+          <a:p>
+            <a:pPr indent="-381000" lvl="0" marL="457200" rtl="0">
+              <a:spcBef>
+                <a:spcPts val="0"/>
+              </a:spcBef>
+              <a:spcAft>
+                <a:spcPts val="0"/>
+              </a:spcAft>
+              <a:buSzPts val="2400"/>
+              <a:buChar char="▹"/>
+            </a:pPr>
+            <a:r>
+              <a:rPr lang="en"/>
+              <a:t>Fonctionnalité &amp; Contenue des pages</a:t>
+            </a:r>
+            <a:endParaRPr/>
+          </a:p>
+        </p:txBody>
+      </p:sp>
+      <p:sp>
+        <p:nvSpPr>
+          <p:cNvPr id="258" name="Shape 258"/>
+          <p:cNvSpPr txBox="1"/>
+          <p:nvPr>
+            <p:ph idx="12" type="sldNum"/>
+          </p:nvPr>
+        </p:nvSpPr>
+        <p:spPr>
+          <a:xfrm>
+            <a:off x="8808000" y="2208279"/>
+            <a:ext cx="336000" cy="727200"/>
+          </a:xfrm>
+          <a:prstGeom prst="rect">
+            <a:avLst/>
+          </a:prstGeom>
+        </p:spPr>
+        <p:txBody>
+          <a:bodyPr anchorCtr="0" anchor="ctr" bIns="91425" lIns="91425" spcFirstLastPara="1" rIns="91425" wrap="square" tIns="91425">
+            <a:noAutofit/>
+          </a:bodyPr>
+          <a:lstStyle/>
+          <a:p>
+            <a:pPr indent="0" lvl="0" marL="0">
+              <a:spcBef>
+                <a:spcPts val="0"/>
+              </a:spcBef>
+              <a:spcAft>
+                <a:spcPts val="0"/>
+              </a:spcAft>
+              <a:buNone/>
+            </a:pPr>
+            <a:fld id="{00000000-1234-1234-1234-123412341234}" type="slidenum">
+              <a:rPr lang="en"/>
+              <a:t>‹#›</a:t>
+            </a:fld>
+            <a:endParaRPr/>
+          </a:p>
+        </p:txBody>
+      </p:sp>
+    </p:spTree>
+  </p:cSld>
+  <p:clrMapOvr>
+    <a:masterClrMapping/>
+  </p:clrMapOvr>
+</p:sld>
+</file>
+
+<file path=ppt/slides/slide4.xml><?xml version="1.0" encoding="utf-8"?>
+<p:sld xmlns:a="http://schemas.openxmlformats.org/drawingml/2006/main" xmlns:r="http://schemas.openxmlformats.org/officeDocument/2006/relationships" xmlns:mc="http://schemas.openxmlformats.org/markup-compatibility/2006" xmlns:mv="urn:schemas-microsoft-com:mac:vml" xmlns:p="http://schemas.openxmlformats.org/presentationml/2006/main" xmlns:c="http://schemas.openxmlformats.org/drawingml/2006/chart" xmlns:dgm="http://schemas.openxmlformats.org/drawingml/2006/diagram" xmlns:o="urn:schemas-microsoft-com:office:office" xmlns:v="urn:schemas-microsoft-com:vml" xmlns:pvml="urn:schemas-microsoft-com:office:powerpoint" xmlns:com="http://schemas.openxmlformats.org/drawingml/2006/compatibility" xmlns:p14="http://schemas.microsoft.com/office/powerpoint/2010/main" xmlns:p15="http://schemas.microsoft.com/office/powerpoint/2012/main">
+  <p:cSld>
+    <p:spTree>
+      <p:nvGrpSpPr>
+        <p:cNvPr id="262" name="Shape 262"/>
+        <p:cNvGrpSpPr/>
+        <p:nvPr/>
+      </p:nvGrpSpPr>
+      <p:grpSpPr>
+        <a:xfrm>
+          <a:off x="0" y="0"/>
+          <a:ext cx="0" cy="0"/>
+          <a:chOff x="0" y="0"/>
+          <a:chExt cx="0" cy="0"/>
+        </a:xfrm>
+      </p:grpSpPr>
+      <p:sp>
+        <p:nvSpPr>
+          <p:cNvPr id="263" name="Shape 263"/>
+          <p:cNvSpPr txBox="1"/>
+          <p:nvPr>
+            <p:ph type="ctrTitle"/>
+          </p:nvPr>
+        </p:nvSpPr>
+        <p:spPr>
+          <a:xfrm>
+            <a:off x="0" y="1888150"/>
+            <a:ext cx="9144000" cy="1159800"/>
+          </a:xfrm>
+          <a:prstGeom prst="rect">
+            <a:avLst/>
+          </a:prstGeom>
+        </p:spPr>
+        <p:txBody>
+          <a:bodyPr anchorCtr="0" anchor="b" bIns="91425" lIns="91425" spcFirstLastPara="1" rIns="91425" wrap="square" tIns="91425">
+            <a:noAutofit/>
+          </a:bodyPr>
+          <a:lstStyle/>
+          <a:p>
+            <a:pPr indent="0" lvl="0" marL="0" rtl="0">
+              <a:spcBef>
+                <a:spcPts val="0"/>
+              </a:spcBef>
+              <a:spcAft>
+                <a:spcPts val="0"/>
+              </a:spcAft>
+              <a:buNone/>
+            </a:pPr>
+            <a:r>
+              <a:t/>
+            </a:r>
+            <a:endParaRPr/>
+          </a:p>
+          <a:p>
+            <a:pPr indent="-228600" lvl="0" marL="457200" rtl="0">
+              <a:spcBef>
+                <a:spcPts val="0"/>
+              </a:spcBef>
+              <a:spcAft>
+                <a:spcPts val="0"/>
+              </a:spcAft>
+              <a:buSzPts val="4000"/>
+              <a:buNone/>
+            </a:pPr>
+            <a:r>
+              <a:rPr lang="en"/>
+              <a:t>Choix technologiques</a:t>
+            </a:r>
+            <a:endParaRPr/>
+          </a:p>
+        </p:txBody>
+      </p:sp>
+    </p:spTree>
+  </p:cSld>
+  <p:clrMapOvr>
+    <a:masterClrMapping/>
+  </p:clrMapOvr>
+</p:sld>
+</file>
+
+<file path=ppt/slides/slide5.xml><?xml version="1.0" encoding="utf-8"?>
+<p:sld xmlns:a="http://schemas.openxmlformats.org/drawingml/2006/main" xmlns:r="http://schemas.openxmlformats.org/officeDocument/2006/relationships" xmlns:mc="http://schemas.openxmlformats.org/markup-compatibility/2006" xmlns:mv="urn:schemas-microsoft-com:mac:vml" xmlns:p="http://schemas.openxmlformats.org/presentationml/2006/main" xmlns:c="http://schemas.openxmlformats.org/drawingml/2006/chart" xmlns:dgm="http://schemas.openxmlformats.org/drawingml/2006/diagram" xmlns:o="urn:schemas-microsoft-com:office:office" xmlns:v="urn:schemas-microsoft-com:vml" xmlns:pvml="urn:schemas-microsoft-com:office:powerpoint" xmlns:com="http://schemas.openxmlformats.org/drawingml/2006/compatibility" xmlns:p14="http://schemas.microsoft.com/office/powerpoint/2010/main" xmlns:p15="http://schemas.microsoft.com/office/powerpoint/2012/main">
+  <p:cSld>
+    <p:spTree>
+      <p:nvGrpSpPr>
+        <p:cNvPr id="267" name="Shape 267"/>
+        <p:cNvGrpSpPr/>
+        <p:nvPr/>
+      </p:nvGrpSpPr>
+      <p:grpSpPr>
+        <a:xfrm>
+          <a:off x="0" y="0"/>
+          <a:ext cx="0" cy="0"/>
+          <a:chOff x="0" y="0"/>
+          <a:chExt cx="0" cy="0"/>
+        </a:xfrm>
+      </p:grpSpPr>
+      <p:sp>
+        <p:nvSpPr>
+          <p:cNvPr id="268" name="Shape 268"/>
+          <p:cNvSpPr txBox="1"/>
+          <p:nvPr>
+            <p:ph idx="1" type="body"/>
+          </p:nvPr>
+        </p:nvSpPr>
+        <p:spPr>
+          <a:xfrm>
+            <a:off x="457200" y="1308250"/>
+            <a:ext cx="5307900" cy="3835200"/>
+          </a:xfrm>
+          <a:prstGeom prst="rect">
+            <a:avLst/>
+          </a:prstGeom>
+        </p:spPr>
+        <p:txBody>
+          <a:bodyPr anchorCtr="0" anchor="t" bIns="91425" lIns="91425" spcFirstLastPara="1" rIns="91425" wrap="square" tIns="91425">
+            <a:noAutofit/>
+          </a:bodyPr>
+          <a:lstStyle/>
+          <a:p>
+            <a:pPr indent="0" lvl="0" marL="0" rtl="0">
+              <a:spcBef>
+                <a:spcPts val="600"/>
+              </a:spcBef>
+              <a:spcAft>
+                <a:spcPts val="0"/>
+              </a:spcAft>
+              <a:buNone/>
+            </a:pPr>
+            <a:r>
+              <a:rPr b="1" lang="en"/>
+              <a:t>Gump.Class</a:t>
+            </a:r>
+            <a:endParaRPr b="1"/>
+          </a:p>
+          <a:p>
+            <a:pPr indent="0" lvl="0" marL="0">
+              <a:spcBef>
+                <a:spcPts val="600"/>
+              </a:spcBef>
+              <a:spcAft>
+                <a:spcPts val="0"/>
+              </a:spcAft>
+              <a:buNone/>
+            </a:pPr>
+            <a:r>
+              <a:rPr lang="en"/>
+              <a:t>-Sécuriser / contrôler les entrées sql</a:t>
+            </a:r>
+            <a:endParaRPr/>
+          </a:p>
+          <a:p>
+            <a:pPr indent="0" lvl="0" marL="0">
+              <a:spcBef>
+                <a:spcPts val="600"/>
+              </a:spcBef>
+              <a:spcAft>
+                <a:spcPts val="0"/>
+              </a:spcAft>
+              <a:buNone/>
+            </a:pPr>
+            <a:r>
+              <a:t/>
+            </a:r>
+            <a:endParaRPr/>
+          </a:p>
+          <a:p>
+            <a:pPr indent="0" lvl="0" marL="0">
+              <a:spcBef>
+                <a:spcPts val="600"/>
+              </a:spcBef>
+              <a:spcAft>
+                <a:spcPts val="0"/>
+              </a:spcAft>
+              <a:buNone/>
+            </a:pPr>
+            <a:r>
+              <a:rPr b="1" lang="en"/>
+              <a:t>Architecture MVC</a:t>
+            </a:r>
+            <a:endParaRPr/>
+          </a:p>
+          <a:p>
+            <a:pPr indent="0" lvl="0" marL="0">
+              <a:spcBef>
+                <a:spcPts val="600"/>
+              </a:spcBef>
+              <a:spcAft>
+                <a:spcPts val="0"/>
+              </a:spcAft>
+              <a:buNone/>
+            </a:pPr>
+            <a:r>
+              <a:rPr lang="en"/>
+              <a:t>-Souplesse d’évolution</a:t>
+            </a:r>
+            <a:endParaRPr/>
+          </a:p>
+          <a:p>
+            <a:pPr indent="0" lvl="0" marL="0">
+              <a:spcBef>
+                <a:spcPts val="600"/>
+              </a:spcBef>
+              <a:spcAft>
+                <a:spcPts val="0"/>
+              </a:spcAft>
+              <a:buNone/>
+            </a:pPr>
+            <a:r>
+              <a:rPr lang="en"/>
+              <a:t>-Code Claire &amp; organisé</a:t>
+            </a:r>
+            <a:endParaRPr/>
+          </a:p>
+          <a:p>
+            <a:pPr indent="0" lvl="0" marL="0">
+              <a:spcBef>
+                <a:spcPts val="600"/>
+              </a:spcBef>
+              <a:spcAft>
+                <a:spcPts val="0"/>
+              </a:spcAft>
+              <a:buNone/>
+            </a:pPr>
+            <a:r>
+              <a:t/>
+            </a:r>
+            <a:endParaRPr/>
+          </a:p>
+          <a:p>
+            <a:pPr indent="0" lvl="0" marL="0">
+              <a:spcBef>
+                <a:spcPts val="600"/>
+              </a:spcBef>
+              <a:spcAft>
+                <a:spcPts val="0"/>
+              </a:spcAft>
+              <a:buNone/>
+            </a:pPr>
+            <a:r>
+              <a:rPr b="1" lang="en"/>
+              <a:t>WAMP</a:t>
+            </a:r>
+            <a:endParaRPr/>
+          </a:p>
+          <a:p>
+            <a:pPr indent="0" lvl="0" marL="0">
+              <a:spcBef>
+                <a:spcPts val="600"/>
+              </a:spcBef>
+              <a:spcAft>
+                <a:spcPts val="0"/>
+              </a:spcAft>
+              <a:buNone/>
+            </a:pPr>
+            <a:r>
+              <a:rPr lang="en"/>
+              <a:t>-Phpmyadmin</a:t>
+            </a:r>
+            <a:endParaRPr/>
+          </a:p>
+          <a:p>
+            <a:pPr indent="0" lvl="0" marL="0">
+              <a:spcBef>
+                <a:spcPts val="600"/>
+              </a:spcBef>
+              <a:spcAft>
+                <a:spcPts val="0"/>
+              </a:spcAft>
+              <a:buNone/>
+            </a:pPr>
+            <a:r>
+              <a:t/>
+            </a:r>
+            <a:endParaRPr/>
+          </a:p>
+          <a:p>
+            <a:pPr indent="0" lvl="0" marL="0">
+              <a:spcBef>
+                <a:spcPts val="600"/>
+              </a:spcBef>
+              <a:spcAft>
+                <a:spcPts val="0"/>
+              </a:spcAft>
+              <a:buNone/>
+            </a:pPr>
+            <a:r>
+              <a:t/>
+            </a:r>
+            <a:endParaRPr/>
+          </a:p>
+          <a:p>
+            <a:pPr indent="0" lvl="0" marL="0">
+              <a:spcBef>
+                <a:spcPts val="600"/>
+              </a:spcBef>
+              <a:spcAft>
+                <a:spcPts val="0"/>
+              </a:spcAft>
+              <a:buNone/>
+            </a:pPr>
+            <a:r>
+              <a:t/>
+            </a:r>
+            <a:endParaRPr/>
+          </a:p>
+        </p:txBody>
+      </p:sp>
+      <p:sp>
+        <p:nvSpPr>
+          <p:cNvPr id="269" name="Shape 269"/>
+          <p:cNvSpPr txBox="1"/>
+          <p:nvPr>
+            <p:ph type="title"/>
+          </p:nvPr>
+        </p:nvSpPr>
+        <p:spPr>
+          <a:xfrm>
+            <a:off x="457200" y="450850"/>
+            <a:ext cx="5138700" cy="857400"/>
+          </a:xfrm>
+          <a:prstGeom prst="rect">
+            <a:avLst/>
+          </a:prstGeom>
+        </p:spPr>
+        <p:txBody>
+          <a:bodyPr anchorCtr="0" anchor="b" bIns="91425" lIns="91425" spcFirstLastPara="1" rIns="91425" wrap="square" tIns="91425">
+            <a:noAutofit/>
+          </a:bodyPr>
+          <a:lstStyle/>
+          <a:p>
+            <a:pPr indent="0" lvl="0" marL="0" rtl="0">
+              <a:spcBef>
+                <a:spcPts val="0"/>
+              </a:spcBef>
+              <a:spcAft>
+                <a:spcPts val="0"/>
+              </a:spcAft>
+              <a:buNone/>
+            </a:pPr>
+            <a:r>
+              <a:rPr lang="en"/>
+              <a:t>Choix technologiques</a:t>
+            </a:r>
+            <a:endParaRPr/>
+          </a:p>
+        </p:txBody>
+      </p:sp>
+      <p:sp>
+        <p:nvSpPr>
+          <p:cNvPr id="270" name="Shape 270"/>
+          <p:cNvSpPr txBox="1"/>
+          <p:nvPr>
+            <p:ph idx="12" type="sldNum"/>
+          </p:nvPr>
+        </p:nvSpPr>
+        <p:spPr>
+          <a:xfrm>
+            <a:off x="8808000" y="2208175"/>
+            <a:ext cx="336000" cy="727200"/>
+          </a:xfrm>
+          <a:prstGeom prst="rect">
+            <a:avLst/>
+          </a:prstGeom>
+        </p:spPr>
+        <p:txBody>
+          <a:bodyPr anchorCtr="0" anchor="ctr" bIns="91425" lIns="91425" spcFirstLastPara="1" rIns="91425" wrap="square" tIns="91425">
+            <a:noAutofit/>
+          </a:bodyPr>
+          <a:lstStyle/>
+          <a:p>
+            <a:pPr indent="0" lvl="0" marL="0">
+              <a:spcBef>
+                <a:spcPts val="0"/>
+              </a:spcBef>
+              <a:spcAft>
+                <a:spcPts val="0"/>
+              </a:spcAft>
+              <a:buNone/>
+            </a:pPr>
+            <a:fld id="{00000000-1234-1234-1234-123412341234}" type="slidenum">
+              <a:rPr lang="en"/>
+              <a:t>‹#›</a:t>
+            </a:fld>
+            <a:endParaRPr/>
+          </a:p>
+        </p:txBody>
+      </p:sp>
+    </p:spTree>
+  </p:cSld>
+  <p:clrMapOvr>
+    <a:masterClrMapping/>
+  </p:clrMapOvr>
+</p:sld>
+</file>
+
+<file path=ppt/slides/slide6.xml><?xml version="1.0" encoding="utf-8"?>
+<p:sld xmlns:a="http://schemas.openxmlformats.org/drawingml/2006/main" xmlns:r="http://schemas.openxmlformats.org/officeDocument/2006/relationships" xmlns:mc="http://schemas.openxmlformats.org/markup-compatibility/2006" xmlns:mv="urn:schemas-microsoft-com:mac:vml" xmlns:p="http://schemas.openxmlformats.org/presentationml/2006/main" xmlns:c="http://schemas.openxmlformats.org/drawingml/2006/chart" xmlns:dgm="http://schemas.openxmlformats.org/drawingml/2006/diagram" xmlns:o="urn:schemas-microsoft-com:office:office" xmlns:v="urn:schemas-microsoft-com:vml" xmlns:pvml="urn:schemas-microsoft-com:office:powerpoint" xmlns:com="http://schemas.openxmlformats.org/drawingml/2006/compatibility" xmlns:p14="http://schemas.microsoft.com/office/powerpoint/2010/main" xmlns:p15="http://schemas.microsoft.com/office/powerpoint/2012/main">
+  <p:cSld>
+    <p:spTree>
+      <p:nvGrpSpPr>
+        <p:cNvPr id="274" name="Shape 274"/>
+        <p:cNvGrpSpPr/>
+        <p:nvPr/>
+      </p:nvGrpSpPr>
+      <p:grpSpPr>
+        <a:xfrm>
+          <a:off x="0" y="0"/>
+          <a:ext cx="0" cy="0"/>
+          <a:chOff x="0" y="0"/>
+          <a:chExt cx="0" cy="0"/>
+        </a:xfrm>
+      </p:grpSpPr>
+      <p:sp>
+        <p:nvSpPr>
+          <p:cNvPr id="275" name="Shape 275"/>
+          <p:cNvSpPr txBox="1"/>
+          <p:nvPr>
+            <p:ph type="ctrTitle"/>
+          </p:nvPr>
+        </p:nvSpPr>
+        <p:spPr>
+          <a:xfrm>
+            <a:off x="0" y="1888150"/>
+            <a:ext cx="9144000" cy="1159800"/>
+          </a:xfrm>
+          <a:prstGeom prst="rect">
+            <a:avLst/>
+          </a:prstGeom>
+        </p:spPr>
+        <p:txBody>
+          <a:bodyPr anchorCtr="0" anchor="b" bIns="91425" lIns="91425" spcFirstLastPara="1" rIns="91425" wrap="square" tIns="91425">
+            <a:noAutofit/>
+          </a:bodyPr>
+          <a:lstStyle/>
+          <a:p>
+            <a:pPr indent="0" lvl="0" marL="0" rtl="0">
+              <a:spcBef>
+                <a:spcPts val="0"/>
+              </a:spcBef>
+              <a:spcAft>
+                <a:spcPts val="0"/>
+              </a:spcAft>
+              <a:buNone/>
+            </a:pPr>
+            <a:r>
+              <a:t/>
+            </a:r>
+            <a:endParaRPr/>
+          </a:p>
+          <a:p>
+            <a:pPr indent="-228600" lvl="0" marL="457200" rtl="0">
+              <a:spcBef>
+                <a:spcPts val="0"/>
+              </a:spcBef>
+              <a:spcAft>
+                <a:spcPts val="0"/>
+              </a:spcAft>
+              <a:buSzPts val="4000"/>
+              <a:buNone/>
+            </a:pPr>
+            <a:r>
+              <a:rPr lang="en"/>
+              <a:t>Arborescence du site</a:t>
+            </a:r>
+            <a:endParaRPr/>
+          </a:p>
+        </p:txBody>
+      </p:sp>
+    </p:spTree>
+  </p:cSld>
+  <p:clrMapOvr>
+    <a:masterClrMapping/>
+  </p:clrMapOvr>
+</p:sld>
+</file>
+
+<file path=ppt/slides/slide7.xml><?xml version="1.0" encoding="utf-8"?>
+<p:sld xmlns:a="http://schemas.openxmlformats.org/drawingml/2006/main" xmlns:r="http://schemas.openxmlformats.org/officeDocument/2006/relationships" xmlns:mc="http://schemas.openxmlformats.org/markup-compatibility/2006" xmlns:mv="urn:schemas-microsoft-com:mac:vml" xmlns:p="http://schemas.openxmlformats.org/presentationml/2006/main" xmlns:c="http://schemas.openxmlformats.org/drawingml/2006/chart" xmlns:dgm="http://schemas.openxmlformats.org/drawingml/2006/diagram" xmlns:o="urn:schemas-microsoft-com:office:office" xmlns:v="urn:schemas-microsoft-com:vml" xmlns:pvml="urn:schemas-microsoft-com:office:powerpoint" xmlns:com="http://schemas.openxmlformats.org/drawingml/2006/compatibility" xmlns:p14="http://schemas.microsoft.com/office/powerpoint/2010/main" xmlns:p15="http://schemas.microsoft.com/office/powerpoint/2012/main">
+  <p:cSld>
+    <p:spTree>
+      <p:nvGrpSpPr>
+        <p:cNvPr id="279" name="Shape 279"/>
+        <p:cNvGrpSpPr/>
+        <p:nvPr/>
+      </p:nvGrpSpPr>
+      <p:grpSpPr>
+        <a:xfrm>
+          <a:off x="0" y="0"/>
+          <a:ext cx="0" cy="0"/>
+          <a:chOff x="0" y="0"/>
+          <a:chExt cx="0" cy="0"/>
+        </a:xfrm>
+      </p:grpSpPr>
+      <p:sp>
+        <p:nvSpPr>
+          <p:cNvPr id="280" name="Shape 280"/>
+          <p:cNvSpPr txBox="1"/>
+          <p:nvPr>
+            <p:ph idx="12" type="sldNum"/>
+          </p:nvPr>
+        </p:nvSpPr>
+        <p:spPr>
+          <a:xfrm>
+            <a:off x="4116400" y="4807375"/>
+            <a:ext cx="911100" cy="336000"/>
+          </a:xfrm>
+          <a:prstGeom prst="rect">
+            <a:avLst/>
+          </a:prstGeom>
+        </p:spPr>
+        <p:txBody>
+          <a:bodyPr anchorCtr="0" anchor="ctr" bIns="91425" lIns="91425" spcFirstLastPara="1" rIns="91425" wrap="square" tIns="91425">
+            <a:noAutofit/>
+          </a:bodyPr>
+          <a:lstStyle/>
+          <a:p>
+            <a:pPr indent="0" lvl="0" marL="0">
+              <a:spcBef>
+                <a:spcPts val="0"/>
+              </a:spcBef>
+              <a:spcAft>
+                <a:spcPts val="0"/>
+              </a:spcAft>
+              <a:buNone/>
+            </a:pPr>
+            <a:fld id="{00000000-1234-1234-1234-123412341234}" type="slidenum">
+              <a:rPr lang="en"/>
+              <a:t>‹#›</a:t>
+            </a:fld>
+            <a:endParaRPr/>
+          </a:p>
+        </p:txBody>
+      </p:sp>
+      <p:sp>
+        <p:nvSpPr>
+          <p:cNvPr id="281" name="Shape 281"/>
+          <p:cNvSpPr/>
+          <p:nvPr/>
+        </p:nvSpPr>
+        <p:spPr>
+          <a:xfrm>
+            <a:off x="3625688" y="923350"/>
+            <a:ext cx="1823100" cy="556500"/>
+          </a:xfrm>
+          <a:prstGeom prst="roundRect">
+            <a:avLst>
+              <a:gd fmla="val 16667" name="adj"/>
+            </a:avLst>
+          </a:prstGeom>
+          <a:solidFill>
+            <a:schemeClr val="lt2"/>
+          </a:solidFill>
+          <a:ln cap="flat" cmpd="sng" w="9525">
+            <a:solidFill>
+              <a:schemeClr val="dk2"/>
+            </a:solidFill>
+            <a:prstDash val="solid"/>
+            <a:round/>
+            <a:headEnd len="sm" w="sm" type="none"/>
+            <a:tailEnd len="sm" w="sm" type="none"/>
+          </a:ln>
+        </p:spPr>
+        <p:txBody>
+          <a:bodyPr anchorCtr="0" anchor="ctr" bIns="91425" lIns="91425" spcFirstLastPara="1" rIns="91425" wrap="square" tIns="91425">
+            <a:noAutofit/>
+          </a:bodyPr>
+          <a:lstStyle/>
+          <a:p>
+            <a:pPr indent="0" lvl="0" marL="0" algn="ctr">
+              <a:spcBef>
+                <a:spcPts val="0"/>
+              </a:spcBef>
+              <a:spcAft>
+                <a:spcPts val="0"/>
+              </a:spcAft>
+              <a:buNone/>
+            </a:pPr>
+            <a:r>
+              <a:rPr lang="en"/>
+              <a:t>Accueil</a:t>
+            </a:r>
+            <a:endParaRPr/>
+          </a:p>
+        </p:txBody>
+      </p:sp>
+      <p:sp>
+        <p:nvSpPr>
+          <p:cNvPr id="282" name="Shape 282"/>
+          <p:cNvSpPr/>
+          <p:nvPr/>
+        </p:nvSpPr>
+        <p:spPr>
+          <a:xfrm>
+            <a:off x="343563" y="1479850"/>
+            <a:ext cx="1823100" cy="556500"/>
+          </a:xfrm>
+          <a:prstGeom prst="roundRect">
+            <a:avLst>
+              <a:gd fmla="val 16667" name="adj"/>
+            </a:avLst>
+          </a:prstGeom>
+          <a:solidFill>
+            <a:schemeClr val="lt2"/>
+          </a:solidFill>
+          <a:ln cap="flat" cmpd="sng" w="9525">
+            <a:solidFill>
+              <a:schemeClr val="dk2"/>
+            </a:solidFill>
+            <a:prstDash val="solid"/>
+            <a:round/>
+            <a:headEnd len="sm" w="sm" type="none"/>
+            <a:tailEnd len="sm" w="sm" type="none"/>
+          </a:ln>
+        </p:spPr>
+        <p:txBody>
+          <a:bodyPr anchorCtr="0" anchor="ctr" bIns="91425" lIns="91425" spcFirstLastPara="1" rIns="91425" wrap="square" tIns="91425">
+            <a:noAutofit/>
+          </a:bodyPr>
+          <a:lstStyle/>
+          <a:p>
+            <a:pPr indent="0" lvl="0" marL="0" rtl="0" algn="ctr">
+              <a:spcBef>
+                <a:spcPts val="0"/>
+              </a:spcBef>
+              <a:spcAft>
+                <a:spcPts val="0"/>
+              </a:spcAft>
+              <a:buNone/>
+            </a:pPr>
+            <a:r>
+              <a:rPr lang="en">
+                <a:solidFill>
+                  <a:schemeClr val="dk1"/>
+                </a:solidFill>
+              </a:rPr>
+              <a:t>View </a:t>
+            </a:r>
+            <a:r>
+              <a:rPr lang="en"/>
+              <a:t>All Post</a:t>
+            </a:r>
+            <a:endParaRPr/>
+          </a:p>
+        </p:txBody>
+      </p:sp>
+      <p:sp>
+        <p:nvSpPr>
+          <p:cNvPr id="283" name="Shape 283"/>
+          <p:cNvSpPr/>
+          <p:nvPr/>
+        </p:nvSpPr>
+        <p:spPr>
+          <a:xfrm>
+            <a:off x="1474138" y="2401688"/>
+            <a:ext cx="1823100" cy="556500"/>
+          </a:xfrm>
+          <a:prstGeom prst="roundRect">
+            <a:avLst>
+              <a:gd fmla="val 16667" name="adj"/>
+            </a:avLst>
+          </a:prstGeom>
+          <a:solidFill>
+            <a:schemeClr val="lt2"/>
+          </a:solidFill>
+          <a:ln cap="flat" cmpd="sng" w="9525">
+            <a:solidFill>
+              <a:schemeClr val="dk2"/>
+            </a:solidFill>
+            <a:prstDash val="solid"/>
+            <a:round/>
+            <a:headEnd len="sm" w="sm" type="none"/>
+            <a:tailEnd len="sm" w="sm" type="none"/>
+          </a:ln>
+        </p:spPr>
+        <p:txBody>
+          <a:bodyPr anchorCtr="0" anchor="ctr" bIns="91425" lIns="91425" spcFirstLastPara="1" rIns="91425" wrap="square" tIns="91425">
+            <a:noAutofit/>
+          </a:bodyPr>
+          <a:lstStyle/>
+          <a:p>
+            <a:pPr indent="0" lvl="0" marL="0" rtl="0" algn="ctr">
+              <a:spcBef>
+                <a:spcPts val="0"/>
+              </a:spcBef>
+              <a:spcAft>
+                <a:spcPts val="0"/>
+              </a:spcAft>
+              <a:buNone/>
+            </a:pPr>
+            <a:r>
+              <a:rPr lang="en"/>
+              <a:t>View Post</a:t>
+            </a:r>
+            <a:endParaRPr/>
+          </a:p>
+        </p:txBody>
+      </p:sp>
+      <p:sp>
+        <p:nvSpPr>
+          <p:cNvPr id="284" name="Shape 284"/>
+          <p:cNvSpPr/>
+          <p:nvPr/>
+        </p:nvSpPr>
+        <p:spPr>
+          <a:xfrm>
+            <a:off x="6977238" y="1479850"/>
+            <a:ext cx="1823100" cy="556500"/>
+          </a:xfrm>
+          <a:prstGeom prst="roundRect">
+            <a:avLst>
+              <a:gd fmla="val 16667" name="adj"/>
+            </a:avLst>
+          </a:prstGeom>
+          <a:solidFill>
+            <a:schemeClr val="lt2"/>
+          </a:solidFill>
+          <a:ln cap="flat" cmpd="sng" w="9525">
+            <a:solidFill>
+              <a:schemeClr val="dk2"/>
+            </a:solidFill>
+            <a:prstDash val="solid"/>
+            <a:round/>
+            <a:headEnd len="sm" w="sm" type="none"/>
+            <a:tailEnd len="sm" w="sm" type="none"/>
+          </a:ln>
+        </p:spPr>
+        <p:txBody>
+          <a:bodyPr anchorCtr="0" anchor="ctr" bIns="91425" lIns="91425" spcFirstLastPara="1" rIns="91425" wrap="square" tIns="91425">
+            <a:noAutofit/>
+          </a:bodyPr>
+          <a:lstStyle/>
+          <a:p>
+            <a:pPr indent="0" lvl="0" marL="0" rtl="0" algn="ctr">
+              <a:spcBef>
+                <a:spcPts val="0"/>
+              </a:spcBef>
+              <a:spcAft>
+                <a:spcPts val="0"/>
+              </a:spcAft>
+              <a:buNone/>
+            </a:pPr>
+            <a:r>
+              <a:rPr lang="en"/>
+              <a:t>Admin Co</a:t>
+            </a:r>
+            <a:endParaRPr/>
+          </a:p>
+        </p:txBody>
+      </p:sp>
+      <p:sp>
+        <p:nvSpPr>
+          <p:cNvPr id="285" name="Shape 285"/>
+          <p:cNvSpPr/>
+          <p:nvPr/>
+        </p:nvSpPr>
+        <p:spPr>
+          <a:xfrm>
+            <a:off x="5075788" y="2036350"/>
+            <a:ext cx="1823100" cy="556500"/>
+          </a:xfrm>
+          <a:prstGeom prst="roundRect">
+            <a:avLst>
+              <a:gd fmla="val 16667" name="adj"/>
+            </a:avLst>
+          </a:prstGeom>
+          <a:solidFill>
+            <a:schemeClr val="lt2"/>
+          </a:solidFill>
+          <a:ln cap="flat" cmpd="sng" w="9525">
+            <a:solidFill>
+              <a:schemeClr val="dk2"/>
+            </a:solidFill>
+            <a:prstDash val="solid"/>
+            <a:round/>
+            <a:headEnd len="sm" w="sm" type="none"/>
+            <a:tailEnd len="sm" w="sm" type="none"/>
+          </a:ln>
+        </p:spPr>
+        <p:txBody>
+          <a:bodyPr anchorCtr="0" anchor="ctr" bIns="91425" lIns="91425" spcFirstLastPara="1" rIns="91425" wrap="square" tIns="91425">
+            <a:noAutofit/>
+          </a:bodyPr>
+          <a:lstStyle/>
+          <a:p>
+            <a:pPr indent="0" lvl="0" marL="0" rtl="0" algn="ctr">
+              <a:spcBef>
+                <a:spcPts val="0"/>
+              </a:spcBef>
+              <a:spcAft>
+                <a:spcPts val="0"/>
+              </a:spcAft>
+              <a:buNone/>
+            </a:pPr>
+            <a:r>
+              <a:rPr lang="en"/>
+              <a:t>Admin Page</a:t>
+            </a:r>
+            <a:endParaRPr/>
+          </a:p>
+        </p:txBody>
+      </p:sp>
+      <p:sp>
+        <p:nvSpPr>
+          <p:cNvPr id="286" name="Shape 286"/>
+          <p:cNvSpPr/>
+          <p:nvPr/>
+        </p:nvSpPr>
+        <p:spPr>
+          <a:xfrm>
+            <a:off x="343563" y="3323525"/>
+            <a:ext cx="1823100" cy="556500"/>
+          </a:xfrm>
+          <a:prstGeom prst="roundRect">
+            <a:avLst>
+              <a:gd fmla="val 16667" name="adj"/>
+            </a:avLst>
+          </a:prstGeom>
+          <a:solidFill>
+            <a:schemeClr val="lt2"/>
+          </a:solidFill>
+          <a:ln cap="flat" cmpd="sng" w="9525">
+            <a:solidFill>
+              <a:schemeClr val="dk2"/>
+            </a:solidFill>
+            <a:prstDash val="solid"/>
+            <a:round/>
+            <a:headEnd len="sm" w="sm" type="none"/>
+            <a:tailEnd len="sm" w="sm" type="none"/>
+          </a:ln>
+        </p:spPr>
+        <p:txBody>
+          <a:bodyPr anchorCtr="0" anchor="ctr" bIns="91425" lIns="91425" spcFirstLastPara="1" rIns="91425" wrap="square" tIns="91425">
+            <a:noAutofit/>
+          </a:bodyPr>
+          <a:lstStyle/>
+          <a:p>
+            <a:pPr indent="0" lvl="0" marL="0" rtl="0" algn="ctr">
+              <a:spcBef>
+                <a:spcPts val="0"/>
+              </a:spcBef>
+              <a:spcAft>
+                <a:spcPts val="0"/>
+              </a:spcAft>
+              <a:buNone/>
+            </a:pPr>
+            <a:r>
+              <a:rPr lang="en"/>
+              <a:t>Comments</a:t>
+            </a:r>
+            <a:r>
+              <a:rPr lang="en"/>
+              <a:t> Post </a:t>
+            </a:r>
+            <a:endParaRPr/>
+          </a:p>
+        </p:txBody>
+      </p:sp>
+      <p:sp>
+        <p:nvSpPr>
+          <p:cNvPr id="287" name="Shape 287"/>
+          <p:cNvSpPr/>
+          <p:nvPr/>
+        </p:nvSpPr>
+        <p:spPr>
+          <a:xfrm>
+            <a:off x="6869188" y="3015600"/>
+            <a:ext cx="1823100" cy="556500"/>
+          </a:xfrm>
+          <a:prstGeom prst="roundRect">
+            <a:avLst>
+              <a:gd fmla="val 16667" name="adj"/>
+            </a:avLst>
+          </a:prstGeom>
+          <a:solidFill>
+            <a:schemeClr val="lt2"/>
+          </a:solidFill>
+          <a:ln cap="flat" cmpd="sng" w="9525">
+            <a:solidFill>
+              <a:schemeClr val="dk2"/>
+            </a:solidFill>
+            <a:prstDash val="solid"/>
+            <a:round/>
+            <a:headEnd len="sm" w="sm" type="none"/>
+            <a:tailEnd len="sm" w="sm" type="none"/>
+          </a:ln>
+        </p:spPr>
+        <p:txBody>
+          <a:bodyPr anchorCtr="0" anchor="ctr" bIns="91425" lIns="91425" spcFirstLastPara="1" rIns="91425" wrap="square" tIns="91425">
+            <a:noAutofit/>
+          </a:bodyPr>
+          <a:lstStyle/>
+          <a:p>
+            <a:pPr indent="0" lvl="0" marL="0" rtl="0" algn="ctr">
+              <a:spcBef>
+                <a:spcPts val="0"/>
+              </a:spcBef>
+              <a:spcAft>
+                <a:spcPts val="0"/>
+              </a:spcAft>
+              <a:buNone/>
+            </a:pPr>
+            <a:r>
+              <a:rPr lang="en"/>
+              <a:t>View All comments</a:t>
+            </a:r>
+            <a:endParaRPr/>
+          </a:p>
+        </p:txBody>
+      </p:sp>
+      <p:sp>
+        <p:nvSpPr>
+          <p:cNvPr id="288" name="Shape 288"/>
+          <p:cNvSpPr/>
+          <p:nvPr/>
+        </p:nvSpPr>
+        <p:spPr>
+          <a:xfrm>
+            <a:off x="6869188" y="4102550"/>
+            <a:ext cx="1823100" cy="556500"/>
+          </a:xfrm>
+          <a:prstGeom prst="roundRect">
+            <a:avLst>
+              <a:gd fmla="val 16667" name="adj"/>
+            </a:avLst>
+          </a:prstGeom>
+          <a:solidFill>
+            <a:schemeClr val="lt2"/>
+          </a:solidFill>
+          <a:ln cap="flat" cmpd="sng" w="9525">
+            <a:solidFill>
+              <a:schemeClr val="dk2"/>
+            </a:solidFill>
+            <a:prstDash val="solid"/>
+            <a:round/>
+            <a:headEnd len="sm" w="sm" type="none"/>
+            <a:tailEnd len="sm" w="sm" type="none"/>
+          </a:ln>
+        </p:spPr>
+        <p:txBody>
+          <a:bodyPr anchorCtr="0" anchor="ctr" bIns="91425" lIns="91425" spcFirstLastPara="1" rIns="91425" wrap="square" tIns="91425">
+            <a:noAutofit/>
+          </a:bodyPr>
+          <a:lstStyle/>
+          <a:p>
+            <a:pPr indent="0" lvl="0" marL="0" rtl="0" algn="ctr">
+              <a:spcBef>
+                <a:spcPts val="0"/>
+              </a:spcBef>
+              <a:spcAft>
+                <a:spcPts val="0"/>
+              </a:spcAft>
+              <a:buNone/>
+            </a:pPr>
+            <a:r>
+              <a:rPr lang="en"/>
+              <a:t>Supprimer Comment</a:t>
+            </a:r>
+            <a:endParaRPr/>
+          </a:p>
+        </p:txBody>
+      </p:sp>
+      <p:sp>
+        <p:nvSpPr>
+          <p:cNvPr id="289" name="Shape 289"/>
+          <p:cNvSpPr/>
+          <p:nvPr/>
+        </p:nvSpPr>
+        <p:spPr>
+          <a:xfrm>
+            <a:off x="2356013" y="3323525"/>
+            <a:ext cx="1823100" cy="556500"/>
+          </a:xfrm>
+          <a:prstGeom prst="roundRect">
+            <a:avLst>
+              <a:gd fmla="val 16667" name="adj"/>
+            </a:avLst>
+          </a:prstGeom>
+          <a:solidFill>
+            <a:schemeClr val="lt2"/>
+          </a:solidFill>
+          <a:ln cap="flat" cmpd="sng" w="9525">
+            <a:solidFill>
+              <a:schemeClr val="dk2"/>
+            </a:solidFill>
+            <a:prstDash val="solid"/>
+            <a:round/>
+            <a:headEnd len="sm" w="sm" type="none"/>
+            <a:tailEnd len="sm" w="sm" type="none"/>
+          </a:ln>
+        </p:spPr>
+        <p:txBody>
+          <a:bodyPr anchorCtr="0" anchor="ctr" bIns="91425" lIns="91425" spcFirstLastPara="1" rIns="91425" wrap="square" tIns="91425">
+            <a:noAutofit/>
+          </a:bodyPr>
+          <a:lstStyle/>
+          <a:p>
+            <a:pPr indent="0" lvl="0" marL="0" rtl="0" algn="ctr">
+              <a:spcBef>
+                <a:spcPts val="0"/>
+              </a:spcBef>
+              <a:spcAft>
+                <a:spcPts val="0"/>
+              </a:spcAft>
+              <a:buNone/>
+            </a:pPr>
+            <a:r>
+              <a:rPr lang="en"/>
+              <a:t>Add </a:t>
+            </a:r>
+            <a:r>
+              <a:rPr lang="en"/>
+              <a:t>Comment</a:t>
+            </a:r>
+            <a:endParaRPr/>
+          </a:p>
+        </p:txBody>
+      </p:sp>
+      <p:sp>
+        <p:nvSpPr>
+          <p:cNvPr id="290" name="Shape 290"/>
+          <p:cNvSpPr/>
+          <p:nvPr/>
+        </p:nvSpPr>
+        <p:spPr>
+          <a:xfrm>
+            <a:off x="4677738" y="3015600"/>
+            <a:ext cx="1823100" cy="556500"/>
+          </a:xfrm>
+          <a:prstGeom prst="roundRect">
+            <a:avLst>
+              <a:gd fmla="val 16667" name="adj"/>
+            </a:avLst>
+          </a:prstGeom>
+          <a:solidFill>
+            <a:schemeClr val="lt2"/>
+          </a:solidFill>
+          <a:ln cap="flat" cmpd="sng" w="9525">
+            <a:solidFill>
+              <a:schemeClr val="dk2"/>
+            </a:solidFill>
+            <a:prstDash val="solid"/>
+            <a:round/>
+            <a:headEnd len="sm" w="sm" type="none"/>
+            <a:tailEnd len="sm" w="sm" type="none"/>
+          </a:ln>
+        </p:spPr>
+        <p:txBody>
+          <a:bodyPr anchorCtr="0" anchor="ctr" bIns="91425" lIns="91425" spcFirstLastPara="1" rIns="91425" wrap="square" tIns="91425">
+            <a:noAutofit/>
+          </a:bodyPr>
+          <a:lstStyle/>
+          <a:p>
+            <a:pPr indent="0" lvl="0" marL="0" rtl="0" algn="ctr">
+              <a:spcBef>
+                <a:spcPts val="0"/>
+              </a:spcBef>
+              <a:spcAft>
+                <a:spcPts val="0"/>
+              </a:spcAft>
+              <a:buNone/>
+            </a:pPr>
+            <a:r>
+              <a:rPr lang="en"/>
+              <a:t>Add Post</a:t>
+            </a:r>
+            <a:endParaRPr/>
+          </a:p>
+        </p:txBody>
+      </p:sp>
+      <p:cxnSp>
+        <p:nvCxnSpPr>
+          <p:cNvPr id="291" name="Shape 291"/>
+          <p:cNvCxnSpPr>
+            <a:endCxn id="282" idx="0"/>
+          </p:cNvCxnSpPr>
+          <p:nvPr/>
+        </p:nvCxnSpPr>
+        <p:spPr>
+          <a:xfrm flipH="1">
+            <a:off x="1255113" y="1225150"/>
+            <a:ext cx="2379900" cy="254700"/>
+          </a:xfrm>
+          <a:prstGeom prst="bentConnector2">
+            <a:avLst/>
+          </a:prstGeom>
+          <a:noFill/>
+          <a:ln cap="flat" cmpd="sng" w="9525">
+            <a:solidFill>
+              <a:schemeClr val="dk2"/>
+            </a:solidFill>
+            <a:prstDash val="solid"/>
+            <a:round/>
+            <a:headEnd len="med" w="med" type="none"/>
+            <a:tailEnd len="med" w="med" type="none"/>
+          </a:ln>
+        </p:spPr>
+      </p:cxnSp>
+      <p:cxnSp>
+        <p:nvCxnSpPr>
+          <p:cNvPr id="292" name="Shape 292"/>
+          <p:cNvCxnSpPr>
+            <a:endCxn id="284" idx="0"/>
+          </p:cNvCxnSpPr>
+          <p:nvPr/>
+        </p:nvCxnSpPr>
+        <p:spPr>
+          <a:xfrm>
+            <a:off x="5448888" y="1201750"/>
+            <a:ext cx="2439900" cy="278100"/>
+          </a:xfrm>
+          <a:prstGeom prst="bentConnector2">
+            <a:avLst/>
+          </a:prstGeom>
+          <a:noFill/>
+          <a:ln cap="flat" cmpd="sng" w="9525">
+            <a:solidFill>
+              <a:schemeClr val="dk2"/>
+            </a:solidFill>
+            <a:prstDash val="solid"/>
+            <a:round/>
+            <a:headEnd len="med" w="med" type="none"/>
+            <a:tailEnd len="med" w="med" type="none"/>
+          </a:ln>
+        </p:spPr>
+      </p:cxnSp>
+      <p:cxnSp>
+        <p:nvCxnSpPr>
+          <p:cNvPr id="293" name="Shape 293"/>
+          <p:cNvCxnSpPr>
+            <a:stCxn id="281" idx="2"/>
+            <a:endCxn id="283" idx="0"/>
+          </p:cNvCxnSpPr>
+          <p:nvPr/>
+        </p:nvCxnSpPr>
+        <p:spPr>
+          <a:xfrm rot="5400000">
+            <a:off x="3000488" y="865000"/>
+            <a:ext cx="921900" cy="2151600"/>
+          </a:xfrm>
+          <a:prstGeom prst="bentConnector3">
+            <a:avLst>
+              <a:gd fmla="val 49997" name="adj1"/>
+            </a:avLst>
+          </a:prstGeom>
+          <a:noFill/>
+          <a:ln cap="flat" cmpd="sng" w="9525">
+            <a:solidFill>
+              <a:schemeClr val="dk2"/>
+            </a:solidFill>
+            <a:prstDash val="solid"/>
+            <a:round/>
+            <a:headEnd len="med" w="med" type="none"/>
+            <a:tailEnd len="med" w="med" type="none"/>
+          </a:ln>
+        </p:spPr>
+      </p:cxnSp>
+      <p:cxnSp>
+        <p:nvCxnSpPr>
+          <p:cNvPr id="294" name="Shape 294"/>
+          <p:cNvCxnSpPr>
+            <a:stCxn id="281" idx="2"/>
+            <a:endCxn id="285" idx="0"/>
+          </p:cNvCxnSpPr>
+          <p:nvPr/>
+        </p:nvCxnSpPr>
+        <p:spPr>
+          <a:xfrm flipH="1" rot="-5400000">
+            <a:off x="4984088" y="1033000"/>
+            <a:ext cx="556500" cy="1450200"/>
+          </a:xfrm>
+          <a:prstGeom prst="bentConnector3">
+            <a:avLst>
+              <a:gd fmla="val 50000" name="adj1"/>
+            </a:avLst>
+          </a:prstGeom>
+          <a:noFill/>
+          <a:ln cap="flat" cmpd="sng" w="9525">
+            <a:solidFill>
+              <a:schemeClr val="dk2"/>
+            </a:solidFill>
+            <a:prstDash val="solid"/>
+            <a:round/>
+            <a:headEnd len="med" w="med" type="none"/>
+            <a:tailEnd len="med" w="med" type="none"/>
+          </a:ln>
+        </p:spPr>
+      </p:cxnSp>
+      <p:cxnSp>
+        <p:nvCxnSpPr>
+          <p:cNvPr id="295" name="Shape 295"/>
+          <p:cNvCxnSpPr>
+            <a:stCxn id="284" idx="2"/>
+            <a:endCxn id="285" idx="3"/>
+          </p:cNvCxnSpPr>
+          <p:nvPr/>
+        </p:nvCxnSpPr>
+        <p:spPr>
+          <a:xfrm rot="5400000">
+            <a:off x="7254588" y="1680550"/>
+            <a:ext cx="278400" cy="990000"/>
+          </a:xfrm>
+          <a:prstGeom prst="bentConnector2">
+            <a:avLst/>
+          </a:prstGeom>
+          <a:noFill/>
+          <a:ln cap="flat" cmpd="sng" w="9525">
+            <a:solidFill>
+              <a:schemeClr val="dk2"/>
+            </a:solidFill>
+            <a:prstDash val="solid"/>
+            <a:round/>
+            <a:headEnd len="med" w="med" type="none"/>
+            <a:tailEnd len="med" w="med" type="none"/>
+          </a:ln>
+        </p:spPr>
+      </p:cxnSp>
+      <p:cxnSp>
+        <p:nvCxnSpPr>
+          <p:cNvPr id="296" name="Shape 296"/>
+          <p:cNvCxnSpPr>
+            <a:stCxn id="282" idx="2"/>
+            <a:endCxn id="283" idx="1"/>
+          </p:cNvCxnSpPr>
+          <p:nvPr/>
+        </p:nvCxnSpPr>
+        <p:spPr>
+          <a:xfrm flipH="1" rot="-5400000">
+            <a:off x="1042863" y="2248600"/>
+            <a:ext cx="643500" cy="219000"/>
+          </a:xfrm>
+          <a:prstGeom prst="bentConnector2">
+            <a:avLst/>
+          </a:prstGeom>
+          <a:noFill/>
+          <a:ln cap="flat" cmpd="sng" w="9525">
+            <a:solidFill>
+              <a:schemeClr val="dk2"/>
+            </a:solidFill>
+            <a:prstDash val="solid"/>
+            <a:round/>
+            <a:headEnd len="med" w="med" type="none"/>
+            <a:tailEnd len="med" w="med" type="none"/>
+          </a:ln>
+        </p:spPr>
+      </p:cxnSp>
+      <p:cxnSp>
+        <p:nvCxnSpPr>
+          <p:cNvPr id="297" name="Shape 297"/>
+          <p:cNvCxnSpPr>
+            <a:stCxn id="285" idx="2"/>
+            <a:endCxn id="290" idx="0"/>
+          </p:cNvCxnSpPr>
+          <p:nvPr/>
+        </p:nvCxnSpPr>
+        <p:spPr>
+          <a:xfrm rot="5400000">
+            <a:off x="5576938" y="2605150"/>
+            <a:ext cx="422700" cy="398100"/>
+          </a:xfrm>
+          <a:prstGeom prst="bentConnector3">
+            <a:avLst>
+              <a:gd fmla="val 50006" name="adj1"/>
+            </a:avLst>
+          </a:prstGeom>
+          <a:noFill/>
+          <a:ln cap="flat" cmpd="sng" w="9525">
+            <a:solidFill>
+              <a:schemeClr val="dk2"/>
+            </a:solidFill>
+            <a:prstDash val="solid"/>
+            <a:round/>
+            <a:headEnd len="med" w="med" type="none"/>
+            <a:tailEnd len="med" w="med" type="none"/>
+          </a:ln>
+        </p:spPr>
+      </p:cxnSp>
+      <p:cxnSp>
+        <p:nvCxnSpPr>
+          <p:cNvPr id="298" name="Shape 298"/>
+          <p:cNvCxnSpPr>
+            <a:stCxn id="285" idx="2"/>
+            <a:endCxn id="287" idx="0"/>
+          </p:cNvCxnSpPr>
+          <p:nvPr/>
+        </p:nvCxnSpPr>
+        <p:spPr>
+          <a:xfrm flipH="1" rot="-5400000">
+            <a:off x="6672688" y="1907500"/>
+            <a:ext cx="422700" cy="1793400"/>
+          </a:xfrm>
+          <a:prstGeom prst="bentConnector3">
+            <a:avLst>
+              <a:gd fmla="val 50006" name="adj1"/>
+            </a:avLst>
+          </a:prstGeom>
+          <a:noFill/>
+          <a:ln cap="flat" cmpd="sng" w="9525">
+            <a:solidFill>
+              <a:schemeClr val="dk2"/>
+            </a:solidFill>
+            <a:prstDash val="solid"/>
+            <a:round/>
+            <a:headEnd len="med" w="med" type="none"/>
+            <a:tailEnd len="med" w="med" type="none"/>
+          </a:ln>
+        </p:spPr>
+      </p:cxnSp>
+      <p:cxnSp>
+        <p:nvCxnSpPr>
+          <p:cNvPr id="299" name="Shape 299"/>
+          <p:cNvCxnSpPr>
+            <a:stCxn id="287" idx="2"/>
+            <a:endCxn id="288" idx="0"/>
+          </p:cNvCxnSpPr>
+          <p:nvPr/>
+        </p:nvCxnSpPr>
+        <p:spPr>
+          <a:xfrm flipH="1" rot="-5400000">
+            <a:off x="7515838" y="3837000"/>
+            <a:ext cx="530400" cy="600"/>
+          </a:xfrm>
+          <a:prstGeom prst="bentConnector3">
+            <a:avLst>
+              <a:gd fmla="val 50005" name="adj1"/>
+            </a:avLst>
+          </a:prstGeom>
+          <a:noFill/>
+          <a:ln cap="flat" cmpd="sng" w="9525">
+            <a:solidFill>
+              <a:schemeClr val="dk2"/>
+            </a:solidFill>
+            <a:prstDash val="solid"/>
+            <a:round/>
+            <a:headEnd len="med" w="med" type="none"/>
+            <a:tailEnd len="med" w="med" type="none"/>
+          </a:ln>
+        </p:spPr>
+      </p:cxnSp>
+      <p:cxnSp>
+        <p:nvCxnSpPr>
+          <p:cNvPr id="300" name="Shape 300"/>
+          <p:cNvCxnSpPr>
+            <a:stCxn id="283" idx="2"/>
+            <a:endCxn id="286" idx="0"/>
+          </p:cNvCxnSpPr>
+          <p:nvPr/>
+        </p:nvCxnSpPr>
+        <p:spPr>
+          <a:xfrm rot="5400000">
+            <a:off x="1637638" y="2575538"/>
+            <a:ext cx="365400" cy="1130700"/>
+          </a:xfrm>
+          <a:prstGeom prst="bentConnector3">
+            <a:avLst>
+              <a:gd fmla="val 49991" name="adj1"/>
+            </a:avLst>
+          </a:prstGeom>
+          <a:noFill/>
+          <a:ln cap="flat" cmpd="sng" w="9525">
+            <a:solidFill>
+              <a:schemeClr val="dk2"/>
+            </a:solidFill>
+            <a:prstDash val="solid"/>
+            <a:round/>
+            <a:headEnd len="med" w="med" type="none"/>
+            <a:tailEnd len="med" w="med" type="none"/>
+          </a:ln>
+        </p:spPr>
+      </p:cxnSp>
+      <p:cxnSp>
+        <p:nvCxnSpPr>
+          <p:cNvPr id="301" name="Shape 301"/>
+          <p:cNvCxnSpPr>
+            <a:stCxn id="283" idx="2"/>
+            <a:endCxn id="289" idx="0"/>
+          </p:cNvCxnSpPr>
+          <p:nvPr/>
+        </p:nvCxnSpPr>
+        <p:spPr>
+          <a:xfrm flipH="1" rot="-5400000">
+            <a:off x="2643988" y="2699888"/>
+            <a:ext cx="365400" cy="882000"/>
+          </a:xfrm>
+          <a:prstGeom prst="bentConnector3">
+            <a:avLst>
+              <a:gd fmla="val 49991" name="adj1"/>
+            </a:avLst>
+          </a:prstGeom>
+          <a:noFill/>
+          <a:ln cap="flat" cmpd="sng" w="9525">
+            <a:solidFill>
+              <a:schemeClr val="dk2"/>
+            </a:solidFill>
+            <a:prstDash val="solid"/>
+            <a:round/>
+            <a:headEnd len="med" w="med" type="none"/>
+            <a:tailEnd len="med" w="med" type="none"/>
+          </a:ln>
+        </p:spPr>
+      </p:cxnSp>
+      <p:sp>
+        <p:nvSpPr>
+          <p:cNvPr id="302" name="Shape 302"/>
+          <p:cNvSpPr txBox="1"/>
+          <p:nvPr/>
+        </p:nvSpPr>
+        <p:spPr>
+          <a:xfrm>
+            <a:off x="0" y="0"/>
+            <a:ext cx="3000000" cy="3000000"/>
+          </a:xfrm>
+          <a:prstGeom prst="rect">
+            <a:avLst/>
+          </a:prstGeom>
+          <a:noFill/>
+          <a:ln>
+            <a:noFill/>
+          </a:ln>
+        </p:spPr>
+        <p:txBody>
+          <a:bodyPr anchorCtr="0" anchor="ctr" bIns="91425" lIns="91425" spcFirstLastPara="1" rIns="91425" wrap="square" tIns="91425">
+            <a:noAutofit/>
+          </a:bodyPr>
+          <a:lstStyle/>
+          <a:p>
+            <a:pPr indent="-228600" lvl="0" marL="457200" rtl="0" algn="ctr">
+              <a:spcBef>
+                <a:spcPts val="0"/>
+              </a:spcBef>
+              <a:spcAft>
+                <a:spcPts val="0"/>
+              </a:spcAft>
+              <a:buClr>
+                <a:schemeClr val="lt1"/>
+              </a:buClr>
+              <a:buSzPts val="4000"/>
+              <a:buFont typeface="Miriam Libre"/>
+              <a:buNone/>
+            </a:pPr>
+            <a:r>
+              <a:t/>
+            </a:r>
+            <a:endParaRPr/>
+          </a:p>
+        </p:txBody>
+      </p:sp>
+      <p:sp>
+        <p:nvSpPr>
+          <p:cNvPr id="303" name="Shape 303"/>
+          <p:cNvSpPr txBox="1"/>
+          <p:nvPr>
+            <p:ph idx="4294967295" type="title"/>
+          </p:nvPr>
+        </p:nvSpPr>
+        <p:spPr>
+          <a:xfrm>
+            <a:off x="239250" y="107375"/>
+            <a:ext cx="8665500" cy="857400"/>
+          </a:xfrm>
+          <a:prstGeom prst="rect">
+            <a:avLst/>
+          </a:prstGeom>
+        </p:spPr>
+        <p:txBody>
+          <a:bodyPr anchorCtr="0" anchor="b" bIns="91425" lIns="91425" spcFirstLastPara="1" rIns="91425" wrap="square" tIns="91425">
+            <a:noAutofit/>
+          </a:bodyPr>
+          <a:lstStyle/>
+          <a:p>
+            <a:pPr indent="-228600" lvl="0" marL="457200" rtl="0" algn="ctr">
+              <a:spcBef>
+                <a:spcPts val="0"/>
+              </a:spcBef>
+              <a:spcAft>
+                <a:spcPts val="0"/>
+              </a:spcAft>
+              <a:buClr>
+                <a:schemeClr val="lt1"/>
+              </a:buClr>
+              <a:buSzPts val="4000"/>
+              <a:buNone/>
+            </a:pPr>
+            <a:r>
+              <a:rPr lang="en">
+                <a:solidFill>
+                  <a:srgbClr val="FFFFFF"/>
+                </a:solidFill>
+              </a:rPr>
+              <a:t>Arborescence du site</a:t>
+            </a:r>
+            <a:endParaRPr>
+              <a:solidFill>
+                <a:srgbClr val="FFFFFF"/>
+              </a:solidFill>
+            </a:endParaRPr>
+          </a:p>
+        </p:txBody>
+      </p:sp>
+    </p:spTree>
+  </p:cSld>
+  <p:clrMapOvr>
+    <a:masterClrMapping/>
+  </p:clrMapOvr>
+</p:sld>
+</file>
+
+<file path=ppt/slides/slide8.xml><?xml version="1.0" encoding="utf-8"?>
+<p:sld xmlns:a="http://schemas.openxmlformats.org/drawingml/2006/main" xmlns:r="http://schemas.openxmlformats.org/officeDocument/2006/relationships" xmlns:mc="http://schemas.openxmlformats.org/markup-compatibility/2006" xmlns:mv="urn:schemas-microsoft-com:mac:vml" xmlns:p="http://schemas.openxmlformats.org/presentationml/2006/main" xmlns:c="http://schemas.openxmlformats.org/drawingml/2006/chart" xmlns:dgm="http://schemas.openxmlformats.org/drawingml/2006/diagram" xmlns:o="urn:schemas-microsoft-com:office:office" xmlns:v="urn:schemas-microsoft-com:vml" xmlns:pvml="urn:schemas-microsoft-com:office:powerpoint" xmlns:com="http://schemas.openxmlformats.org/drawingml/2006/compatibility" xmlns:p14="http://schemas.microsoft.com/office/powerpoint/2010/main" xmlns:p15="http://schemas.microsoft.com/office/powerpoint/2012/main">
+  <p:cSld>
+    <p:spTree>
+      <p:nvGrpSpPr>
+        <p:cNvPr id="307" name="Shape 307"/>
+        <p:cNvGrpSpPr/>
+        <p:nvPr/>
+      </p:nvGrpSpPr>
+      <p:grpSpPr>
+        <a:xfrm>
+          <a:off x="0" y="0"/>
+          <a:ext cx="0" cy="0"/>
+          <a:chOff x="0" y="0"/>
+          <a:chExt cx="0" cy="0"/>
+        </a:xfrm>
+      </p:grpSpPr>
+      <p:sp>
+        <p:nvSpPr>
+          <p:cNvPr id="308" name="Shape 308"/>
+          <p:cNvSpPr txBox="1"/>
+          <p:nvPr>
+            <p:ph type="ctrTitle"/>
+          </p:nvPr>
+        </p:nvSpPr>
+        <p:spPr>
+          <a:xfrm>
+            <a:off x="0" y="1888150"/>
+            <a:ext cx="9144000" cy="1159800"/>
+          </a:xfrm>
+          <a:prstGeom prst="rect">
+            <a:avLst/>
+          </a:prstGeom>
+        </p:spPr>
+        <p:txBody>
+          <a:bodyPr anchorCtr="0" anchor="b" bIns="91425" lIns="91425" spcFirstLastPara="1" rIns="91425" wrap="square" tIns="91425">
+            <a:noAutofit/>
+          </a:bodyPr>
+          <a:lstStyle/>
+          <a:p>
+            <a:pPr indent="0" lvl="0" marL="0" rtl="0">
+              <a:spcBef>
+                <a:spcPts val="0"/>
+              </a:spcBef>
+              <a:spcAft>
+                <a:spcPts val="0"/>
+              </a:spcAft>
+              <a:buNone/>
+            </a:pPr>
+            <a:r>
+              <a:t/>
+            </a:r>
+            <a:endParaRPr/>
+          </a:p>
+          <a:p>
+            <a:pPr indent="0" lvl="0" marL="0" rtl="0">
+              <a:spcBef>
+                <a:spcPts val="600"/>
+              </a:spcBef>
+              <a:spcAft>
+                <a:spcPts val="0"/>
+              </a:spcAft>
+              <a:buNone/>
+            </a:pPr>
+            <a:r>
+              <a:rPr lang="en"/>
+              <a:t>Architecture MVC</a:t>
+            </a:r>
+            <a:endParaRPr/>
+          </a:p>
+        </p:txBody>
+      </p:sp>
+    </p:spTree>
+  </p:cSld>
+  <p:clrMapOvr>
+    <a:masterClrMapping/>
+  </p:clrMapOvr>
+</p:sld>
+</file>
+
+<file path=ppt/slides/slide9.xml><?xml version="1.0" encoding="utf-8"?>
+<p:sld xmlns:a="http://schemas.openxmlformats.org/drawingml/2006/main" xmlns:r="http://schemas.openxmlformats.org/officeDocument/2006/relationships" xmlns:mc="http://schemas.openxmlformats.org/markup-compatibility/2006" xmlns:mv="urn:schemas-microsoft-com:mac:vml" xmlns:p="http://schemas.openxmlformats.org/presentationml/2006/main" xmlns:c="http://schemas.openxmlformats.org/drawingml/2006/chart" xmlns:dgm="http://schemas.openxmlformats.org/drawingml/2006/diagram" xmlns:o="urn:schemas-microsoft-com:office:office" xmlns:v="urn:schemas-microsoft-com:vml" xmlns:pvml="urn:schemas-microsoft-com:office:powerpoint" xmlns:com="http://schemas.openxmlformats.org/drawingml/2006/compatibility" xmlns:p14="http://schemas.microsoft.com/office/powerpoint/2010/main" xmlns:p15="http://schemas.microsoft.com/office/powerpoint/2012/main">
+  <p:cSld>
+    <p:spTree>
+      <p:nvGrpSpPr>
+        <p:cNvPr id="312" name="Shape 312"/>
+        <p:cNvGrpSpPr/>
+        <p:nvPr/>
+      </p:nvGrpSpPr>
+      <p:grpSpPr>
+        <a:xfrm>
+          <a:off x="0" y="0"/>
+          <a:ext cx="0" cy="0"/>
+          <a:chOff x="0" y="0"/>
+          <a:chExt cx="0" cy="0"/>
+        </a:xfrm>
+      </p:grpSpPr>
+      <p:sp>
+        <p:nvSpPr>
+          <p:cNvPr id="313" name="Shape 313"/>
+          <p:cNvSpPr txBox="1"/>
+          <p:nvPr>
+            <p:ph idx="12" type="sldNum"/>
+          </p:nvPr>
+        </p:nvSpPr>
+        <p:spPr>
+          <a:xfrm>
+            <a:off x="8808000" y="2208279"/>
+            <a:ext cx="336000" cy="727200"/>
+          </a:xfrm>
+          <a:prstGeom prst="rect">
+            <a:avLst/>
+          </a:prstGeom>
+        </p:spPr>
+        <p:txBody>
+          <a:bodyPr anchorCtr="0" anchor="ctr" bIns="91425" lIns="91425" spcFirstLastPara="1" rIns="91425" wrap="square" tIns="91425">
+            <a:noAutofit/>
+          </a:bodyPr>
+          <a:lstStyle/>
+          <a:p>
+            <a:pPr indent="0" lvl="0" marL="0">
+              <a:spcBef>
+                <a:spcPts val="0"/>
+              </a:spcBef>
+              <a:spcAft>
+                <a:spcPts val="0"/>
+              </a:spcAft>
+              <a:buNone/>
+            </a:pPr>
+            <a:fld id="{00000000-1234-1234-1234-123412341234}" type="slidenum">
+              <a:rPr lang="en"/>
+              <a:t>‹#›</a:t>
+            </a:fld>
+            <a:endParaRPr/>
+          </a:p>
+        </p:txBody>
+      </p:sp>
+      <p:sp>
+        <p:nvSpPr>
+          <p:cNvPr id="314" name="Shape 314"/>
+          <p:cNvSpPr txBox="1"/>
+          <p:nvPr>
+            <p:ph type="title"/>
+          </p:nvPr>
+        </p:nvSpPr>
+        <p:spPr>
+          <a:xfrm>
+            <a:off x="486800" y="77950"/>
+            <a:ext cx="5138700" cy="857400"/>
+          </a:xfrm>
+          <a:prstGeom prst="rect">
+            <a:avLst/>
+          </a:prstGeom>
+        </p:spPr>
+        <p:txBody>
+          <a:bodyPr anchorCtr="0" anchor="b" bIns="91425" lIns="91425" spcFirstLastPara="1" rIns="91425" wrap="square" tIns="91425">
+            <a:noAutofit/>
+          </a:bodyPr>
+          <a:lstStyle/>
+          <a:p>
+            <a:pPr indent="0" lvl="0" marL="0" algn="ctr">
+              <a:spcBef>
+                <a:spcPts val="0"/>
+              </a:spcBef>
+              <a:spcAft>
+                <a:spcPts val="0"/>
+              </a:spcAft>
+              <a:buNone/>
+            </a:pPr>
+            <a:r>
+              <a:rPr lang="en"/>
+              <a:t>Architecture MVC</a:t>
+            </a:r>
+            <a:endParaRPr/>
+          </a:p>
+        </p:txBody>
+      </p:sp>
+      <p:pic>
+        <p:nvPicPr>
+          <p:cNvPr id="315" name="Shape 315"/>
+          <p:cNvPicPr preferRelativeResize="0"/>
+          <p:nvPr/>
+        </p:nvPicPr>
+        <p:blipFill>
+          <a:blip r:embed="rId3">
+            <a:alphaModFix/>
+          </a:blip>
+          <a:stretch>
+            <a:fillRect/>
+          </a:stretch>
+        </p:blipFill>
+        <p:spPr>
+          <a:xfrm>
+            <a:off x="4824925" y="1758100"/>
+            <a:ext cx="1141275" cy="1851100"/>
+          </a:xfrm>
+          <a:prstGeom prst="rect">
+            <a:avLst/>
+          </a:prstGeom>
+          <a:noFill/>
+          <a:ln>
+            <a:noFill/>
+          </a:ln>
+        </p:spPr>
+      </p:pic>
+      <p:sp>
+        <p:nvSpPr>
+          <p:cNvPr id="316" name="Shape 316"/>
+          <p:cNvSpPr txBox="1"/>
+          <p:nvPr/>
+        </p:nvSpPr>
+        <p:spPr>
+          <a:xfrm>
+            <a:off x="130225" y="1124575"/>
+            <a:ext cx="2018400" cy="595500"/>
+          </a:xfrm>
+          <a:prstGeom prst="rect">
+            <a:avLst/>
+          </a:prstGeom>
+          <a:noFill/>
+          <a:ln>
+            <a:noFill/>
+          </a:ln>
+        </p:spPr>
+        <p:txBody>
+          <a:bodyPr anchorCtr="0" anchor="ctr" bIns="91425" lIns="91425" spcFirstLastPara="1" rIns="91425" wrap="square" tIns="91425">
+            <a:noAutofit/>
+          </a:bodyPr>
+          <a:lstStyle/>
+          <a:p>
+            <a:pPr indent="0" lvl="0" marL="0" rtl="0" algn="ctr">
+              <a:spcBef>
+                <a:spcPts val="0"/>
+              </a:spcBef>
+              <a:spcAft>
+                <a:spcPts val="0"/>
+              </a:spcAft>
+              <a:buNone/>
+            </a:pPr>
+            <a:r>
+              <a:rPr lang="en" sz="1800">
+                <a:solidFill>
+                  <a:srgbClr val="4F4A9E"/>
+                </a:solidFill>
+                <a:latin typeface="Miriam Libre"/>
+                <a:ea typeface="Miriam Libre"/>
+                <a:cs typeface="Miriam Libre"/>
+                <a:sym typeface="Miriam Libre"/>
+              </a:rPr>
+              <a:t>View</a:t>
+            </a:r>
+            <a:endParaRPr sz="1800">
+              <a:solidFill>
+                <a:srgbClr val="4F4A9E"/>
+              </a:solidFill>
+            </a:endParaRPr>
+          </a:p>
+        </p:txBody>
+      </p:sp>
+      <p:sp>
+        <p:nvSpPr>
+          <p:cNvPr id="317" name="Shape 317"/>
+          <p:cNvSpPr txBox="1"/>
+          <p:nvPr/>
+        </p:nvSpPr>
+        <p:spPr>
+          <a:xfrm>
+            <a:off x="393625" y="1527075"/>
+            <a:ext cx="1491600" cy="451800"/>
+          </a:xfrm>
+          <a:prstGeom prst="rect">
+            <a:avLst/>
+          </a:prstGeom>
+          <a:noFill/>
+          <a:ln>
+            <a:noFill/>
+          </a:ln>
+        </p:spPr>
+        <p:txBody>
+          <a:bodyPr anchorCtr="0" anchor="ctr" bIns="91425" lIns="91425" spcFirstLastPara="1" rIns="91425" wrap="square" tIns="91425">
+            <a:noAutofit/>
+          </a:bodyPr>
+          <a:lstStyle/>
+          <a:p>
+            <a:pPr indent="0" lvl="0" marL="0" rtl="0" algn="ctr">
+              <a:spcBef>
+                <a:spcPts val="0"/>
+              </a:spcBef>
+              <a:spcAft>
+                <a:spcPts val="0"/>
+              </a:spcAft>
+              <a:buNone/>
+            </a:pPr>
+            <a:r>
+              <a:rPr lang="en" sz="1200">
+                <a:latin typeface="Miriam Libre"/>
+                <a:ea typeface="Miriam Libre"/>
+                <a:cs typeface="Miriam Libre"/>
+                <a:sym typeface="Miriam Libre"/>
+              </a:rPr>
+              <a:t>Html / Css / Js </a:t>
+            </a:r>
+            <a:endParaRPr sz="1200">
+              <a:latin typeface="Miriam Libre"/>
+              <a:ea typeface="Miriam Libre"/>
+              <a:cs typeface="Miriam Libre"/>
+              <a:sym typeface="Miriam Libre"/>
+            </a:endParaRPr>
+          </a:p>
+          <a:p>
+            <a:pPr indent="0" lvl="0" marL="0" rtl="0" algn="ctr">
+              <a:spcBef>
+                <a:spcPts val="0"/>
+              </a:spcBef>
+              <a:spcAft>
+                <a:spcPts val="0"/>
+              </a:spcAft>
+              <a:buNone/>
+            </a:pPr>
+            <a:r>
+              <a:rPr lang="en" sz="1200">
+                <a:latin typeface="Miriam Libre"/>
+                <a:ea typeface="Miriam Libre"/>
+                <a:cs typeface="Miriam Libre"/>
+                <a:sym typeface="Miriam Libre"/>
+              </a:rPr>
+              <a:t>Visuel</a:t>
+            </a:r>
+            <a:endParaRPr sz="1200">
+              <a:latin typeface="Miriam Libre"/>
+              <a:ea typeface="Miriam Libre"/>
+              <a:cs typeface="Miriam Libre"/>
+              <a:sym typeface="Miriam Libre"/>
+            </a:endParaRPr>
+          </a:p>
+        </p:txBody>
+      </p:sp>
+      <p:sp>
+        <p:nvSpPr>
+          <p:cNvPr id="318" name="Shape 318"/>
+          <p:cNvSpPr txBox="1"/>
+          <p:nvPr/>
+        </p:nvSpPr>
+        <p:spPr>
+          <a:xfrm>
+            <a:off x="130225" y="2135225"/>
+            <a:ext cx="2018400" cy="595500"/>
+          </a:xfrm>
+          <a:prstGeom prst="rect">
+            <a:avLst/>
+          </a:prstGeom>
+          <a:noFill/>
+          <a:ln>
+            <a:noFill/>
+          </a:ln>
+        </p:spPr>
+        <p:txBody>
+          <a:bodyPr anchorCtr="0" anchor="ctr" bIns="91425" lIns="91425" spcFirstLastPara="1" rIns="91425" wrap="square" tIns="91425">
+            <a:noAutofit/>
+          </a:bodyPr>
+          <a:lstStyle/>
+          <a:p>
+            <a:pPr indent="0" lvl="0" marL="0" rtl="0" algn="ctr">
+              <a:spcBef>
+                <a:spcPts val="0"/>
+              </a:spcBef>
+              <a:spcAft>
+                <a:spcPts val="0"/>
+              </a:spcAft>
+              <a:buNone/>
+            </a:pPr>
+            <a:r>
+              <a:rPr lang="en" sz="1800">
+                <a:solidFill>
+                  <a:srgbClr val="4F4A9E"/>
+                </a:solidFill>
+                <a:latin typeface="Miriam Libre"/>
+                <a:ea typeface="Miriam Libre"/>
+                <a:cs typeface="Miriam Libre"/>
+                <a:sym typeface="Miriam Libre"/>
+              </a:rPr>
+              <a:t>Model</a:t>
+            </a:r>
+            <a:endParaRPr sz="1800">
+              <a:solidFill>
+                <a:srgbClr val="4F4A9E"/>
+              </a:solidFill>
+            </a:endParaRPr>
+          </a:p>
+        </p:txBody>
+      </p:sp>
+      <p:sp>
+        <p:nvSpPr>
+          <p:cNvPr id="319" name="Shape 319"/>
+          <p:cNvSpPr txBox="1"/>
+          <p:nvPr/>
+        </p:nvSpPr>
+        <p:spPr>
+          <a:xfrm>
+            <a:off x="-22175" y="2570600"/>
+            <a:ext cx="2323200" cy="451800"/>
+          </a:xfrm>
+          <a:prstGeom prst="rect">
+            <a:avLst/>
+          </a:prstGeom>
+          <a:noFill/>
+          <a:ln>
+            <a:noFill/>
+          </a:ln>
+        </p:spPr>
+        <p:txBody>
+          <a:bodyPr anchorCtr="0" anchor="ctr" bIns="91425" lIns="91425" spcFirstLastPara="1" rIns="91425" wrap="square" tIns="91425">
+            <a:noAutofit/>
+          </a:bodyPr>
+          <a:lstStyle/>
+          <a:p>
+            <a:pPr indent="0" lvl="0" marL="0" rtl="0" algn="ctr">
+              <a:spcBef>
+                <a:spcPts val="0"/>
+              </a:spcBef>
+              <a:spcAft>
+                <a:spcPts val="0"/>
+              </a:spcAft>
+              <a:buNone/>
+            </a:pPr>
+            <a:r>
+              <a:rPr lang="en" sz="1200">
+                <a:latin typeface="Miriam Libre"/>
+                <a:ea typeface="Miriam Libre"/>
+                <a:cs typeface="Miriam Libre"/>
+                <a:sym typeface="Miriam Libre"/>
+              </a:rPr>
+              <a:t>Language Php</a:t>
+            </a:r>
+            <a:r>
+              <a:rPr lang="en" sz="1200">
+                <a:latin typeface="Miriam Libre"/>
+                <a:ea typeface="Miriam Libre"/>
+                <a:cs typeface="Miriam Libre"/>
+                <a:sym typeface="Miriam Libre"/>
+              </a:rPr>
+              <a:t> </a:t>
+            </a:r>
+            <a:endParaRPr sz="1200">
+              <a:latin typeface="Miriam Libre"/>
+              <a:ea typeface="Miriam Libre"/>
+              <a:cs typeface="Miriam Libre"/>
+              <a:sym typeface="Miriam Libre"/>
+            </a:endParaRPr>
+          </a:p>
+          <a:p>
+            <a:pPr indent="0" lvl="0" marL="0" rtl="0" algn="ctr">
+              <a:spcBef>
+                <a:spcPts val="0"/>
+              </a:spcBef>
+              <a:spcAft>
+                <a:spcPts val="0"/>
+              </a:spcAft>
+              <a:buNone/>
+            </a:pPr>
+            <a:r>
+              <a:rPr lang="en" sz="1200">
+                <a:latin typeface="Miriam Libre"/>
+                <a:ea typeface="Miriam Libre"/>
+                <a:cs typeface="Miriam Libre"/>
+                <a:sym typeface="Miriam Libre"/>
+              </a:rPr>
+              <a:t>Stockage des objets</a:t>
+            </a:r>
+            <a:endParaRPr sz="1200">
+              <a:latin typeface="Miriam Libre"/>
+              <a:ea typeface="Miriam Libre"/>
+              <a:cs typeface="Miriam Libre"/>
+              <a:sym typeface="Miriam Libre"/>
+            </a:endParaRPr>
+          </a:p>
+          <a:p>
+            <a:pPr indent="0" lvl="0" marL="0" rtl="0" algn="ctr">
+              <a:spcBef>
+                <a:spcPts val="0"/>
+              </a:spcBef>
+              <a:spcAft>
+                <a:spcPts val="0"/>
+              </a:spcAft>
+              <a:buNone/>
+            </a:pPr>
+            <a:r>
+              <a:rPr lang="en" sz="1200">
+                <a:latin typeface="Miriam Libre"/>
+                <a:ea typeface="Miriam Libre"/>
+                <a:cs typeface="Miriam Libre"/>
+                <a:sym typeface="Miriam Libre"/>
+              </a:rPr>
+              <a:t>Stockage des données</a:t>
+            </a:r>
+            <a:endParaRPr sz="1200">
+              <a:latin typeface="Miriam Libre"/>
+              <a:ea typeface="Miriam Libre"/>
+              <a:cs typeface="Miriam Libre"/>
+              <a:sym typeface="Miriam Libre"/>
+            </a:endParaRPr>
+          </a:p>
+        </p:txBody>
+      </p:sp>
+      <p:sp>
+        <p:nvSpPr>
+          <p:cNvPr id="320" name="Shape 320"/>
+          <p:cNvSpPr txBox="1"/>
+          <p:nvPr/>
+        </p:nvSpPr>
+        <p:spPr>
+          <a:xfrm>
+            <a:off x="130225" y="3240575"/>
+            <a:ext cx="2018400" cy="595500"/>
+          </a:xfrm>
+          <a:prstGeom prst="rect">
+            <a:avLst/>
+          </a:prstGeom>
+          <a:noFill/>
+          <a:ln>
+            <a:noFill/>
+          </a:ln>
+        </p:spPr>
+        <p:txBody>
+          <a:bodyPr anchorCtr="0" anchor="ctr" bIns="91425" lIns="91425" spcFirstLastPara="1" rIns="91425" wrap="square" tIns="91425">
+            <a:noAutofit/>
+          </a:bodyPr>
+          <a:lstStyle/>
+          <a:p>
+            <a:pPr indent="0" lvl="0" marL="0" rtl="0" algn="ctr">
+              <a:spcBef>
+                <a:spcPts val="0"/>
+              </a:spcBef>
+              <a:spcAft>
+                <a:spcPts val="0"/>
+              </a:spcAft>
+              <a:buNone/>
+            </a:pPr>
+            <a:r>
+              <a:rPr lang="en" sz="1800">
+                <a:solidFill>
+                  <a:srgbClr val="4F4A9E"/>
+                </a:solidFill>
+                <a:latin typeface="Miriam Libre"/>
+                <a:ea typeface="Miriam Libre"/>
+                <a:cs typeface="Miriam Libre"/>
+                <a:sym typeface="Miriam Libre"/>
+              </a:rPr>
+              <a:t>Controler</a:t>
+            </a:r>
+            <a:endParaRPr sz="1800">
+              <a:solidFill>
+                <a:srgbClr val="4F4A9E"/>
+              </a:solidFill>
+            </a:endParaRPr>
+          </a:p>
+        </p:txBody>
+      </p:sp>
+      <p:sp>
+        <p:nvSpPr>
+          <p:cNvPr id="321" name="Shape 321"/>
+          <p:cNvSpPr txBox="1"/>
+          <p:nvPr/>
+        </p:nvSpPr>
+        <p:spPr>
+          <a:xfrm>
+            <a:off x="-22175" y="3670025"/>
+            <a:ext cx="2323200" cy="451800"/>
+          </a:xfrm>
+          <a:prstGeom prst="rect">
+            <a:avLst/>
+          </a:prstGeom>
+          <a:noFill/>
+          <a:ln>
+            <a:noFill/>
+          </a:ln>
+        </p:spPr>
+        <p:txBody>
+          <a:bodyPr anchorCtr="0" anchor="ctr" bIns="91425" lIns="91425" spcFirstLastPara="1" rIns="91425" wrap="square" tIns="91425">
+            <a:noAutofit/>
+          </a:bodyPr>
+          <a:lstStyle/>
+          <a:p>
+            <a:pPr indent="0" lvl="0" marL="0" rtl="0" algn="ctr">
+              <a:spcBef>
+                <a:spcPts val="0"/>
+              </a:spcBef>
+              <a:spcAft>
+                <a:spcPts val="0"/>
+              </a:spcAft>
+              <a:buNone/>
+            </a:pPr>
+            <a:r>
+              <a:rPr lang="en" sz="1200">
+                <a:latin typeface="Miriam Libre"/>
+                <a:ea typeface="Miriam Libre"/>
+                <a:cs typeface="Miriam Libre"/>
+                <a:sym typeface="Miriam Libre"/>
+              </a:rPr>
+              <a:t>Language Php </a:t>
+            </a:r>
+            <a:endParaRPr sz="1200">
+              <a:latin typeface="Miriam Libre"/>
+              <a:ea typeface="Miriam Libre"/>
+              <a:cs typeface="Miriam Libre"/>
+              <a:sym typeface="Miriam Libre"/>
+            </a:endParaRPr>
+          </a:p>
+          <a:p>
+            <a:pPr indent="0" lvl="0" marL="0" rtl="0" algn="ctr">
+              <a:spcBef>
+                <a:spcPts val="0"/>
+              </a:spcBef>
+              <a:spcAft>
+                <a:spcPts val="0"/>
+              </a:spcAft>
+              <a:buNone/>
+            </a:pPr>
+            <a:r>
+              <a:rPr lang="en" sz="1200">
+                <a:latin typeface="Miriam Libre"/>
+                <a:ea typeface="Miriam Libre"/>
+                <a:cs typeface="Miriam Libre"/>
+                <a:sym typeface="Miriam Libre"/>
+              </a:rPr>
+              <a:t>Lie les vues &amp; les contrôlers </a:t>
+            </a:r>
+            <a:endParaRPr sz="1200">
+              <a:latin typeface="Miriam Libre"/>
+              <a:ea typeface="Miriam Libre"/>
+              <a:cs typeface="Miriam Libre"/>
+              <a:sym typeface="Miriam Libre"/>
+            </a:endParaRPr>
+          </a:p>
+        </p:txBody>
+      </p:sp>
+      <p:sp>
+        <p:nvSpPr>
+          <p:cNvPr id="322" name="Shape 322"/>
+          <p:cNvSpPr txBox="1"/>
+          <p:nvPr/>
+        </p:nvSpPr>
+        <p:spPr>
+          <a:xfrm>
+            <a:off x="2148625" y="1756925"/>
+            <a:ext cx="2018400" cy="595500"/>
+          </a:xfrm>
+          <a:prstGeom prst="rect">
+            <a:avLst/>
+          </a:prstGeom>
+          <a:noFill/>
+          <a:ln>
+            <a:noFill/>
+          </a:ln>
+        </p:spPr>
+        <p:txBody>
+          <a:bodyPr anchorCtr="0" anchor="ctr" bIns="91425" lIns="91425" spcFirstLastPara="1" rIns="91425" wrap="square" tIns="91425">
+            <a:noAutofit/>
+          </a:bodyPr>
+          <a:lstStyle/>
+          <a:p>
+            <a:pPr indent="0" lvl="0" marL="0" rtl="0" algn="ctr">
+              <a:spcBef>
+                <a:spcPts val="0"/>
+              </a:spcBef>
+              <a:spcAft>
+                <a:spcPts val="0"/>
+              </a:spcAft>
+              <a:buNone/>
+            </a:pPr>
+            <a:r>
+              <a:rPr lang="en" sz="1800">
+                <a:solidFill>
+                  <a:srgbClr val="4F4A9E"/>
+                </a:solidFill>
+                <a:latin typeface="Miriam Libre"/>
+                <a:ea typeface="Miriam Libre"/>
+                <a:cs typeface="Miriam Libre"/>
+                <a:sym typeface="Miriam Libre"/>
+              </a:rPr>
+              <a:t>Public</a:t>
+            </a:r>
+            <a:endParaRPr sz="1800">
+              <a:solidFill>
+                <a:srgbClr val="4F4A9E"/>
+              </a:solidFill>
+            </a:endParaRPr>
+          </a:p>
+        </p:txBody>
+      </p:sp>
+      <p:sp>
+        <p:nvSpPr>
+          <p:cNvPr id="323" name="Shape 323"/>
+          <p:cNvSpPr txBox="1"/>
+          <p:nvPr/>
+        </p:nvSpPr>
+        <p:spPr>
+          <a:xfrm>
+            <a:off x="2148625" y="2135213"/>
+            <a:ext cx="2018400" cy="451800"/>
+          </a:xfrm>
+          <a:prstGeom prst="rect">
+            <a:avLst/>
+          </a:prstGeom>
+          <a:noFill/>
+          <a:ln>
+            <a:noFill/>
+          </a:ln>
+        </p:spPr>
+        <p:txBody>
+          <a:bodyPr anchorCtr="0" anchor="ctr" bIns="91425" lIns="91425" spcFirstLastPara="1" rIns="91425" wrap="square" tIns="91425">
+            <a:noAutofit/>
+          </a:bodyPr>
+          <a:lstStyle/>
+          <a:p>
+            <a:pPr indent="0" lvl="0" marL="0" rtl="0" algn="ctr">
+              <a:spcBef>
+                <a:spcPts val="0"/>
+              </a:spcBef>
+              <a:spcAft>
+                <a:spcPts val="0"/>
+              </a:spcAft>
+              <a:buNone/>
+            </a:pPr>
+            <a:r>
+              <a:rPr lang="en" sz="1200">
+                <a:latin typeface="Miriam Libre"/>
+                <a:ea typeface="Miriam Libre"/>
+                <a:cs typeface="Miriam Libre"/>
+                <a:sym typeface="Miriam Libre"/>
+              </a:rPr>
+              <a:t>Les images</a:t>
+            </a:r>
+            <a:endParaRPr sz="1200">
+              <a:latin typeface="Miriam Libre"/>
+              <a:ea typeface="Miriam Libre"/>
+              <a:cs typeface="Miriam Libre"/>
+              <a:sym typeface="Miriam Libre"/>
+            </a:endParaRPr>
+          </a:p>
+          <a:p>
+            <a:pPr indent="0" lvl="0" marL="0" rtl="0" algn="ctr">
+              <a:spcBef>
+                <a:spcPts val="0"/>
+              </a:spcBef>
+              <a:spcAft>
+                <a:spcPts val="0"/>
+              </a:spcAft>
+              <a:buNone/>
+            </a:pPr>
+            <a:r>
+              <a:rPr lang="en" sz="1200">
+                <a:latin typeface="Miriam Libre"/>
+                <a:ea typeface="Miriam Libre"/>
+                <a:cs typeface="Miriam Libre"/>
+                <a:sym typeface="Miriam Libre"/>
+              </a:rPr>
+              <a:t>Document libre d’accés</a:t>
+            </a:r>
+            <a:endParaRPr sz="1200">
+              <a:latin typeface="Miriam Libre"/>
+              <a:ea typeface="Miriam Libre"/>
+              <a:cs typeface="Miriam Libre"/>
+              <a:sym typeface="Miriam Libre"/>
+            </a:endParaRPr>
+          </a:p>
+        </p:txBody>
+      </p:sp>
+      <p:sp>
+        <p:nvSpPr>
+          <p:cNvPr id="324" name="Shape 324"/>
+          <p:cNvSpPr txBox="1"/>
+          <p:nvPr/>
+        </p:nvSpPr>
+        <p:spPr>
+          <a:xfrm>
+            <a:off x="2148625" y="2663000"/>
+            <a:ext cx="2018400" cy="595500"/>
+          </a:xfrm>
+          <a:prstGeom prst="rect">
+            <a:avLst/>
+          </a:prstGeom>
+          <a:noFill/>
+          <a:ln>
+            <a:noFill/>
+          </a:ln>
+        </p:spPr>
+        <p:txBody>
+          <a:bodyPr anchorCtr="0" anchor="ctr" bIns="91425" lIns="91425" spcFirstLastPara="1" rIns="91425" wrap="square" tIns="91425">
+            <a:noAutofit/>
+          </a:bodyPr>
+          <a:lstStyle/>
+          <a:p>
+            <a:pPr indent="0" lvl="0" marL="0" rtl="0" algn="ctr">
+              <a:spcBef>
+                <a:spcPts val="0"/>
+              </a:spcBef>
+              <a:spcAft>
+                <a:spcPts val="0"/>
+              </a:spcAft>
+              <a:buNone/>
+            </a:pPr>
+            <a:r>
+              <a:rPr lang="en" sz="1800">
+                <a:solidFill>
+                  <a:srgbClr val="4F4A9E"/>
+                </a:solidFill>
+                <a:latin typeface="Miriam Libre"/>
+                <a:ea typeface="Miriam Libre"/>
+                <a:cs typeface="Miriam Libre"/>
+                <a:sym typeface="Miriam Libre"/>
+              </a:rPr>
+              <a:t>Private</a:t>
+            </a:r>
+            <a:endParaRPr sz="1800">
+              <a:solidFill>
+                <a:srgbClr val="4F4A9E"/>
+              </a:solidFill>
+            </a:endParaRPr>
+          </a:p>
+        </p:txBody>
+      </p:sp>
+      <p:sp>
+        <p:nvSpPr>
+          <p:cNvPr id="325" name="Shape 325"/>
+          <p:cNvSpPr txBox="1"/>
+          <p:nvPr/>
+        </p:nvSpPr>
+        <p:spPr>
+          <a:xfrm>
+            <a:off x="2280325" y="3022388"/>
+            <a:ext cx="1755000" cy="451800"/>
+          </a:xfrm>
+          <a:prstGeom prst="rect">
+            <a:avLst/>
+          </a:prstGeom>
+          <a:noFill/>
+          <a:ln>
+            <a:noFill/>
+          </a:ln>
+        </p:spPr>
+        <p:txBody>
+          <a:bodyPr anchorCtr="0" anchor="ctr" bIns="91425" lIns="91425" spcFirstLastPara="1" rIns="91425" wrap="square" tIns="91425">
+            <a:noAutofit/>
+          </a:bodyPr>
+          <a:lstStyle/>
+          <a:p>
+            <a:pPr indent="0" lvl="0" marL="0" rtl="0" algn="ctr">
+              <a:spcBef>
+                <a:spcPts val="0"/>
+              </a:spcBef>
+              <a:spcAft>
+                <a:spcPts val="0"/>
+              </a:spcAft>
+              <a:buNone/>
+            </a:pPr>
+            <a:r>
+              <a:rPr lang="en" sz="1200">
+                <a:latin typeface="Miriam Libre"/>
+                <a:ea typeface="Miriam Libre"/>
+                <a:cs typeface="Miriam Libre"/>
+                <a:sym typeface="Miriam Libre"/>
+              </a:rPr>
+              <a:t>Les librairies</a:t>
+            </a:r>
+            <a:endParaRPr sz="1200">
+              <a:latin typeface="Miriam Libre"/>
+              <a:ea typeface="Miriam Libre"/>
+              <a:cs typeface="Miriam Libre"/>
+              <a:sym typeface="Miriam Libre"/>
+            </a:endParaRPr>
+          </a:p>
+          <a:p>
+            <a:pPr indent="0" lvl="0" marL="0" rtl="0" algn="ctr">
+              <a:spcBef>
+                <a:spcPts val="0"/>
+              </a:spcBef>
+              <a:spcAft>
+                <a:spcPts val="0"/>
+              </a:spcAft>
+              <a:buNone/>
+            </a:pPr>
+            <a:r>
+              <a:rPr lang="en" sz="1200">
+                <a:latin typeface="Miriam Libre"/>
+                <a:ea typeface="Miriam Libre"/>
+                <a:cs typeface="Miriam Libre"/>
+                <a:sym typeface="Miriam Libre"/>
+              </a:rPr>
+              <a:t>Class exterieur</a:t>
+            </a:r>
+            <a:endParaRPr sz="1200">
+              <a:latin typeface="Miriam Libre"/>
+              <a:ea typeface="Miriam Libre"/>
+              <a:cs typeface="Miriam Libre"/>
+              <a:sym typeface="Miriam Libre"/>
+            </a:endParaRPr>
+          </a:p>
+        </p:txBody>
+      </p:sp>
+    </p:spTree>
+  </p:cSld>
+  <p:clrMapOvr>
+    <a:masterClrMapping/>
+  </p:clrMapOvr>
 </p:sld>
 </file>
 
 <file path=ppt/theme/theme1.xml><?xml version="1.0" encoding="utf-8"?>
+<a:theme xmlns:a="http://schemas.openxmlformats.org/drawingml/2006/main" xmlns:r="http://schemas.openxmlformats.org/officeDocument/2006/relationships" name="Roderigo template">
+  <a:themeElements>
+    <a:clrScheme name="Custom 347">
+      <a:dk1>
+        <a:srgbClr val="000000"/>
+      </a:dk1>
+      <a:lt1>
+        <a:srgbClr val="FFFFFF"/>
+      </a:lt1>
+      <a:dk2>
+        <a:srgbClr val="666666"/>
+      </a:dk2>
+      <a:lt2>
+        <a:srgbClr val="CCCCCC"/>
+      </a:lt2>
+      <a:accent1>
+        <a:srgbClr val="3A81BA"/>
+      </a:accent1>
+      <a:accent2>
+        <a:srgbClr val="D89F39"/>
+      </a:accent2>
+      <a:accent3>
+        <a:srgbClr val="8BAB42"/>
+      </a:accent3>
+      <a:accent4>
+        <a:srgbClr val="57A7B5"/>
+      </a:accent4>
+      <a:accent5>
+        <a:srgbClr val="8B81D2"/>
+      </a:accent5>
+      <a:accent6>
+        <a:srgbClr val="963334"/>
+      </a:accent6>
+      <a:hlink>
+        <a:srgbClr val="1155CC"/>
+      </a:hlink>
+      <a:folHlink>
+        <a:srgbClr val="6611CC"/>
+      </a:folHlink>
+    </a:clrScheme>
+    <a:fontScheme name="Office">
+      <a:majorFont>
+        <a:latin typeface="Arial"/>
+        <a:ea typeface=""/>
+        <a:cs typeface=""/>
+        <a:font script="Jpan" typeface="ＭＳ Ｐゴシック"/>
+        <a:font script="Hang" typeface="맑은 고딕"/>
+        <a:font script="Hans" typeface="宋体"/>
+        <a:font script="Hant" typeface="新細明體"/>
+        <a:font script="Arab" typeface="Times New Roman"/>
+        <a:font script="Hebr" typeface="Times New Roman"/>
+        <a:font script="Thai" typeface="Angsana New"/>
+        <a:font script="Ethi" typeface="Nyala"/>
+        <a:font script="Beng" typeface="Vrinda"/>
+        <a:font script="Gujr" typeface="Shruti"/>
+        <a:font script="Khmr" typeface="MoolBoran"/>
+        <a:font script="Knda" typeface="Tunga"/>
+        <a:font script="Guru" typeface="Raavi"/>
+        <a:font script="Cans" typeface="Euphemia"/>
+        <a:font script="Cher" typeface="Plantagenet Cherokee"/>
+        <a:font script="Yiii" typeface="Microsoft Yi Baiti"/>
+        <a:font script="Tibt" typeface="Microsoft Himalaya"/>
+        <a:font script="Thaa" typeface="MV Boli"/>
+        <a:font script="Deva" typeface="Mangal"/>
+        <a:font script="Telu" typeface="Gautami"/>
+        <a:font script="Taml" typeface="Latha"/>
+        <a:font script="Syrc" typeface="Estrangelo Edessa"/>
+        <a:font script="Orya" typeface="Kalinga"/>
+        <a:font script="Mlym" typeface="Kartika"/>
+        <a:font script="Laoo" typeface="DokChampa"/>
+        <a:font script="Sinh" typeface="Iskoola Pota"/>
+        <a:font script="Mong" typeface="Mongolian Baiti"/>
+        <a:font script="Viet" typeface="Times New Roman"/>
+        <a:font script="Uigh" typeface="Microsoft Uighur"/>
+        <a:font script="Geor" typeface="Sylfaen"/>
+      </a:majorFont>
+      <a:minorFont>
+        <a:latin typeface="Arial"/>
+        <a:ea typeface=""/>
+        <a:cs typeface=""/>
+        <a:font script="Jpan" typeface="ＭＳ Ｐゴシック"/>
+        <a:font script="Hang" typeface="맑은 고딕"/>
+        <a:font script="Hans" typeface="宋体"/>
+        <a:font script="Hant" typeface="新細明體"/>
+        <a:font script="Arab" typeface="Arial"/>
+        <a:font script="Hebr" typeface="Arial"/>
+        <a:font script="Thai" typeface="Cordia New"/>
+        <a:font script="Ethi" typeface="Nyala"/>
+        <a:font script="Beng" typeface="Vrinda"/>
+        <a:font script="Gujr" typeface="Shruti"/>
+        <a:font script="Khmr" typeface="DaunPenh"/>
+        <a:font script="Knda" typeface="Tunga"/>
+        <a:font script="Guru" typeface="Raavi"/>
+        <a:font script="Cans" typeface="Euphemia"/>
+        <a:font script="Cher" typeface="Plantagenet Cherokee"/>
+        <a:font script="Yiii" typeface="Microsoft Yi Baiti"/>
+        <a:font script="Tibt" typeface="Microsoft Himalaya"/>
+        <a:font script="Thaa" typeface="MV Boli"/>
+        <a:font script="Deva" typeface="Mangal"/>
+        <a:font script="Telu" typeface="Gautami"/>
+        <a:font script="Taml" typeface="Latha"/>
+        <a:font script="Syrc" typeface="Estrangelo Edessa"/>
+        <a:font script="Orya" typeface="Kalinga"/>
+        <a:font script="Mlym" typeface="Kartika"/>
+        <a:font script="Laoo" typeface="DokChampa"/>
+        <a:font script="Sinh" typeface="Iskoola Pota"/>
+        <a:font script="Mong" typeface="Mongolian Baiti"/>
+        <a:font script="Viet" typeface="Arial"/>
+        <a:font script="Uigh" typeface="Microsoft Uighur"/>
+        <a:font script="Geor" typeface="Sylfaen"/>
+      </a:minorFont>
+    </a:fontScheme>
+    <a:fmtScheme name="Office">
+      <a:fillStyleLst>
+        <a:solidFill>
+          <a:schemeClr val="phClr"/>
+        </a:solidFill>
+        <a:gradFill rotWithShape="1">
+          <a:gsLst>
+            <a:gs pos="0">
+              <a:schemeClr val="phClr">
+                <a:tint val="50000"/>
+                <a:satMod val="300000"/>
+              </a:schemeClr>
+            </a:gs>
+            <a:gs pos="35000">
+              <a:schemeClr val="phClr">
+                <a:tint val="37000"/>
+                <a:satMod val="300000"/>
+              </a:schemeClr>
+            </a:gs>
+            <a:gs pos="100000">
+              <a:schemeClr val="phClr">
+                <a:tint val="15000"/>
+                <a:satMod val="350000"/>
+              </a:schemeClr>
+            </a:gs>
+          </a:gsLst>
+          <a:lin ang="16200000" scaled="1"/>
+        </a:gradFill>
+        <a:gradFill rotWithShape="1">
+          <a:gsLst>
+            <a:gs pos="0">
+              <a:schemeClr val="phClr">
+                <a:tint val="100000"/>
+                <a:shade val="100000"/>
+                <a:satMod val="130000"/>
+              </a:schemeClr>
+            </a:gs>
+            <a:gs pos="100000">
+              <a:schemeClr val="phClr">
+                <a:tint val="50000"/>
+                <a:shade val="100000"/>
+                <a:satMod val="350000"/>
+              </a:schemeClr>
+            </a:gs>
+          </a:gsLst>
+          <a:lin ang="16200000" scaled="0"/>
+        </a:gradFill>
+      </a:fillStyleLst>
+      <a:lnStyleLst>
+        <a:ln w="9525" cap="flat" cmpd="sng" algn="ctr">
+          <a:solidFill>
+            <a:schemeClr val="phClr">
+              <a:shade val="95000"/>
+              <a:satMod val="105000"/>
+            </a:schemeClr>
+          </a:solidFill>
+          <a:prstDash val="solid"/>
+        </a:ln>
+        <a:ln w="25400" cap="flat" cmpd="sng" algn="ctr">
+          <a:solidFill>
+            <a:schemeClr val="phClr"/>
+          </a:solidFill>
+          <a:prstDash val="solid"/>
+        </a:ln>
+        <a:ln w="38100" cap="flat" cmpd="sng" algn="ctr">
+          <a:solidFill>
+            <a:schemeClr val="phClr"/>
+          </a:solidFill>
+          <a:prstDash val="solid"/>
+        </a:ln>
+      </a:lnStyleLst>
+      <a:effectStyleLst>
+        <a:effectStyle>
+          <a:effectLst>
+            <a:outerShdw blurRad="40000" dist="20000" dir="5400000" rotWithShape="0">
+              <a:srgbClr val="000000">
+                <a:alpha val="38000"/>
+              </a:srgbClr>
+            </a:outerShdw>
+          </a:effectLst>
+        </a:effectStyle>
+        <a:effectStyle>
+          <a:effectLst>
+            <a:outerShdw blurRad="40000" dist="23000" dir="5400000" rotWithShape="0">
+              <a:srgbClr val="000000">
+                <a:alpha val="35000"/>
+              </a:srgbClr>
+            </a:outerShdw>
+          </a:effectLst>
+        </a:effectStyle>
+        <a:effectStyle>
+          <a:effectLst>
+            <a:outerShdw blurRad="40000" dist="23000" dir="5400000" rotWithShape="0">
+              <a:srgbClr val="000000">
+                <a:alpha val="35000"/>
+              </a:srgbClr>
+            </a:outerShdw>
+          </a:effectLst>
+          <a:scene3d>
+            <a:camera prst="orthographicFront">
+              <a:rot lat="0" lon="0" rev="0"/>
+            </a:camera>
+            <a:lightRig rig="threePt" dir="t">
+              <a:rot lat="0" lon="0" rev="1200000"/>
+            </a:lightRig>
+          </a:scene3d>
+          <a:sp3d>
+            <a:bevelT w="63500" h="25400"/>
+          </a:sp3d>
+        </a:effectStyle>
+      </a:effectStyleLst>
+      <a:bgFillStyleLst>
+        <a:solidFill>
+          <a:schemeClr val="phClr"/>
+        </a:solidFill>
+        <a:gradFill rotWithShape="1">
+          <a:gsLst>
+            <a:gs pos="0">
+              <a:schemeClr val="phClr">
+                <a:tint val="40000"/>
+                <a:satMod val="350000"/>
+              </a:schemeClr>
+            </a:gs>
+            <a:gs pos="40000">
+              <a:schemeClr val="phClr">
+                <a:tint val="45000"/>
+                <a:shade val="99000"/>
+                <a:satMod val="350000"/>
+              </a:schemeClr>
+            </a:gs>
+            <a:gs pos="100000">
+              <a:schemeClr val="phClr">
+                <a:shade val="20000"/>
+                <a:satMod val="255000"/>
+              </a:schemeClr>
+            </a:gs>
+          </a:gsLst>
+          <a:path path="circle">
+            <a:fillToRect l="50000" t="-80000" r="50000" b="180000"/>
+          </a:path>
+        </a:gradFill>
+        <a:gradFill rotWithShape="1">
+          <a:gsLst>
+            <a:gs pos="0">
+              <a:schemeClr val="phClr">
+                <a:tint val="80000"/>
+                <a:satMod val="300000"/>
+              </a:schemeClr>
+            </a:gs>
+            <a:gs pos="100000">
+              <a:schemeClr val="phClr">
+                <a:shade val="30000"/>
+                <a:satMod val="200000"/>
+              </a:schemeClr>
+            </a:gs>
+          </a:gsLst>
+          <a:path path="circle">
+            <a:fillToRect l="50000" t="50000" r="50000" b="50000"/>
+          </a:path>
+        </a:gradFill>
+      </a:bgFillStyleLst>
+    </a:fmtScheme>
+  </a:themeElements>
+</a:theme>
+</file>
+
+<file path=ppt/theme/theme2.xml><?xml version="1.0" encoding="utf-8"?>
 <a:theme xmlns:a="http://schemas.openxmlformats.org/drawingml/2006/main" xmlns:r="http://schemas.openxmlformats.org/officeDocument/2006/relationships">
   <a:themeElements>
     <a:clrScheme name="Default">
@@ -37608,283 +40608,4 @@
     </a:fmtScheme>
   </a:themeElements>
 </a:theme>
-</file>
-
-<file path=ppt/theme/theme2.xml><?xml version="1.0" encoding="utf-8"?>
-<a:theme xmlns:a="http://schemas.openxmlformats.org/drawingml/2006/main" xmlns:r="http://schemas.openxmlformats.org/officeDocument/2006/relationships" name="Roderigo template">
-  <a:themeElements>
-    <a:clrScheme name="Custom 347">
-      <a:dk1>
-        <a:srgbClr val="000000"/>
-      </a:dk1>
-      <a:lt1>
-        <a:srgbClr val="FFFFFF"/>
-      </a:lt1>
-      <a:dk2>
-        <a:srgbClr val="666666"/>
-      </a:dk2>
-      <a:lt2>
-        <a:srgbClr val="CCCCCC"/>
-      </a:lt2>
-      <a:accent1>
-        <a:srgbClr val="3A81BA"/>
-      </a:accent1>
-      <a:accent2>
-        <a:srgbClr val="D89F39"/>
-      </a:accent2>
-      <a:accent3>
-        <a:srgbClr val="8BAB42"/>
-      </a:accent3>
-      <a:accent4>
-        <a:srgbClr val="57A7B5"/>
-      </a:accent4>
-      <a:accent5>
-        <a:srgbClr val="8B81D2"/>
-      </a:accent5>
-      <a:accent6>
-        <a:srgbClr val="963334"/>
-      </a:accent6>
-      <a:hlink>
-        <a:srgbClr val="1155CC"/>
-      </a:hlink>
-      <a:folHlink>
-        <a:srgbClr val="6611CC"/>
-      </a:folHlink>
-    </a:clrScheme>
-    <a:fontScheme name="Office">
-      <a:majorFont>
-        <a:latin typeface="Arial"/>
-        <a:ea typeface=""/>
-        <a:cs typeface=""/>
-        <a:font script="Jpan" typeface="ＭＳ Ｐゴシック"/>
-        <a:font script="Hang" typeface="맑은 고딕"/>
-        <a:font script="Hans" typeface="宋体"/>
-        <a:font script="Hant" typeface="新細明體"/>
-        <a:font script="Arab" typeface="Times New Roman"/>
-        <a:font script="Hebr" typeface="Times New Roman"/>
-        <a:font script="Thai" typeface="Angsana New"/>
-        <a:font script="Ethi" typeface="Nyala"/>
-        <a:font script="Beng" typeface="Vrinda"/>
-        <a:font script="Gujr" typeface="Shruti"/>
-        <a:font script="Khmr" typeface="MoolBoran"/>
-        <a:font script="Knda" typeface="Tunga"/>
-        <a:font script="Guru" typeface="Raavi"/>
-        <a:font script="Cans" typeface="Euphemia"/>
-        <a:font script="Cher" typeface="Plantagenet Cherokee"/>
-        <a:font script="Yiii" typeface="Microsoft Yi Baiti"/>
-        <a:font script="Tibt" typeface="Microsoft Himalaya"/>
-        <a:font script="Thaa" typeface="MV Boli"/>
-        <a:font script="Deva" typeface="Mangal"/>
-        <a:font script="Telu" typeface="Gautami"/>
-        <a:font script="Taml" typeface="Latha"/>
-        <a:font script="Syrc" typeface="Estrangelo Edessa"/>
-        <a:font script="Orya" typeface="Kalinga"/>
-        <a:font script="Mlym" typeface="Kartika"/>
-        <a:font script="Laoo" typeface="DokChampa"/>
-        <a:font script="Sinh" typeface="Iskoola Pota"/>
-        <a:font script="Mong" typeface="Mongolian Baiti"/>
-        <a:font script="Viet" typeface="Times New Roman"/>
-        <a:font script="Uigh" typeface="Microsoft Uighur"/>
-        <a:font script="Geor" typeface="Sylfaen"/>
-      </a:majorFont>
-      <a:minorFont>
-        <a:latin typeface="Arial"/>
-        <a:ea typeface=""/>
-        <a:cs typeface=""/>
-        <a:font script="Jpan" typeface="ＭＳ Ｐゴシック"/>
-        <a:font script="Hang" typeface="맑은 고딕"/>
-        <a:font script="Hans" typeface="宋体"/>
-        <a:font script="Hant" typeface="新細明體"/>
-        <a:font script="Arab" typeface="Arial"/>
-        <a:font script="Hebr" typeface="Arial"/>
-        <a:font script="Thai" typeface="Cordia New"/>
-        <a:font script="Ethi" typeface="Nyala"/>
-        <a:font script="Beng" typeface="Vrinda"/>
-        <a:font script="Gujr" typeface="Shruti"/>
-        <a:font script="Khmr" typeface="DaunPenh"/>
-        <a:font script="Knda" typeface="Tunga"/>
-        <a:font script="Guru" typeface="Raavi"/>
-        <a:font script="Cans" typeface="Euphemia"/>
-        <a:font script="Cher" typeface="Plantagenet Cherokee"/>
-        <a:font script="Yiii" typeface="Microsoft Yi Baiti"/>
-        <a:font script="Tibt" typeface="Microsoft Himalaya"/>
-        <a:font script="Thaa" typeface="MV Boli"/>
-        <a:font script="Deva" typeface="Mangal"/>
-        <a:font script="Telu" typeface="Gautami"/>
-        <a:font script="Taml" typeface="Latha"/>
-        <a:font script="Syrc" typeface="Estrangelo Edessa"/>
-        <a:font script="Orya" typeface="Kalinga"/>
-        <a:font script="Mlym" typeface="Kartika"/>
-        <a:font script="Laoo" typeface="DokChampa"/>
-        <a:font script="Sinh" typeface="Iskoola Pota"/>
-        <a:font script="Mong" typeface="Mongolian Baiti"/>
-        <a:font script="Viet" typeface="Arial"/>
-        <a:font script="Uigh" typeface="Microsoft Uighur"/>
-        <a:font script="Geor" typeface="Sylfaen"/>
-      </a:minorFont>
-    </a:fontScheme>
-    <a:fmtScheme name="Office">
-      <a:fillStyleLst>
-        <a:solidFill>
-          <a:schemeClr val="phClr"/>
-        </a:solidFill>
-        <a:gradFill rotWithShape="1">
-          <a:gsLst>
-            <a:gs pos="0">
-              <a:schemeClr val="phClr">
-                <a:tint val="50000"/>
-                <a:satMod val="300000"/>
-              </a:schemeClr>
-            </a:gs>
-            <a:gs pos="35000">
-              <a:schemeClr val="phClr">
-                <a:tint val="37000"/>
-                <a:satMod val="300000"/>
-              </a:schemeClr>
-            </a:gs>
-            <a:gs pos="100000">
-              <a:schemeClr val="phClr">
-                <a:tint val="15000"/>
-                <a:satMod val="350000"/>
-              </a:schemeClr>
-            </a:gs>
-          </a:gsLst>
-          <a:lin ang="16200000" scaled="1"/>
-        </a:gradFill>
-        <a:gradFill rotWithShape="1">
-          <a:gsLst>
-            <a:gs pos="0">
-              <a:schemeClr val="phClr">
-                <a:tint val="100000"/>
-                <a:shade val="100000"/>
-                <a:satMod val="130000"/>
-              </a:schemeClr>
-            </a:gs>
-            <a:gs pos="100000">
-              <a:schemeClr val="phClr">
-                <a:tint val="50000"/>
-                <a:shade val="100000"/>
-                <a:satMod val="350000"/>
-              </a:schemeClr>
-            </a:gs>
-          </a:gsLst>
-          <a:lin ang="16200000" scaled="0"/>
-        </a:gradFill>
-      </a:fillStyleLst>
-      <a:lnStyleLst>
-        <a:ln w="9525" cap="flat" cmpd="sng" algn="ctr">
-          <a:solidFill>
-            <a:schemeClr val="phClr">
-              <a:shade val="95000"/>
-              <a:satMod val="105000"/>
-            </a:schemeClr>
-          </a:solidFill>
-          <a:prstDash val="solid"/>
-        </a:ln>
-        <a:ln w="25400" cap="flat" cmpd="sng" algn="ctr">
-          <a:solidFill>
-            <a:schemeClr val="phClr"/>
-          </a:solidFill>
-          <a:prstDash val="solid"/>
-        </a:ln>
-        <a:ln w="38100" cap="flat" cmpd="sng" algn="ctr">
-          <a:solidFill>
-            <a:schemeClr val="phClr"/>
-          </a:solidFill>
-          <a:prstDash val="solid"/>
-        </a:ln>
-      </a:lnStyleLst>
-      <a:effectStyleLst>
-        <a:effectStyle>
-          <a:effectLst>
-            <a:outerShdw blurRad="40000" dist="20000" dir="5400000" rotWithShape="0">
-              <a:srgbClr val="000000">
-                <a:alpha val="38000"/>
-              </a:srgbClr>
-            </a:outerShdw>
-          </a:effectLst>
-        </a:effectStyle>
-        <a:effectStyle>
-          <a:effectLst>
-            <a:outerShdw blurRad="40000" dist="23000" dir="5400000" rotWithShape="0">
-              <a:srgbClr val="000000">
-                <a:alpha val="35000"/>
-              </a:srgbClr>
-            </a:outerShdw>
-          </a:effectLst>
-        </a:effectStyle>
-        <a:effectStyle>
-          <a:effectLst>
-            <a:outerShdw blurRad="40000" dist="23000" dir="5400000" rotWithShape="0">
-              <a:srgbClr val="000000">
-                <a:alpha val="35000"/>
-              </a:srgbClr>
-            </a:outerShdw>
-          </a:effectLst>
-          <a:scene3d>
-            <a:camera prst="orthographicFront">
-              <a:rot lat="0" lon="0" rev="0"/>
-            </a:camera>
-            <a:lightRig rig="threePt" dir="t">
-              <a:rot lat="0" lon="0" rev="1200000"/>
-            </a:lightRig>
-          </a:scene3d>
-          <a:sp3d>
-            <a:bevelT w="63500" h="25400"/>
-          </a:sp3d>
-        </a:effectStyle>
-      </a:effectStyleLst>
-      <a:bgFillStyleLst>
-        <a:solidFill>
-          <a:schemeClr val="phClr"/>
-        </a:solidFill>
-        <a:gradFill rotWithShape="1">
-          <a:gsLst>
-            <a:gs pos="0">
-              <a:schemeClr val="phClr">
-                <a:tint val="40000"/>
-                <a:satMod val="350000"/>
-              </a:schemeClr>
-            </a:gs>
-            <a:gs pos="40000">
-              <a:schemeClr val="phClr">
-                <a:tint val="45000"/>
-                <a:shade val="99000"/>
-                <a:satMod val="350000"/>
-              </a:schemeClr>
-            </a:gs>
-            <a:gs pos="100000">
-              <a:schemeClr val="phClr">
-                <a:shade val="20000"/>
-                <a:satMod val="255000"/>
-              </a:schemeClr>
-            </a:gs>
-          </a:gsLst>
-          <a:path path="circle">
-            <a:fillToRect l="50000" t="-80000" r="50000" b="180000"/>
-          </a:path>
-        </a:gradFill>
-        <a:gradFill rotWithShape="1">
-          <a:gsLst>
-            <a:gs pos="0">
-              <a:schemeClr val="phClr">
-                <a:tint val="80000"/>
-                <a:satMod val="300000"/>
-              </a:schemeClr>
-            </a:gs>
-            <a:gs pos="100000">
-              <a:schemeClr val="phClr">
-                <a:shade val="30000"/>
-                <a:satMod val="200000"/>
-              </a:schemeClr>
-            </a:gs>
-          </a:gsLst>
-          <a:path path="circle">
-            <a:fillToRect l="50000" t="50000" r="50000" b="50000"/>
-          </a:path>
-        </a:gradFill>
-      </a:bgFillStyleLst>
-    </a:fmtScheme>
-  </a:themeElements>
-</a:theme>
 </file>